--- a/cheatsheet/nctoolkit_cheatsheet.pptx
+++ b/cheatsheet/nctoolkit_cheatsheet.pptx
@@ -1443,7 +1443,7 @@
           </a:ln>
           <a:extLst>
             <a:ext uri="{C572A759-6A51-4108-AA02-DFA0A04FC94B}">
-              <ma14:wrappingTextBoxFlag xmlns="" xmlns:ma14="http://schemas.microsoft.com/office/mac/drawingml/2011/main" val="1"/>
+              <ma14:wrappingTextBoxFlag xmlns:ma14="http://schemas.microsoft.com/office/mac/drawingml/2011/main" xmlns="" val="1"/>
             </a:ext>
           </a:extLst>
         </p:spPr>
@@ -1486,7 +1486,7 @@
           </a:ln>
           <a:extLst>
             <a:ext uri="{C572A759-6A51-4108-AA02-DFA0A04FC94B}">
-              <ma14:wrappingTextBoxFlag xmlns="" xmlns:ma14="http://schemas.microsoft.com/office/mac/drawingml/2011/main" val="1"/>
+              <ma14:wrappingTextBoxFlag xmlns:ma14="http://schemas.microsoft.com/office/mac/drawingml/2011/main" xmlns="" val="1"/>
             </a:ext>
           </a:extLst>
         </p:spPr>
@@ -1970,7 +1970,7 @@
           </a:ln>
           <a:extLst>
             <a:ext uri="{C572A759-6A51-4108-AA02-DFA0A04FC94B}">
-              <ma14:wrappingTextBoxFlag xmlns="" xmlns:ma14="http://schemas.microsoft.com/office/mac/drawingml/2011/main" val="1"/>
+              <ma14:wrappingTextBoxFlag xmlns:ma14="http://schemas.microsoft.com/office/mac/drawingml/2011/main" xmlns="" val="1"/>
             </a:ext>
           </a:extLst>
         </p:spPr>
@@ -2365,7 +2365,7 @@
           </a:ln>
           <a:extLst>
             <a:ext uri="{C572A759-6A51-4108-AA02-DFA0A04FC94B}">
-              <ma14:wrappingTextBoxFlag xmlns="" xmlns:ma14="http://schemas.microsoft.com/office/mac/drawingml/2011/main" val="1"/>
+              <ma14:wrappingTextBoxFlag xmlns:ma14="http://schemas.microsoft.com/office/mac/drawingml/2011/main" xmlns="" val="1"/>
             </a:ext>
           </a:extLst>
         </p:spPr>
@@ -2455,20 +2455,12 @@
               <a:tabLst/>
             </a:pPr>
             <a:r>
-              <a:rPr lang="en-GB" sz="1400" b="1" dirty="0" err="1">
-                <a:solidFill>
-                  <a:srgbClr val="000000"/>
-                </a:solidFill>
-              </a:rPr>
-              <a:t>d</a:t>
-            </a:r>
-            <a:r>
               <a:rPr lang="en-GB" sz="1400" b="1" dirty="0" err="1" smtClean="0">
                 <a:solidFill>
                   <a:srgbClr val="000000"/>
                 </a:solidFill>
               </a:rPr>
-              <a:t>s.crop</a:t>
+              <a:t>ds.subset</a:t>
             </a:r>
             <a:r>
               <a:rPr lang="en-GB" sz="1400" b="1" dirty="0" smtClean="0">
@@ -2492,7 +2484,15 @@
                   <a:srgbClr val="000000"/>
                 </a:solidFill>
               </a:rPr>
-              <a:t> = [</a:t>
+              <a:t> </a:t>
+            </a:r>
+            <a:r>
+              <a:rPr lang="en-GB" sz="1400" b="1" dirty="0" smtClean="0">
+                <a:solidFill>
+                  <a:srgbClr val="000000"/>
+                </a:solidFill>
+              </a:rPr>
+              <a:t>= [</a:t>
             </a:r>
             <a:r>
               <a:rPr lang="en-GB" sz="1400" b="1" dirty="0" err="1" smtClean="0">
@@ -2715,20 +2715,12 @@
               <a:tabLst/>
             </a:pPr>
             <a:r>
-              <a:rPr lang="en-GB" sz="1400" b="1" dirty="0" err="1">
-                <a:solidFill>
-                  <a:srgbClr val="000000"/>
-                </a:solidFill>
-              </a:rPr>
-              <a:t>d</a:t>
-            </a:r>
-            <a:r>
               <a:rPr lang="en-GB" sz="1400" b="1" dirty="0" err="1" smtClean="0">
                 <a:solidFill>
                   <a:srgbClr val="000000"/>
                 </a:solidFill>
               </a:rPr>
-              <a:t>s.select</a:t>
+              <a:t>ds.subset</a:t>
             </a:r>
             <a:r>
               <a:rPr lang="en-GB" sz="1400" b="1" dirty="0" smtClean="0">
@@ -2736,7 +2728,15 @@
                   <a:srgbClr val="000000"/>
                 </a:solidFill>
               </a:rPr>
-              <a:t>(variables = [var1, var2])</a:t>
+              <a:t>(variables </a:t>
+            </a:r>
+            <a:r>
+              <a:rPr lang="en-GB" sz="1400" b="1" dirty="0" smtClean="0">
+                <a:solidFill>
+                  <a:srgbClr val="000000"/>
+                </a:solidFill>
+              </a:rPr>
+              <a:t>= [var1, var2])</a:t>
             </a:r>
           </a:p>
           <a:p>
@@ -2816,20 +2816,12 @@
           <a:p>
             <a:pPr algn="l" rtl="0" latinLnBrk="1" hangingPunct="0"/>
             <a:r>
-              <a:rPr lang="en-GB" sz="1400" b="1" dirty="0" err="1">
-                <a:solidFill>
-                  <a:srgbClr val="000000"/>
-                </a:solidFill>
-              </a:rPr>
-              <a:t>d</a:t>
-            </a:r>
-            <a:r>
               <a:rPr lang="en-GB" sz="1400" b="1" dirty="0" err="1" smtClean="0">
                 <a:solidFill>
                   <a:srgbClr val="000000"/>
                 </a:solidFill>
               </a:rPr>
-              <a:t>s.select</a:t>
+              <a:t>ds.subset</a:t>
             </a:r>
             <a:r>
               <a:rPr lang="en-GB" sz="1400" b="1" dirty="0" smtClean="0">
@@ -2837,7 +2829,15 @@
                   <a:srgbClr val="000000"/>
                 </a:solidFill>
               </a:rPr>
-              <a:t>(years = [2000, 2001])</a:t>
+              <a:t>(years </a:t>
+            </a:r>
+            <a:r>
+              <a:rPr lang="en-GB" sz="1400" b="1" dirty="0" smtClean="0">
+                <a:solidFill>
+                  <a:srgbClr val="000000"/>
+                </a:solidFill>
+              </a:rPr>
+              <a:t>= [2000, 2001])</a:t>
             </a:r>
             <a:r>
               <a:rPr lang="en-GB" sz="1400" dirty="0">
@@ -2880,7 +2880,7 @@
                   <a:srgbClr val="000000"/>
                 </a:solidFill>
               </a:rPr>
-              <a:t>ds.select</a:t>
+              <a:t>ds.subset</a:t>
             </a:r>
             <a:r>
               <a:rPr lang="en-GB" sz="1400" b="1" dirty="0" smtClean="0">
@@ -2888,7 +2888,15 @@
                   <a:srgbClr val="000000"/>
                 </a:solidFill>
               </a:rPr>
-              <a:t>(months = [5, 6])</a:t>
+              <a:t>(months </a:t>
+            </a:r>
+            <a:r>
+              <a:rPr lang="en-GB" sz="1400" b="1" dirty="0" smtClean="0">
+                <a:solidFill>
+                  <a:srgbClr val="000000"/>
+                </a:solidFill>
+              </a:rPr>
+              <a:t>= [5, 6])</a:t>
             </a:r>
             <a:r>
               <a:rPr lang="en-GB" sz="1400" dirty="0">
@@ -2921,20 +2929,12 @@
           <a:p>
             <a:pPr algn="l" rtl="0" latinLnBrk="1" hangingPunct="0"/>
             <a:r>
-              <a:rPr lang="en-GB" sz="1400" b="1" dirty="0" err="1">
-                <a:solidFill>
-                  <a:srgbClr val="000000"/>
-                </a:solidFill>
-              </a:rPr>
-              <a:t>d</a:t>
-            </a:r>
-            <a:r>
               <a:rPr lang="en-GB" sz="1400" b="1" dirty="0" err="1" smtClean="0">
                 <a:solidFill>
                   <a:srgbClr val="000000"/>
                 </a:solidFill>
               </a:rPr>
-              <a:t>s.drop</a:t>
+              <a:t>ds.drop</a:t>
             </a:r>
             <a:r>
               <a:rPr lang="en-GB" sz="1400" b="1" dirty="0" smtClean="0">
@@ -2942,7 +2942,15 @@
                   <a:srgbClr val="000000"/>
                 </a:solidFill>
               </a:rPr>
-              <a:t>([‘var1’, ‘var2])</a:t>
+              <a:t>(variables = [‘</a:t>
+            </a:r>
+            <a:r>
+              <a:rPr lang="en-GB" sz="1400" b="1" dirty="0" smtClean="0">
+                <a:solidFill>
+                  <a:srgbClr val="000000"/>
+                </a:solidFill>
+              </a:rPr>
+              <a:t>var1’, ‘var2])</a:t>
             </a:r>
           </a:p>
           <a:p>
@@ -2995,7 +3003,7 @@
           </a:ln>
           <a:extLst>
             <a:ext uri="{C572A759-6A51-4108-AA02-DFA0A04FC94B}">
-              <ma14:wrappingTextBoxFlag xmlns="" xmlns:ma14="http://schemas.microsoft.com/office/mac/drawingml/2011/main" val="1"/>
+              <ma14:wrappingTextBoxFlag xmlns:ma14="http://schemas.microsoft.com/office/mac/drawingml/2011/main" xmlns="" val="1"/>
             </a:ext>
           </a:extLst>
         </p:spPr>
@@ -3265,7 +3273,7 @@
           </a:ln>
           <a:extLst>
             <a:ext uri="{C572A759-6A51-4108-AA02-DFA0A04FC94B}">
-              <ma14:wrappingTextBoxFlag xmlns="" xmlns:ma14="http://schemas.microsoft.com/office/mac/drawingml/2011/main" val="1"/>
+              <ma14:wrappingTextBoxFlag xmlns:ma14="http://schemas.microsoft.com/office/mac/drawingml/2011/main" xmlns="" val="1"/>
             </a:ext>
           </a:extLst>
         </p:spPr>
@@ -3322,7 +3330,7 @@
           </a:ln>
           <a:extLst>
             <a:ext uri="{C572A759-6A51-4108-AA02-DFA0A04FC94B}">
-              <ma14:wrappingTextBoxFlag xmlns="" xmlns:ma14="http://schemas.microsoft.com/office/mac/drawingml/2011/main" val="1"/>
+              <ma14:wrappingTextBoxFlag xmlns:ma14="http://schemas.microsoft.com/office/mac/drawingml/2011/main" xmlns="" val="1"/>
             </a:ext>
           </a:extLst>
         </p:spPr>
@@ -4344,7 +4352,7 @@
           </a:ln>
           <a:extLst>
             <a:ext uri="{C572A759-6A51-4108-AA02-DFA0A04FC94B}">
-              <ma14:wrappingTextBoxFlag xmlns="" xmlns:ma14="http://schemas.microsoft.com/office/mac/drawingml/2011/main" val="1"/>
+              <ma14:wrappingTextBoxFlag xmlns:ma14="http://schemas.microsoft.com/office/mac/drawingml/2011/main" xmlns="" val="1"/>
             </a:ext>
           </a:extLst>
         </p:spPr>
@@ -4760,7 +4768,7 @@
           </a:ln>
           <a:extLst>
             <a:ext uri="{C572A759-6A51-4108-AA02-DFA0A04FC94B}">
-              <ma14:wrappingTextBoxFlag xmlns="" xmlns:ma14="http://schemas.microsoft.com/office/mac/drawingml/2011/main" val="1"/>
+              <ma14:wrappingTextBoxFlag xmlns:ma14="http://schemas.microsoft.com/office/mac/drawingml/2011/main" xmlns="" val="1"/>
             </a:ext>
           </a:extLst>
         </p:spPr>
@@ -5230,7 +5238,7 @@
           </a:ln>
           <a:extLst>
             <a:ext uri="{C572A759-6A51-4108-AA02-DFA0A04FC94B}">
-              <ma14:wrappingTextBoxFlag xmlns="" xmlns:ma14="http://schemas.microsoft.com/office/mac/drawingml/2011/main" val="1"/>
+              <ma14:wrappingTextBoxFlag xmlns:ma14="http://schemas.microsoft.com/office/mac/drawingml/2011/main" xmlns="" val="1"/>
             </a:ext>
           </a:extLst>
         </p:spPr>
@@ -5318,8 +5326,13 @@
                   <a:srgbClr val="000000"/>
                 </a:solidFill>
               </a:rPr>
-              <a:t>()</a:t>
-            </a:r>
+              <a:t>(“variables”)</a:t>
+            </a:r>
+            <a:endParaRPr lang="en-GB" sz="1400" b="1" dirty="0" smtClean="0">
+              <a:solidFill>
+                <a:srgbClr val="000000"/>
+              </a:solidFill>
+            </a:endParaRPr>
           </a:p>
           <a:p>
             <a:pPr algn="l" rtl="0" latinLnBrk="1" hangingPunct="0"/>
@@ -5340,7 +5353,7 @@
                   <a:srgbClr val="000000"/>
                 </a:solidFill>
               </a:rPr>
-              <a:t>ds.merge_time</a:t>
+              <a:t>ds.merge</a:t>
             </a:r>
             <a:r>
               <a:rPr lang="en-GB" sz="1400" b="1" dirty="0" smtClean="0">
@@ -5348,7 +5361,7 @@
                   <a:srgbClr val="000000"/>
                 </a:solidFill>
               </a:rPr>
-              <a:t>()</a:t>
+              <a:t>(“time”)</a:t>
             </a:r>
             <a:endParaRPr lang="en-GB" sz="1400" b="1" dirty="0">
               <a:solidFill>
@@ -5430,7 +5443,7 @@
           </a:ln>
           <a:extLst>
             <a:ext uri="{C572A759-6A51-4108-AA02-DFA0A04FC94B}">
-              <ma14:wrappingTextBoxFlag xmlns="" xmlns:ma14="http://schemas.microsoft.com/office/mac/drawingml/2011/main" val="1"/>
+              <ma14:wrappingTextBoxFlag xmlns:ma14="http://schemas.microsoft.com/office/mac/drawingml/2011/main" xmlns="" val="1"/>
             </a:ext>
           </a:extLst>
         </p:spPr>
@@ -5582,7 +5595,7 @@
           </a:ln>
           <a:extLst>
             <a:ext uri="{C572A759-6A51-4108-AA02-DFA0A04FC94B}">
-              <ma14:wrappingTextBoxFlag xmlns="" xmlns:ma14="http://schemas.microsoft.com/office/mac/drawingml/2011/main" val="1"/>
+              <ma14:wrappingTextBoxFlag xmlns:ma14="http://schemas.microsoft.com/office/mac/drawingml/2011/main" xmlns="" val="1"/>
             </a:ext>
           </a:extLst>
         </p:spPr>
@@ -5947,7 +5960,7 @@
           </a:ln>
           <a:extLst>
             <a:ext uri="{C572A759-6A51-4108-AA02-DFA0A04FC94B}">
-              <ma14:wrappingTextBoxFlag xmlns="" xmlns:ma14="http://schemas.microsoft.com/office/mac/drawingml/2011/main" val="1"/>
+              <ma14:wrappingTextBoxFlag xmlns:ma14="http://schemas.microsoft.com/office/mac/drawingml/2011/main" xmlns="" val="1"/>
             </a:ext>
           </a:extLst>
         </p:spPr>
@@ -6246,7 +6259,7 @@
           </a:ln>
           <a:extLst>
             <a:ext uri="{C572A759-6A51-4108-AA02-DFA0A04FC94B}">
-              <ma14:wrappingTextBoxFlag xmlns="" xmlns:ma14="http://schemas.microsoft.com/office/mac/drawingml/2011/main" val="1"/>
+              <ma14:wrappingTextBoxFlag xmlns:ma14="http://schemas.microsoft.com/office/mac/drawingml/2011/main" xmlns="" val="1"/>
             </a:ext>
           </a:extLst>
         </p:spPr>
@@ -6649,7 +6662,7 @@
           </a:ln>
           <a:extLst>
             <a:ext uri="{C572A759-6A51-4108-AA02-DFA0A04FC94B}">
-              <ma14:wrappingTextBoxFlag xmlns="" xmlns:ma14="http://schemas.microsoft.com/office/mac/drawingml/2011/main" val="1"/>
+              <ma14:wrappingTextBoxFlag xmlns:ma14="http://schemas.microsoft.com/office/mac/drawingml/2011/main" xmlns="" val="1"/>
             </a:ext>
           </a:extLst>
         </p:spPr>
@@ -6812,7 +6825,7 @@
                   <a:srgbClr val="000000"/>
                 </a:solidFill>
               </a:rPr>
-              <a:t>ds.set_missing</a:t>
+              <a:t>ds.as_missing</a:t>
             </a:r>
             <a:r>
               <a:rPr lang="en-GB" sz="1400" b="1" dirty="0" smtClean="0">
@@ -7060,7 +7073,7 @@
           </a:ln>
           <a:extLst>
             <a:ext uri="{C572A759-6A51-4108-AA02-DFA0A04FC94B}">
-              <ma14:wrappingTextBoxFlag xmlns="" xmlns:ma14="http://schemas.microsoft.com/office/mac/drawingml/2011/main" val="1"/>
+              <ma14:wrappingTextBoxFlag xmlns:ma14="http://schemas.microsoft.com/office/mac/drawingml/2011/main" xmlns="" val="1"/>
             </a:ext>
           </a:extLst>
         </p:spPr>
@@ -7427,7 +7440,7 @@
           </a:ln>
           <a:extLst>
             <a:ext uri="{C572A759-6A51-4108-AA02-DFA0A04FC94B}">
-              <ma14:wrappingTextBoxFlag xmlns="" xmlns:ma14="http://schemas.microsoft.com/office/mac/drawingml/2011/main" val="1"/>
+              <ma14:wrappingTextBoxFlag xmlns:ma14="http://schemas.microsoft.com/office/mac/drawingml/2011/main" xmlns="" val="1"/>
             </a:ext>
           </a:extLst>
         </p:spPr>
@@ -7855,7 +7868,7 @@
           </a:ln>
           <a:extLst>
             <a:ext uri="{C572A759-6A51-4108-AA02-DFA0A04FC94B}">
-              <ma14:wrappingTextBoxFlag xmlns="" xmlns:ma14="http://schemas.microsoft.com/office/mac/drawingml/2011/main" val="1"/>
+              <ma14:wrappingTextBoxFlag xmlns:ma14="http://schemas.microsoft.com/office/mac/drawingml/2011/main" xmlns="" val="1"/>
             </a:ext>
           </a:extLst>
         </p:spPr>
@@ -8334,7 +8347,7 @@
           </a:ln>
           <a:extLst>
             <a:ext uri="{C572A759-6A51-4108-AA02-DFA0A04FC94B}">
-              <ma14:wrappingTextBoxFlag xmlns="" xmlns:ma14="http://schemas.microsoft.com/office/mac/drawingml/2011/main" val="1"/>
+              <ma14:wrappingTextBoxFlag xmlns:ma14="http://schemas.microsoft.com/office/mac/drawingml/2011/main" xmlns="" val="1"/>
             </a:ext>
           </a:extLst>
         </p:spPr>
@@ -8818,15 +8831,7 @@
                   <a:srgbClr val="000000"/>
                 </a:solidFill>
               </a:rPr>
-              <a:t>(2</a:t>
-            </a:r>
-            <a:r>
-              <a:rPr lang="en-GB" sz="1400" b="1" dirty="0" smtClean="0">
-                <a:solidFill>
-                  <a:srgbClr val="000000"/>
-                </a:solidFill>
-              </a:rPr>
-              <a:t>)</a:t>
+              <a:t>(2)</a:t>
             </a:r>
           </a:p>
           <a:p>

--- a/cheatsheet/nctoolkit_cheatsheet.pptx
+++ b/cheatsheet/nctoolkit_cheatsheet.pptx
@@ -104,6 +104,14 @@
     </p:ext>
   </p:extLst>
 </p:presentation>
+</file>
+
+<file path=ppt/revisionInfo.xml><?xml version="1.0" encoding="utf-8"?>
+<p1510:revInfo xmlns:a="http://schemas.openxmlformats.org/drawingml/2006/main" xmlns:r="http://schemas.openxmlformats.org/officeDocument/2006/relationships" xmlns:p1510="http://schemas.microsoft.com/office/powerpoint/2015/10/main">
+  <p1510:revLst>
+    <p1510:client id="{A46308C0-0EDE-7830-9F5A-22B792374B3D}" v="155" dt="2023-06-09T08:11:34.513"/>
+  </p1510:revLst>
+</p1510:revInfo>
 </file>
 
 <file path=ppt/notesMasters/notesMaster1.xml><?xml version="1.0" encoding="utf-8"?>
@@ -1443,7 +1451,7 @@
           </a:ln>
           <a:extLst>
             <a:ext uri="{C572A759-6A51-4108-AA02-DFA0A04FC94B}">
-              <ma14:wrappingTextBoxFlag xmlns:ma14="http://schemas.microsoft.com/office/mac/drawingml/2011/main" xmlns="" val="1"/>
+              <ma14:wrappingTextBoxFlag xmlns="" xmlns:ma14="http://schemas.microsoft.com/office/mac/drawingml/2011/main" val="1"/>
             </a:ext>
           </a:extLst>
         </p:spPr>
@@ -1486,7 +1494,7 @@
           </a:ln>
           <a:extLst>
             <a:ext uri="{C572A759-6A51-4108-AA02-DFA0A04FC94B}">
-              <ma14:wrappingTextBoxFlag xmlns:ma14="http://schemas.microsoft.com/office/mac/drawingml/2011/main" xmlns="" val="1"/>
+              <ma14:wrappingTextBoxFlag xmlns="" xmlns:ma14="http://schemas.microsoft.com/office/mac/drawingml/2011/main" val="1"/>
             </a:ext>
           </a:extLst>
         </p:spPr>
@@ -1899,22 +1907,33 @@
           <a:bodyPr/>
           <a:lstStyle/>
           <a:p>
-            <a:pPr lvl="0" defTabSz="280415">
+            <a:pPr defTabSz="280415">
               <a:lnSpc>
                 <a:spcPct val="80000"/>
               </a:lnSpc>
               <a:defRPr sz="1800"/>
             </a:pPr>
             <a:r>
-              <a:rPr lang="en-GB" sz="2800" dirty="0" err="1" smtClean="0">
+              <a:rPr lang="en-GB" sz="2800" dirty="0" err="1">
                 <a:solidFill>
                   <a:srgbClr val="53585F"/>
                 </a:solidFill>
-                <a:ea typeface="Adobe Gothic Std B" pitchFamily="34" charset="-128"/>
-                <a:cs typeface="Source Sans Pro"/>
+                <a:ea typeface="Adobe Gothic Std B"/>
+                <a:cs typeface="Source Sans Pro Semibold"/>
                 <a:sym typeface="Source Sans Pro"/>
               </a:rPr>
               <a:t>nctoolkit</a:t>
+            </a:r>
+            <a:r>
+              <a:rPr lang="en-GB" sz="2800" dirty="0">
+                <a:solidFill>
+                  <a:srgbClr val="53585F"/>
+                </a:solidFill>
+                <a:ea typeface="Adobe Gothic Std B"/>
+                <a:cs typeface="Source Sans Pro Semibold"/>
+                <a:sym typeface="Source Sans Pro"/>
+              </a:rPr>
+              <a:t> v0.9.3</a:t>
             </a:r>
             <a:endParaRPr sz="2000" dirty="0">
               <a:solidFill>
@@ -1970,7 +1989,7 @@
           </a:ln>
           <a:extLst>
             <a:ext uri="{C572A759-6A51-4108-AA02-DFA0A04FC94B}">
-              <ma14:wrappingTextBoxFlag xmlns:ma14="http://schemas.microsoft.com/office/mac/drawingml/2011/main" xmlns="" val="1"/>
+              <ma14:wrappingTextBoxFlag xmlns="" xmlns:ma14="http://schemas.microsoft.com/office/mac/drawingml/2011/main" val="1"/>
             </a:ext>
           </a:extLst>
         </p:spPr>
@@ -1982,7 +2001,7 @@
               <a:defRPr sz="1800"/>
             </a:pPr>
             <a:r>
-              <a:rPr lang="de-DE" sz="1400" dirty="0" smtClean="0">
+              <a:rPr lang="de-DE" sz="1400" dirty="0">
                 <a:solidFill>
                   <a:srgbClr val="FFFFFF"/>
                 </a:solidFill>
@@ -2060,7 +2079,7 @@
               <a:tabLst/>
             </a:pPr>
             <a:r>
-              <a:rPr lang="en-GB" sz="1400" b="1" dirty="0" smtClean="0">
+              <a:rPr lang="en-GB" sz="1400" b="1" dirty="0">
                 <a:solidFill>
                   <a:srgbClr val="000000"/>
                 </a:solidFill>
@@ -2068,7 +2087,7 @@
               <a:t>ds = </a:t>
             </a:r>
             <a:r>
-              <a:rPr lang="en-GB" sz="1400" b="1" dirty="0" err="1" smtClean="0">
+              <a:rPr lang="en-GB" sz="1400" b="1" dirty="0" err="1">
                 <a:solidFill>
                   <a:srgbClr val="000000"/>
                 </a:solidFill>
@@ -2076,7 +2095,7 @@
               <a:t>nc.open_data</a:t>
             </a:r>
             <a:r>
-              <a:rPr lang="en-GB" sz="1400" b="1" dirty="0" smtClean="0">
+              <a:rPr lang="en-GB" sz="1400" b="1" dirty="0">
                 <a:solidFill>
                   <a:srgbClr val="000000"/>
                 </a:solidFill>
@@ -2113,24 +2132,10 @@
                 <a:uFillTx/>
                 <a:sym typeface="Helvetica Light"/>
               </a:rPr>
-              <a:t>	</a:t>
-            </a:r>
-            <a:r>
-              <a:rPr kumimoji="0" lang="en-GB" sz="1400" b="0" i="0" u="none" strike="noStrike" cap="none" spc="0" normalizeH="0" baseline="0" dirty="0" smtClean="0">
-                <a:ln>
-                  <a:noFill/>
-                </a:ln>
-                <a:solidFill>
-                  <a:srgbClr val="000000"/>
-                </a:solidFill>
-                <a:effectLst/>
-                <a:uFillTx/>
-                <a:sym typeface="Helvetica Light"/>
-              </a:rPr>
-              <a:t>Open a local file</a:t>
-            </a:r>
-            <a:r>
-              <a:rPr kumimoji="0" lang="en-GB" sz="1400" b="0" i="0" u="none" strike="noStrike" cap="none" spc="0" normalizeH="0" dirty="0" smtClean="0">
+              <a:t>	Open a local file</a:t>
+            </a:r>
+            <a:r>
+              <a:rPr kumimoji="0" lang="en-GB" sz="1400" b="0" i="0" u="none" strike="noStrike" cap="none" spc="0" normalizeH="0" dirty="0">
                 <a:ln>
                   <a:noFill/>
                 </a:ln>
@@ -2162,7 +2167,7 @@
               <a:tabLst/>
             </a:pPr>
             <a:r>
-              <a:rPr lang="en-GB" sz="1400" b="1" dirty="0" smtClean="0">
+              <a:rPr lang="en-GB" sz="1400" b="1" dirty="0">
                 <a:solidFill>
                   <a:srgbClr val="000000"/>
                 </a:solidFill>
@@ -2170,7 +2175,7 @@
               <a:t>ds = </a:t>
             </a:r>
             <a:r>
-              <a:rPr lang="en-GB" sz="1400" b="1" dirty="0" err="1" smtClean="0">
+              <a:rPr lang="en-GB" sz="1400" b="1" dirty="0" err="1">
                 <a:solidFill>
                   <a:srgbClr val="000000"/>
                 </a:solidFill>
@@ -2178,7 +2183,7 @@
               <a:t>nc.open_url</a:t>
             </a:r>
             <a:r>
-              <a:rPr lang="en-GB" sz="1400" b="1" dirty="0" smtClean="0">
+              <a:rPr lang="en-GB" sz="1400" b="1" dirty="0">
                 <a:solidFill>
                   <a:srgbClr val="000000"/>
                 </a:solidFill>
@@ -2215,21 +2220,7 @@
                 <a:uFillTx/>
                 <a:sym typeface="Helvetica Light"/>
               </a:rPr>
-              <a:t>	</a:t>
-            </a:r>
-            <a:r>
-              <a:rPr kumimoji="0" lang="en-GB" sz="1400" b="0" i="0" u="none" strike="noStrike" cap="none" spc="0" normalizeH="0" baseline="0" dirty="0" smtClean="0">
-                <a:ln>
-                  <a:noFill/>
-                </a:ln>
-                <a:solidFill>
-                  <a:srgbClr val="000000"/>
-                </a:solidFill>
-                <a:effectLst/>
-                <a:uFillTx/>
-                <a:sym typeface="Helvetica Light"/>
-              </a:rPr>
-              <a:t>Open/download a file as a dataset.</a:t>
+              <a:t>	Open/download a file as a dataset.</a:t>
             </a:r>
           </a:p>
           <a:p>
@@ -2243,7 +2234,7 @@
               <a:t>ds = </a:t>
             </a:r>
             <a:r>
-              <a:rPr lang="en-GB" sz="1400" b="1" dirty="0" err="1" smtClean="0">
+              <a:rPr lang="en-GB" sz="1400" b="1" dirty="0" err="1">
                 <a:solidFill>
                   <a:srgbClr val="000000"/>
                 </a:solidFill>
@@ -2251,42 +2242,26 @@
               <a:t>nc.open_thredds</a:t>
             </a:r>
             <a:r>
-              <a:rPr lang="en-GB" sz="1400" b="1" dirty="0" smtClean="0">
-                <a:solidFill>
-                  <a:srgbClr val="000000"/>
-                </a:solidFill>
-              </a:rPr>
-              <a:t>(‘</a:t>
-            </a:r>
-            <a:r>
-              <a:rPr lang="en-GB" sz="1400" b="1" dirty="0">
-                <a:solidFill>
-                  <a:srgbClr val="000000"/>
-                </a:solidFill>
-              </a:rPr>
-              <a:t>https://foo.foo.nc’)</a:t>
-            </a:r>
-          </a:p>
-          <a:p>
-            <a:pPr algn="l" rtl="0" latinLnBrk="1" hangingPunct="0"/>
-            <a:r>
-              <a:rPr lang="en-GB" sz="1400" dirty="0">
-                <a:solidFill>
-                  <a:srgbClr val="000000"/>
-                </a:solidFill>
-              </a:rPr>
-              <a:t>	</a:t>
-            </a:r>
-            <a:r>
-              <a:rPr lang="en-GB" sz="1400" dirty="0" smtClean="0">
-                <a:solidFill>
-                  <a:srgbClr val="000000"/>
-                </a:solidFill>
-              </a:rPr>
-              <a:t>Use </a:t>
-            </a:r>
-            <a:r>
-              <a:rPr lang="en-GB" sz="1400" dirty="0" err="1" smtClean="0">
+              <a:rPr lang="en-GB" sz="1400" b="1" dirty="0">
+                <a:solidFill>
+                  <a:srgbClr val="000000"/>
+                </a:solidFill>
+              </a:rPr>
+              <a:t>(‘https://foo.foo.nc’)</a:t>
+            </a:r>
+          </a:p>
+          <a:p>
+            <a:pPr algn="l" rtl="0" latinLnBrk="1" hangingPunct="0"/>
+            <a:r>
+              <a:rPr lang="en-GB" sz="1400" dirty="0">
+                <a:solidFill>
+                  <a:srgbClr val="000000"/>
+                </a:solidFill>
+              </a:rPr>
+              <a:t>	Use </a:t>
+            </a:r>
+            <a:r>
+              <a:rPr lang="en-GB" sz="1400" dirty="0" err="1">
                 <a:solidFill>
                   <a:srgbClr val="000000"/>
                 </a:solidFill>
@@ -2294,7 +2269,7 @@
               <a:t>thredds</a:t>
             </a:r>
             <a:r>
-              <a:rPr lang="en-GB" sz="1400" dirty="0" smtClean="0">
+              <a:rPr lang="en-GB" sz="1400" dirty="0">
                 <a:solidFill>
                   <a:srgbClr val="000000"/>
                 </a:solidFill>
@@ -2302,7 +2277,7 @@
               <a:t>/</a:t>
             </a:r>
             <a:r>
-              <a:rPr lang="en-GB" sz="1400" dirty="0" err="1" smtClean="0">
+              <a:rPr lang="en-GB" sz="1400" dirty="0" err="1">
                 <a:solidFill>
                   <a:srgbClr val="000000"/>
                 </a:solidFill>
@@ -2310,34 +2285,13 @@
               <a:t>opendap</a:t>
             </a:r>
             <a:r>
-              <a:rPr lang="en-GB" sz="1400" dirty="0" smtClean="0">
-                <a:solidFill>
-                  <a:srgbClr val="000000"/>
-                </a:solidFill>
-              </a:rPr>
-              <a:t> </a:t>
-            </a:r>
-            <a:r>
-              <a:rPr lang="en-GB" sz="1400" dirty="0">
-                <a:solidFill>
-                  <a:srgbClr val="000000"/>
-                </a:solidFill>
-              </a:rPr>
-              <a:t>file as a dataset</a:t>
-            </a:r>
-            <a:r>
-              <a:rPr lang="en-GB" sz="1400" dirty="0" smtClean="0">
-                <a:solidFill>
-                  <a:srgbClr val="000000"/>
-                </a:solidFill>
-              </a:rPr>
-              <a:t>.</a:t>
-            </a:r>
-            <a:endParaRPr lang="en-GB" sz="1400" dirty="0">
-              <a:solidFill>
-                <a:srgbClr val="000000"/>
-              </a:solidFill>
-            </a:endParaRPr>
+              <a:rPr lang="en-GB" sz="1400" dirty="0">
+                <a:solidFill>
+                  <a:srgbClr val="000000"/>
+                </a:solidFill>
+              </a:rPr>
+              <a:t> file as a dataset.</a:t>
+            </a:r>
           </a:p>
         </p:txBody>
       </p:sp>
@@ -2365,7 +2319,7 @@
           </a:ln>
           <a:extLst>
             <a:ext uri="{C572A759-6A51-4108-AA02-DFA0A04FC94B}">
-              <ma14:wrappingTextBoxFlag xmlns:ma14="http://schemas.microsoft.com/office/mac/drawingml/2011/main" xmlns="" val="1"/>
+              <ma14:wrappingTextBoxFlag xmlns="" xmlns:ma14="http://schemas.microsoft.com/office/mac/drawingml/2011/main" val="1"/>
             </a:ext>
           </a:extLst>
         </p:spPr>
@@ -2377,7 +2331,7 @@
               <a:defRPr sz="1800"/>
             </a:pPr>
             <a:r>
-              <a:rPr lang="de-DE" sz="1400" dirty="0" smtClean="0">
+              <a:rPr lang="de-DE" sz="1400" dirty="0">
                 <a:solidFill>
                   <a:srgbClr val="FFFFFF"/>
                 </a:solidFill>
@@ -2455,7 +2409,7 @@
               <a:tabLst/>
             </a:pPr>
             <a:r>
-              <a:rPr lang="en-GB" sz="1400" b="1" dirty="0" err="1" smtClean="0">
+              <a:rPr lang="en-GB" sz="1400" b="1" dirty="0" err="1">
                 <a:solidFill>
                   <a:srgbClr val="000000"/>
                 </a:solidFill>
@@ -2463,7 +2417,7 @@
               <a:t>ds.subset</a:t>
             </a:r>
             <a:r>
-              <a:rPr lang="en-GB" sz="1400" b="1" dirty="0" smtClean="0">
+              <a:rPr lang="en-GB" sz="1400" b="1" dirty="0">
                 <a:solidFill>
                   <a:srgbClr val="000000"/>
                 </a:solidFill>
@@ -2471,7 +2425,7 @@
               <a:t>(</a:t>
             </a:r>
             <a:r>
-              <a:rPr lang="en-GB" sz="1400" b="1" dirty="0" err="1" smtClean="0">
+              <a:rPr lang="en-GB" sz="1400" b="1" dirty="0" err="1">
                 <a:solidFill>
                   <a:srgbClr val="000000"/>
                 </a:solidFill>
@@ -2479,23 +2433,15 @@
               <a:t>lon</a:t>
             </a:r>
             <a:r>
-              <a:rPr lang="en-GB" sz="1400" b="1" dirty="0" smtClean="0">
-                <a:solidFill>
-                  <a:srgbClr val="000000"/>
-                </a:solidFill>
-              </a:rPr>
-              <a:t> </a:t>
-            </a:r>
-            <a:r>
-              <a:rPr lang="en-GB" sz="1400" b="1" dirty="0" smtClean="0">
-                <a:solidFill>
-                  <a:srgbClr val="000000"/>
-                </a:solidFill>
-              </a:rPr>
-              <a:t>= [</a:t>
-            </a:r>
-            <a:r>
-              <a:rPr lang="en-GB" sz="1400" b="1" dirty="0" err="1" smtClean="0">
+              <a:rPr lang="en-GB" sz="1400" b="1" dirty="0">
+                <a:solidFill>
+                  <a:srgbClr val="000000"/>
+                </a:solidFill>
+              </a:rPr>
+              <a:t> = [</a:t>
+            </a:r>
+            <a:r>
+              <a:rPr lang="en-GB" sz="1400" b="1" dirty="0" err="1">
                 <a:solidFill>
                   <a:srgbClr val="000000"/>
                 </a:solidFill>
@@ -2503,7 +2449,7 @@
               <a:t>lon_min</a:t>
             </a:r>
             <a:r>
-              <a:rPr lang="en-GB" sz="1400" b="1" dirty="0" smtClean="0">
+              <a:rPr lang="en-GB" sz="1400" b="1" dirty="0">
                 <a:solidFill>
                   <a:srgbClr val="000000"/>
                 </a:solidFill>
@@ -2511,7 +2457,7 @@
               <a:t>, </a:t>
             </a:r>
             <a:r>
-              <a:rPr lang="en-GB" sz="1400" b="1" dirty="0" err="1" smtClean="0">
+              <a:rPr lang="en-GB" sz="1400" b="1" dirty="0" err="1">
                 <a:solidFill>
                   <a:srgbClr val="000000"/>
                 </a:solidFill>
@@ -2519,7 +2465,7 @@
               <a:t>lon_max</a:t>
             </a:r>
             <a:r>
-              <a:rPr lang="en-GB" sz="1400" b="1" dirty="0" smtClean="0">
+              <a:rPr lang="en-GB" sz="1400" b="1" dirty="0">
                 <a:solidFill>
                   <a:srgbClr val="000000"/>
                 </a:solidFill>
@@ -2550,18 +2496,10 @@
                   <a:srgbClr val="000000"/>
                 </a:solidFill>
               </a:rPr>
-              <a:t>	</a:t>
-            </a:r>
-            <a:r>
-              <a:rPr lang="en-GB" sz="1400" b="1" dirty="0" smtClean="0">
-                <a:solidFill>
-                  <a:srgbClr val="000000"/>
-                </a:solidFill>
-              </a:rPr>
-              <a:t>	</a:t>
-            </a:r>
-            <a:r>
-              <a:rPr lang="en-GB" sz="1400" b="1" dirty="0" err="1" smtClean="0">
+              <a:t>		</a:t>
+            </a:r>
+            <a:r>
+              <a:rPr lang="en-GB" sz="1400" b="1" dirty="0" err="1">
                 <a:solidFill>
                   <a:srgbClr val="000000"/>
                 </a:solidFill>
@@ -2569,7 +2507,7 @@
               <a:t>lat</a:t>
             </a:r>
             <a:r>
-              <a:rPr lang="en-GB" sz="1400" b="1" dirty="0" smtClean="0">
+              <a:rPr lang="en-GB" sz="1400" b="1" dirty="0">
                 <a:solidFill>
                   <a:srgbClr val="000000"/>
                 </a:solidFill>
@@ -2577,7 +2515,7 @@
               <a:t> = [</a:t>
             </a:r>
             <a:r>
-              <a:rPr lang="en-GB" sz="1400" b="1" dirty="0" err="1" smtClean="0">
+              <a:rPr lang="en-GB" sz="1400" b="1" dirty="0" err="1">
                 <a:solidFill>
                   <a:srgbClr val="000000"/>
                 </a:solidFill>
@@ -2585,7 +2523,7 @@
               <a:t>lat_min</a:t>
             </a:r>
             <a:r>
-              <a:rPr lang="en-GB" sz="1400" b="1" dirty="0" smtClean="0">
+              <a:rPr lang="en-GB" sz="1400" b="1" dirty="0">
                 <a:solidFill>
                   <a:srgbClr val="000000"/>
                 </a:solidFill>
@@ -2593,7 +2531,7 @@
               <a:t>, </a:t>
             </a:r>
             <a:r>
-              <a:rPr lang="en-GB" sz="1400" b="1" dirty="0" err="1" smtClean="0">
+              <a:rPr lang="en-GB" sz="1400" b="1" dirty="0" err="1">
                 <a:solidFill>
                   <a:srgbClr val="000000"/>
                 </a:solidFill>
@@ -2601,7 +2539,7 @@
               <a:t>lat_max</a:t>
             </a:r>
             <a:r>
-              <a:rPr lang="en-GB" sz="1400" b="1" dirty="0" smtClean="0">
+              <a:rPr lang="en-GB" sz="1400" b="1" dirty="0">
                 <a:solidFill>
                   <a:srgbClr val="000000"/>
                 </a:solidFill>
@@ -2638,10 +2576,10 @@
                 <a:uFillTx/>
                 <a:sym typeface="Helvetica Light"/>
               </a:rPr>
-              <a:t>	</a:t>
-            </a:r>
-            <a:r>
-              <a:rPr kumimoji="0" lang="en-GB" sz="1400" b="0" i="0" u="none" strike="noStrike" cap="none" spc="0" normalizeH="0" baseline="0" dirty="0" smtClean="0">
+              <a:t>	Crop to</a:t>
+            </a:r>
+            <a:r>
+              <a:rPr kumimoji="0" lang="en-GB" sz="1400" b="0" i="0" u="none" strike="noStrike" cap="none" spc="0" normalizeH="0" dirty="0">
                 <a:ln>
                   <a:noFill/>
                 </a:ln>
@@ -2652,10 +2590,10 @@
                 <a:uFillTx/>
                 <a:sym typeface="Helvetica Light"/>
               </a:rPr>
-              <a:t>Crop to</a:t>
-            </a:r>
-            <a:r>
-              <a:rPr kumimoji="0" lang="en-GB" sz="1400" b="0" i="0" u="none" strike="noStrike" cap="none" spc="0" normalizeH="0" dirty="0" smtClean="0">
+              <a:t> a </a:t>
+            </a:r>
+            <a:r>
+              <a:rPr kumimoji="0" lang="en-GB" sz="1400" b="0" i="0" u="none" strike="noStrike" cap="none" spc="0" normalizeH="0" dirty="0" err="1">
                 <a:ln>
                   <a:noFill/>
                 </a:ln>
@@ -2666,24 +2604,10 @@
                 <a:uFillTx/>
                 <a:sym typeface="Helvetica Light"/>
               </a:rPr>
-              <a:t> a </a:t>
-            </a:r>
-            <a:r>
-              <a:rPr kumimoji="0" lang="en-GB" sz="1400" b="0" i="0" u="none" strike="noStrike" cap="none" spc="0" normalizeH="0" dirty="0" err="1" smtClean="0">
-                <a:ln>
-                  <a:noFill/>
-                </a:ln>
-                <a:solidFill>
-                  <a:srgbClr val="000000"/>
-                </a:solidFill>
-                <a:effectLst/>
-                <a:uFillTx/>
-                <a:sym typeface="Helvetica Light"/>
-              </a:rPr>
               <a:t>latlon</a:t>
             </a:r>
             <a:r>
-              <a:rPr kumimoji="0" lang="en-GB" sz="1400" b="0" i="0" u="none" strike="noStrike" cap="none" spc="0" normalizeH="0" dirty="0" smtClean="0">
+              <a:rPr kumimoji="0" lang="en-GB" sz="1400" b="0" i="0" u="none" strike="noStrike" cap="none" spc="0" normalizeH="0" dirty="0">
                 <a:ln>
                   <a:noFill/>
                 </a:ln>
@@ -2715,7 +2639,7 @@
               <a:tabLst/>
             </a:pPr>
             <a:r>
-              <a:rPr lang="en-GB" sz="1400" b="1" dirty="0" err="1" smtClean="0">
+              <a:rPr lang="en-GB" sz="1400" b="1" dirty="0" err="1">
                 <a:solidFill>
                   <a:srgbClr val="000000"/>
                 </a:solidFill>
@@ -2723,20 +2647,12 @@
               <a:t>ds.subset</a:t>
             </a:r>
             <a:r>
-              <a:rPr lang="en-GB" sz="1400" b="1" dirty="0" smtClean="0">
-                <a:solidFill>
-                  <a:srgbClr val="000000"/>
-                </a:solidFill>
-              </a:rPr>
-              <a:t>(variables </a:t>
-            </a:r>
-            <a:r>
-              <a:rPr lang="en-GB" sz="1400" b="1" dirty="0" smtClean="0">
-                <a:solidFill>
-                  <a:srgbClr val="000000"/>
-                </a:solidFill>
-              </a:rPr>
-              <a:t>= [var1, var2])</a:t>
+              <a:rPr lang="en-GB" sz="1400" b="1" dirty="0">
+                <a:solidFill>
+                  <a:srgbClr val="000000"/>
+                </a:solidFill>
+              </a:rPr>
+              <a:t>(variables = [var1, var2])</a:t>
             </a:r>
           </a:p>
           <a:p>
@@ -2768,10 +2684,10 @@
                 <a:uFillTx/>
                 <a:sym typeface="Helvetica Light"/>
               </a:rPr>
-              <a:t>	</a:t>
-            </a:r>
-            <a:r>
-              <a:rPr kumimoji="0" lang="en-GB" sz="1400" b="0" i="0" u="none" strike="noStrike" cap="none" spc="0" normalizeH="0" baseline="0" dirty="0" smtClean="0">
+              <a:t>	Select a list</a:t>
+            </a:r>
+            <a:r>
+              <a:rPr kumimoji="0" lang="en-GB" sz="1400" b="0" i="0" u="none" strike="noStrike" cap="none" spc="0" normalizeH="0" dirty="0">
                 <a:ln>
                   <a:noFill/>
                 </a:ln>
@@ -2782,10 +2698,10 @@
                 <a:uFillTx/>
                 <a:sym typeface="Helvetica Light"/>
               </a:rPr>
-              <a:t>Select a list</a:t>
-            </a:r>
-            <a:r>
-              <a:rPr kumimoji="0" lang="en-GB" sz="1400" b="0" i="0" u="none" strike="noStrike" cap="none" spc="0" normalizeH="0" dirty="0" smtClean="0">
+              <a:t> of variables</a:t>
+            </a:r>
+            <a:r>
+              <a:rPr kumimoji="0" lang="en-GB" sz="1400" b="0" i="0" u="none" strike="noStrike" cap="none" spc="0" normalizeH="0" baseline="0" dirty="0">
                 <a:ln>
                   <a:noFill/>
                 </a:ln>
@@ -2796,27 +2712,13 @@
                 <a:uFillTx/>
                 <a:sym typeface="Helvetica Light"/>
               </a:rPr>
-              <a:t> of variables</a:t>
-            </a:r>
-            <a:r>
-              <a:rPr kumimoji="0" lang="en-GB" sz="1400" b="0" i="0" u="none" strike="noStrike" cap="none" spc="0" normalizeH="0" baseline="0" dirty="0" smtClean="0">
-                <a:ln>
-                  <a:noFill/>
-                </a:ln>
-                <a:solidFill>
-                  <a:srgbClr val="000000"/>
-                </a:solidFill>
-                <a:effectLst/>
-                <a:uFillTx/>
-                <a:sym typeface="Helvetica Light"/>
-              </a:rPr>
               <a:t>.</a:t>
             </a:r>
           </a:p>
           <a:p>
             <a:pPr algn="l" rtl="0" latinLnBrk="1" hangingPunct="0"/>
             <a:r>
-              <a:rPr lang="en-GB" sz="1400" b="1" dirty="0" err="1" smtClean="0">
+              <a:rPr lang="en-GB" sz="1400" b="1" dirty="0" err="1">
                 <a:solidFill>
                   <a:srgbClr val="000000"/>
                 </a:solidFill>
@@ -2824,20 +2726,12 @@
               <a:t>ds.subset</a:t>
             </a:r>
             <a:r>
-              <a:rPr lang="en-GB" sz="1400" b="1" dirty="0" smtClean="0">
-                <a:solidFill>
-                  <a:srgbClr val="000000"/>
-                </a:solidFill>
-              </a:rPr>
-              <a:t>(years </a:t>
-            </a:r>
-            <a:r>
-              <a:rPr lang="en-GB" sz="1400" b="1" dirty="0" smtClean="0">
-                <a:solidFill>
-                  <a:srgbClr val="000000"/>
-                </a:solidFill>
-              </a:rPr>
-              <a:t>= [2000, 2001])</a:t>
+              <a:rPr lang="en-GB" sz="1400" b="1" dirty="0">
+                <a:solidFill>
+                  <a:srgbClr val="000000"/>
+                </a:solidFill>
+              </a:rPr>
+              <a:t>(years = [2000, 2001])</a:t>
             </a:r>
             <a:r>
               <a:rPr lang="en-GB" sz="1400" dirty="0">
@@ -2847,14 +2741,36 @@
               </a:rPr>
               <a:t>	</a:t>
             </a:r>
-            <a:endParaRPr lang="en-GB" sz="1400" dirty="0" smtClean="0">
-              <a:solidFill>
-                <a:srgbClr val="000000"/>
-              </a:solidFill>
-            </a:endParaRPr>
-          </a:p>
-          <a:p>
-            <a:pPr algn="l" rtl="0" latinLnBrk="1" hangingPunct="0"/>
+          </a:p>
+          <a:p>
+            <a:pPr algn="l" rtl="0" latinLnBrk="1" hangingPunct="0"/>
+            <a:r>
+              <a:rPr lang="en-GB" sz="1400" dirty="0">
+                <a:solidFill>
+                  <a:srgbClr val="000000"/>
+                </a:solidFill>
+              </a:rPr>
+              <a:t>	Select a list of years.</a:t>
+            </a:r>
+          </a:p>
+          <a:p>
+            <a:pPr algn="l" rtl="0" latinLnBrk="1" hangingPunct="0"/>
+            <a:r>
+              <a:rPr lang="en-GB" sz="1400" b="1" dirty="0" err="1">
+                <a:solidFill>
+                  <a:srgbClr val="000000"/>
+                </a:solidFill>
+              </a:rPr>
+              <a:t>ds.subset</a:t>
+            </a:r>
+            <a:r>
+              <a:rPr lang="en-GB" sz="1400" b="1" dirty="0">
+                <a:solidFill>
+                  <a:srgbClr val="000000"/>
+                </a:solidFill>
+              </a:rPr>
+              <a:t>(months = [5, 6])</a:t>
+            </a:r>
             <a:r>
               <a:rPr lang="en-GB" sz="1400" dirty="0">
                 <a:solidFill>
@@ -2863,73 +2779,22 @@
               </a:rPr>
               <a:t>	</a:t>
             </a:r>
-            <a:r>
-              <a:rPr lang="en-GB" sz="1400" dirty="0" smtClean="0">
-                <a:solidFill>
-                  <a:srgbClr val="000000"/>
-                </a:solidFill>
-              </a:rPr>
-              <a:t>Select a list of years.</a:t>
-            </a:r>
-          </a:p>
-          <a:p>
-            <a:pPr algn="l" rtl="0" latinLnBrk="1" hangingPunct="0"/>
-            <a:r>
-              <a:rPr lang="en-GB" sz="1400" b="1" dirty="0" err="1" smtClean="0">
-                <a:solidFill>
-                  <a:srgbClr val="000000"/>
-                </a:solidFill>
-              </a:rPr>
-              <a:t>ds.subset</a:t>
-            </a:r>
-            <a:r>
-              <a:rPr lang="en-GB" sz="1400" b="1" dirty="0" smtClean="0">
-                <a:solidFill>
-                  <a:srgbClr val="000000"/>
-                </a:solidFill>
-              </a:rPr>
-              <a:t>(months </a:t>
-            </a:r>
-            <a:r>
-              <a:rPr lang="en-GB" sz="1400" b="1" dirty="0" smtClean="0">
-                <a:solidFill>
-                  <a:srgbClr val="000000"/>
-                </a:solidFill>
-              </a:rPr>
-              <a:t>= [5, 6])</a:t>
-            </a:r>
-            <a:r>
-              <a:rPr lang="en-GB" sz="1400" dirty="0">
-                <a:solidFill>
-                  <a:srgbClr val="000000"/>
-                </a:solidFill>
-              </a:rPr>
-              <a:t>	</a:t>
-            </a:r>
-          </a:p>
-          <a:p>
-            <a:pPr algn="l" rtl="0" latinLnBrk="1" hangingPunct="0"/>
-            <a:r>
-              <a:rPr lang="en-GB" sz="1400" dirty="0">
-                <a:solidFill>
-                  <a:srgbClr val="000000"/>
-                </a:solidFill>
-              </a:rPr>
-              <a:t>	Select a list of years</a:t>
-            </a:r>
-            <a:r>
-              <a:rPr lang="en-GB" sz="1400" dirty="0" smtClean="0">
-                <a:solidFill>
-                  <a:srgbClr val="000000"/>
-                </a:solidFill>
-              </a:rPr>
-              <a:t>.</a:t>
-            </a:r>
-          </a:p>
-          <a:p>
-            <a:pPr algn="l" rtl="0" latinLnBrk="1" hangingPunct="0"/>
-            <a:r>
-              <a:rPr lang="en-GB" sz="1400" b="1" dirty="0" err="1" smtClean="0">
+          </a:p>
+          <a:p>
+            <a:pPr algn="l" rtl="0" latinLnBrk="1" hangingPunct="0"/>
+            <a:r>
+              <a:rPr lang="en-GB" sz="1400" dirty="0">
+                <a:solidFill>
+                  <a:srgbClr val="000000"/>
+                </a:solidFill>
+              </a:rPr>
+              <a:t>	Select a list of years.</a:t>
+            </a:r>
+          </a:p>
+          <a:p>
+            <a:pPr algn="l" rtl="0" latinLnBrk="1" hangingPunct="0"/>
+            <a:r>
+              <a:rPr lang="en-GB" sz="1400" b="1" dirty="0" err="1">
                 <a:solidFill>
                   <a:srgbClr val="000000"/>
                 </a:solidFill>
@@ -2937,45 +2802,24 @@
               <a:t>ds.drop</a:t>
             </a:r>
             <a:r>
-              <a:rPr lang="en-GB" sz="1400" b="1" dirty="0" smtClean="0">
-                <a:solidFill>
-                  <a:srgbClr val="000000"/>
-                </a:solidFill>
-              </a:rPr>
-              <a:t>(variables = [‘</a:t>
-            </a:r>
-            <a:r>
-              <a:rPr lang="en-GB" sz="1400" b="1" dirty="0" smtClean="0">
-                <a:solidFill>
-                  <a:srgbClr val="000000"/>
-                </a:solidFill>
-              </a:rPr>
-              <a:t>var1’, ‘var2])</a:t>
-            </a:r>
-          </a:p>
-          <a:p>
-            <a:pPr algn="l" rtl="0" latinLnBrk="1" hangingPunct="0"/>
-            <a:r>
-              <a:rPr lang="en-GB" sz="1400" dirty="0">
-                <a:solidFill>
-                  <a:srgbClr val="000000"/>
-                </a:solidFill>
-              </a:rPr>
-              <a:t>	</a:t>
-            </a:r>
-            <a:r>
-              <a:rPr lang="en-GB" sz="1400" dirty="0" smtClean="0">
-                <a:solidFill>
-                  <a:srgbClr val="000000"/>
-                </a:solidFill>
-              </a:rPr>
-              <a:t>Remove a list of variables.</a:t>
-            </a:r>
-            <a:endParaRPr lang="en-GB" sz="1400" dirty="0">
-              <a:solidFill>
-                <a:srgbClr val="000000"/>
-              </a:solidFill>
-            </a:endParaRPr>
+              <a:rPr lang="en-GB" sz="1400" b="1" dirty="0">
+                <a:solidFill>
+                  <a:srgbClr val="000000"/>
+                </a:solidFill>
+              </a:rPr>
+              <a:t>(variables = [‘var1’, ‘var2])</a:t>
+            </a:r>
+          </a:p>
+          <a:p>
+            <a:pPr algn="l" rtl="0" latinLnBrk="1" hangingPunct="0"/>
+            <a:r>
+              <a:rPr lang="en-GB" sz="1400" dirty="0">
+                <a:solidFill>
+                  <a:srgbClr val="000000"/>
+                </a:solidFill>
+              </a:rPr>
+              <a:t>	Remove a list of variables.</a:t>
+            </a:r>
           </a:p>
         </p:txBody>
       </p:sp>
@@ -3003,7 +2847,7 @@
           </a:ln>
           <a:extLst>
             <a:ext uri="{C572A759-6A51-4108-AA02-DFA0A04FC94B}">
-              <ma14:wrappingTextBoxFlag xmlns:ma14="http://schemas.microsoft.com/office/mac/drawingml/2011/main" xmlns="" val="1"/>
+              <ma14:wrappingTextBoxFlag xmlns="" xmlns:ma14="http://schemas.microsoft.com/office/mac/drawingml/2011/main" val="1"/>
             </a:ext>
           </a:extLst>
         </p:spPr>
@@ -3015,7 +2859,7 @@
               <a:defRPr sz="1800"/>
             </a:pPr>
             <a:r>
-              <a:rPr lang="de-DE" sz="1400" dirty="0" smtClean="0">
+              <a:rPr lang="de-DE" sz="1400" dirty="0">
                 <a:solidFill>
                   <a:srgbClr val="FFFFFF"/>
                 </a:solidFill>
@@ -3098,18 +2942,10 @@
                   <a:srgbClr val="000000"/>
                 </a:solidFill>
               </a:rPr>
-              <a:t>d</a:t>
-            </a:r>
-            <a:r>
-              <a:rPr lang="en-GB" sz="1400" b="1" dirty="0" err="1" smtClean="0">
-                <a:solidFill>
-                  <a:srgbClr val="000000"/>
-                </a:solidFill>
-              </a:rPr>
-              <a:t>s.plot</a:t>
-            </a:r>
-            <a:r>
-              <a:rPr lang="en-GB" sz="1400" b="1" dirty="0" smtClean="0">
+              <a:t>ds.plot</a:t>
+            </a:r>
+            <a:r>
+              <a:rPr lang="en-GB" sz="1400" b="1" dirty="0">
                 <a:solidFill>
                   <a:srgbClr val="000000"/>
                 </a:solidFill>
@@ -3146,21 +2982,7 @@
                 <a:uFillTx/>
                 <a:sym typeface="Helvetica Light"/>
               </a:rPr>
-              <a:t>	</a:t>
-            </a:r>
-            <a:r>
-              <a:rPr kumimoji="0" lang="en-GB" sz="1400" b="0" i="0" u="none" strike="noStrike" cap="none" spc="0" normalizeH="0" baseline="0" dirty="0" smtClean="0">
-                <a:ln>
-                  <a:noFill/>
-                </a:ln>
-                <a:solidFill>
-                  <a:srgbClr val="000000"/>
-                </a:solidFill>
-                <a:effectLst/>
-                <a:uFillTx/>
-                <a:sym typeface="Helvetica Light"/>
-              </a:rPr>
-              <a:t>Plot all data in a dataset.</a:t>
+              <a:t>	Plot all data in a dataset.</a:t>
             </a:r>
           </a:p>
           <a:p>
@@ -3181,7 +3003,7 @@
               <a:tabLst/>
             </a:pPr>
             <a:r>
-              <a:rPr lang="en-GB" sz="1400" b="1" dirty="0" err="1" smtClean="0">
+              <a:rPr lang="en-GB" sz="1400" b="1" dirty="0" err="1">
                 <a:solidFill>
                   <a:srgbClr val="000000"/>
                 </a:solidFill>
@@ -3189,7 +3011,7 @@
               <a:t>ds.plot</a:t>
             </a:r>
             <a:r>
-              <a:rPr lang="en-GB" sz="1400" b="1" dirty="0" smtClean="0">
+              <a:rPr lang="en-GB" sz="1400" b="1" dirty="0">
                 <a:solidFill>
                   <a:srgbClr val="000000"/>
                 </a:solidFill>
@@ -3197,7 +3019,7 @@
               <a:t>(‘</a:t>
             </a:r>
             <a:r>
-              <a:rPr lang="en-GB" sz="1400" b="1" dirty="0" err="1" smtClean="0">
+              <a:rPr lang="en-GB" sz="1400" b="1" dirty="0" err="1">
                 <a:solidFill>
                   <a:srgbClr val="000000"/>
                 </a:solidFill>
@@ -3205,7 +3027,7 @@
               <a:t>var</a:t>
             </a:r>
             <a:r>
-              <a:rPr lang="en-GB" sz="1400" b="1" dirty="0" smtClean="0">
+              <a:rPr lang="en-GB" sz="1400" b="1" dirty="0">
                 <a:solidFill>
                   <a:srgbClr val="000000"/>
                 </a:solidFill>
@@ -3239,7 +3061,7 @@
               <a:t>	</a:t>
             </a:r>
             <a:r>
-              <a:rPr lang="en-GB" sz="1400" dirty="0" smtClean="0">
+              <a:rPr lang="en-GB" sz="1400" dirty="0">
                 <a:solidFill>
                   <a:srgbClr val="000000"/>
                 </a:solidFill>
@@ -3273,7 +3095,7 @@
           </a:ln>
           <a:extLst>
             <a:ext uri="{C572A759-6A51-4108-AA02-DFA0A04FC94B}">
-              <ma14:wrappingTextBoxFlag xmlns:ma14="http://schemas.microsoft.com/office/mac/drawingml/2011/main" xmlns="" val="1"/>
+              <ma14:wrappingTextBoxFlag xmlns="" xmlns:ma14="http://schemas.microsoft.com/office/mac/drawingml/2011/main" val="1"/>
             </a:ext>
           </a:extLst>
         </p:spPr>
@@ -3285,7 +3107,7 @@
               <a:defRPr sz="1800"/>
             </a:pPr>
             <a:r>
-              <a:rPr lang="de-DE" sz="1400" dirty="0" smtClean="0">
+              <a:rPr lang="de-DE" sz="1400" dirty="0">
                 <a:solidFill>
                   <a:srgbClr val="FFFFFF"/>
                 </a:solidFill>
@@ -3330,7 +3152,7 @@
           </a:ln>
           <a:extLst>
             <a:ext uri="{C572A759-6A51-4108-AA02-DFA0A04FC94B}">
-              <ma14:wrappingTextBoxFlag xmlns:ma14="http://schemas.microsoft.com/office/mac/drawingml/2011/main" xmlns="" val="1"/>
+              <ma14:wrappingTextBoxFlag xmlns="" xmlns:ma14="http://schemas.microsoft.com/office/mac/drawingml/2011/main" val="1"/>
             </a:ext>
           </a:extLst>
         </p:spPr>
@@ -3342,7 +3164,7 @@
               <a:defRPr sz="1800"/>
             </a:pPr>
             <a:r>
-              <a:rPr lang="de-DE" sz="1400" dirty="0" smtClean="0">
+              <a:rPr lang="de-DE" sz="1400" dirty="0">
                 <a:solidFill>
                   <a:srgbClr val="FFFFFF"/>
                 </a:solidFill>
@@ -3420,7 +3242,7 @@
               <a:tabLst/>
             </a:pPr>
             <a:r>
-              <a:rPr lang="en-GB" sz="1400" b="1" dirty="0" err="1" smtClean="0">
+              <a:rPr lang="en-GB" sz="1400" b="1" dirty="0" err="1">
                 <a:solidFill>
                   <a:srgbClr val="000000"/>
                 </a:solidFill>
@@ -3428,7 +3250,7 @@
               <a:t>ds.to_xarray</a:t>
             </a:r>
             <a:r>
-              <a:rPr lang="en-GB" sz="1400" b="1" dirty="0" smtClean="0">
+              <a:rPr lang="en-GB" sz="1400" b="1" dirty="0">
                 <a:solidFill>
                   <a:srgbClr val="000000"/>
                 </a:solidFill>
@@ -3465,10 +3287,10 @@
                 <a:uFillTx/>
                 <a:sym typeface="Helvetica Light"/>
               </a:rPr>
-              <a:t>	</a:t>
-            </a:r>
-            <a:r>
-              <a:rPr kumimoji="0" lang="en-GB" sz="1400" b="0" i="0" u="none" strike="noStrike" cap="none" spc="0" normalizeH="0" baseline="0" dirty="0" smtClean="0">
+              <a:t>	Export as </a:t>
+            </a:r>
+            <a:r>
+              <a:rPr kumimoji="0" lang="en-GB" sz="1400" b="0" i="0" u="none" strike="noStrike" cap="none" spc="0" normalizeH="0" baseline="0" dirty="0" err="1">
                 <a:ln>
                   <a:noFill/>
                 </a:ln>
@@ -3479,10 +3301,10 @@
                 <a:uFillTx/>
                 <a:sym typeface="Helvetica Light"/>
               </a:rPr>
-              <a:t>Export as </a:t>
-            </a:r>
-            <a:r>
-              <a:rPr kumimoji="0" lang="en-GB" sz="1400" b="0" i="0" u="none" strike="noStrike" cap="none" spc="0" normalizeH="0" baseline="0" dirty="0" err="1" smtClean="0">
+              <a:t>xarray</a:t>
+            </a:r>
+            <a:r>
+              <a:rPr kumimoji="0" lang="en-GB" sz="1400" b="0" i="0" u="none" strike="noStrike" cap="none" spc="0" normalizeH="0" baseline="0" dirty="0">
                 <a:ln>
                   <a:noFill/>
                 </a:ln>
@@ -3493,23 +3315,9 @@
                 <a:uFillTx/>
                 <a:sym typeface="Helvetica Light"/>
               </a:rPr>
-              <a:t>xarray</a:t>
-            </a:r>
-            <a:r>
-              <a:rPr kumimoji="0" lang="en-GB" sz="1400" b="0" i="0" u="none" strike="noStrike" cap="none" spc="0" normalizeH="0" baseline="0" dirty="0" smtClean="0">
-                <a:ln>
-                  <a:noFill/>
-                </a:ln>
-                <a:solidFill>
-                  <a:srgbClr val="000000"/>
-                </a:solidFill>
-                <a:effectLst/>
-                <a:uFillTx/>
-                <a:sym typeface="Helvetica Light"/>
-              </a:rPr>
               <a:t> dataset.</a:t>
             </a:r>
-            <a:endParaRPr kumimoji="0" lang="en-GB" sz="1400" b="0" i="0" u="none" strike="noStrike" cap="none" spc="0" normalizeH="0" dirty="0" smtClean="0">
+            <a:endParaRPr kumimoji="0" lang="en-GB" sz="1400" b="0" i="0" u="none" strike="noStrike" cap="none" spc="0" normalizeH="0" dirty="0">
               <a:ln>
                 <a:noFill/>
               </a:ln>
@@ -3524,7 +3332,7 @@
           <a:p>
             <a:pPr algn="l" rtl="0" latinLnBrk="1" hangingPunct="0"/>
             <a:r>
-              <a:rPr lang="en-GB" sz="1400" b="1" dirty="0" err="1" smtClean="0">
+              <a:rPr lang="en-GB" sz="1400" b="1" dirty="0" err="1">
                 <a:solidFill>
                   <a:srgbClr val="000000"/>
                 </a:solidFill>
@@ -3532,18 +3340,59 @@
               <a:t>ds.to_dataframe</a:t>
             </a:r>
             <a:r>
-              <a:rPr lang="en-GB" sz="1400" b="1" dirty="0" smtClean="0">
+              <a:rPr lang="en-GB" sz="1400" b="1" dirty="0">
                 <a:solidFill>
                   <a:srgbClr val="000000"/>
                 </a:solidFill>
               </a:rPr>
               <a:t>()</a:t>
             </a:r>
-            <a:endParaRPr lang="en-GB" sz="1400" b="1" dirty="0">
-              <a:solidFill>
-                <a:srgbClr val="000000"/>
-              </a:solidFill>
-            </a:endParaRPr>
+          </a:p>
+          <a:p>
+            <a:pPr algn="l" rtl="0" latinLnBrk="1" hangingPunct="0"/>
+            <a:r>
+              <a:rPr lang="en-GB" sz="1400" dirty="0">
+                <a:solidFill>
+                  <a:srgbClr val="000000"/>
+                </a:solidFill>
+              </a:rPr>
+              <a:t>	Export as pandas </a:t>
+            </a:r>
+            <a:r>
+              <a:rPr lang="en-GB" sz="1400" dirty="0" err="1">
+                <a:solidFill>
+                  <a:srgbClr val="000000"/>
+                </a:solidFill>
+              </a:rPr>
+              <a:t>dataframe</a:t>
+            </a:r>
+            <a:r>
+              <a:rPr lang="en-GB" sz="1400" dirty="0">
+                <a:solidFill>
+                  <a:srgbClr val="000000"/>
+                </a:solidFill>
+              </a:rPr>
+              <a:t>.</a:t>
+            </a:r>
+          </a:p>
+          <a:p>
+            <a:pPr algn="l" rtl="0" latinLnBrk="1" hangingPunct="0"/>
+            <a:r>
+              <a:rPr lang="en-GB" sz="1400" b="1" dirty="0" err="1">
+                <a:solidFill>
+                  <a:srgbClr val="000000"/>
+                </a:solidFill>
+              </a:rPr>
+              <a:t>ds.to_nc</a:t>
+            </a:r>
+            <a:r>
+              <a:rPr lang="en-GB" sz="1400" b="1" dirty="0">
+                <a:solidFill>
+                  <a:srgbClr val="000000"/>
+                </a:solidFill>
+              </a:rPr>
+              <a:t>(‘foo/foo.nc’)</a:t>
+            </a:r>
           </a:p>
           <a:p>
             <a:pPr algn="l" rtl="0" latinLnBrk="1" hangingPunct="0"/>
@@ -3556,71 +3405,7 @@
               <a:t>	Export as </a:t>
             </a:r>
             <a:r>
-              <a:rPr lang="en-GB" sz="1400" dirty="0" smtClean="0">
-                <a:solidFill>
-                  <a:srgbClr val="000000"/>
-                </a:solidFill>
-              </a:rPr>
-              <a:t>pandas </a:t>
-            </a:r>
-            <a:r>
-              <a:rPr lang="en-GB" sz="1400" dirty="0" err="1" smtClean="0">
-                <a:solidFill>
-                  <a:srgbClr val="000000"/>
-                </a:solidFill>
-              </a:rPr>
-              <a:t>dataframe</a:t>
-            </a:r>
-            <a:r>
-              <a:rPr lang="en-GB" sz="1400" dirty="0" smtClean="0">
-                <a:solidFill>
-                  <a:srgbClr val="000000"/>
-                </a:solidFill>
-              </a:rPr>
-              <a:t>.</a:t>
-            </a:r>
-            <a:endParaRPr lang="en-GB" sz="1400" dirty="0">
-              <a:solidFill>
-                <a:srgbClr val="000000"/>
-              </a:solidFill>
-            </a:endParaRPr>
-          </a:p>
-          <a:p>
-            <a:pPr algn="l" rtl="0" latinLnBrk="1" hangingPunct="0"/>
-            <a:r>
-              <a:rPr lang="en-GB" sz="1400" b="1" dirty="0" err="1" smtClean="0">
-                <a:solidFill>
-                  <a:srgbClr val="000000"/>
-                </a:solidFill>
-              </a:rPr>
-              <a:t>ds.to_nc</a:t>
-            </a:r>
-            <a:r>
-              <a:rPr lang="en-GB" sz="1400" b="1" dirty="0" smtClean="0">
-                <a:solidFill>
-                  <a:srgbClr val="000000"/>
-                </a:solidFill>
-              </a:rPr>
-              <a:t>(‘foo/foo.nc’)</a:t>
-            </a:r>
-            <a:endParaRPr lang="en-GB" sz="1400" b="1" dirty="0">
-              <a:solidFill>
-                <a:srgbClr val="000000"/>
-              </a:solidFill>
-            </a:endParaRPr>
-          </a:p>
-          <a:p>
-            <a:pPr algn="l" rtl="0" latinLnBrk="1" hangingPunct="0"/>
-            <a:r>
-              <a:rPr lang="en-GB" sz="1400" dirty="0">
-                <a:solidFill>
-                  <a:srgbClr val="000000"/>
-                </a:solidFill>
-              </a:rPr>
-              <a:t>	Export as </a:t>
-            </a:r>
-            <a:r>
-              <a:rPr lang="en-GB" sz="1400" dirty="0" err="1" smtClean="0">
+              <a:rPr lang="en-GB" sz="1400" dirty="0" err="1">
                 <a:solidFill>
                   <a:srgbClr val="000000"/>
                 </a:solidFill>
@@ -3628,18 +3413,13 @@
               <a:t>netCDF</a:t>
             </a:r>
             <a:r>
-              <a:rPr lang="en-GB" sz="1400" dirty="0" smtClean="0">
+              <a:rPr lang="en-GB" sz="1400" dirty="0">
                 <a:solidFill>
                   <a:srgbClr val="000000"/>
                 </a:solidFill>
               </a:rPr>
               <a:t> file.</a:t>
             </a:r>
-            <a:endParaRPr lang="en-GB" sz="1400" dirty="0">
-              <a:solidFill>
-                <a:srgbClr val="000000"/>
-              </a:solidFill>
-            </a:endParaRPr>
           </a:p>
         </p:txBody>
       </p:sp>
@@ -3700,7 +3480,7 @@
               <a:tabLst/>
             </a:pPr>
             <a:r>
-              <a:rPr lang="en-GB" sz="1400" dirty="0" smtClean="0">
+              <a:rPr lang="en-GB" sz="1400" dirty="0">
                 <a:solidFill>
                   <a:srgbClr val="000000"/>
                 </a:solidFill>
@@ -3725,7 +3505,7 @@
               <a:buNone/>
               <a:tabLst/>
             </a:pPr>
-            <a:endParaRPr lang="en-GB" sz="1400" b="1" dirty="0" smtClean="0">
+            <a:endParaRPr lang="en-GB" sz="1400" b="1" dirty="0">
               <a:solidFill>
                 <a:srgbClr val="000000"/>
               </a:solidFill>
@@ -3749,7 +3529,7 @@
               <a:tabLst/>
             </a:pPr>
             <a:r>
-              <a:rPr lang="en-GB" sz="1400" b="1" dirty="0" err="1" smtClean="0">
+              <a:rPr lang="en-GB" sz="1400" b="1" dirty="0" err="1">
                 <a:solidFill>
                   <a:srgbClr val="000000"/>
                 </a:solidFill>
@@ -3757,7 +3537,7 @@
               <a:t>ds.tmean</a:t>
             </a:r>
             <a:r>
-              <a:rPr lang="en-GB" sz="1400" b="1" dirty="0" smtClean="0">
+              <a:rPr lang="en-GB" sz="1400" b="1" dirty="0">
                 <a:solidFill>
                   <a:srgbClr val="000000"/>
                 </a:solidFill>
@@ -3783,14 +3563,14 @@
               <a:tabLst/>
             </a:pPr>
             <a:r>
-              <a:rPr lang="en-GB" sz="1400" dirty="0" smtClean="0">
+              <a:rPr lang="en-GB" sz="1400" dirty="0">
                 <a:solidFill>
                   <a:srgbClr val="000000"/>
                 </a:solidFill>
               </a:rPr>
               <a:t>	Calculate the annual mean.</a:t>
             </a:r>
-            <a:endParaRPr kumimoji="0" lang="en-GB" sz="1400" b="0" i="0" u="none" strike="noStrike" cap="none" spc="0" normalizeH="0" dirty="0" smtClean="0">
+            <a:endParaRPr kumimoji="0" lang="en-GB" sz="1400" b="0" i="0" u="none" strike="noStrike" cap="none" spc="0" normalizeH="0" dirty="0">
               <a:ln>
                 <a:noFill/>
               </a:ln>
@@ -3805,7 +3585,7 @@
           <a:p>
             <a:pPr algn="l" rtl="0" latinLnBrk="1" hangingPunct="0"/>
             <a:r>
-              <a:rPr lang="en-GB" sz="1400" b="1" dirty="0" err="1" smtClean="0">
+              <a:rPr lang="en-GB" sz="1400" b="1" dirty="0" err="1">
                 <a:solidFill>
                   <a:srgbClr val="000000"/>
                 </a:solidFill>
@@ -3813,7 +3593,7 @@
               <a:t>ds.tmean</a:t>
             </a:r>
             <a:r>
-              <a:rPr lang="en-GB" sz="1400" b="1" dirty="0" smtClean="0">
+              <a:rPr lang="en-GB" sz="1400" b="1" dirty="0">
                 <a:solidFill>
                   <a:srgbClr val="000000"/>
                 </a:solidFill>
@@ -3832,7 +3612,7 @@
               <a:t>	</a:t>
             </a:r>
             <a:r>
-              <a:rPr lang="en-GB" sz="1400" dirty="0" smtClean="0">
+              <a:rPr lang="en-GB" sz="1400" dirty="0">
                 <a:solidFill>
                   <a:srgbClr val="000000"/>
                 </a:solidFill>
@@ -3848,21 +3628,13 @@
                   <a:srgbClr val="000000"/>
                 </a:solidFill>
               </a:rPr>
-              <a:t>	</a:t>
-            </a:r>
-            <a:r>
-              <a:rPr lang="en-GB" sz="1400" dirty="0" smtClean="0">
-                <a:solidFill>
-                  <a:srgbClr val="000000"/>
-                </a:solidFill>
-              </a:rPr>
-              <a:t>year.</a:t>
-            </a:r>
-          </a:p>
-          <a:p>
-            <a:pPr algn="l" rtl="0" latinLnBrk="1" hangingPunct="0"/>
-            <a:r>
-              <a:rPr lang="en-GB" sz="1400" b="1" dirty="0" err="1" smtClean="0">
+              <a:t>	year.</a:t>
+            </a:r>
+          </a:p>
+          <a:p>
+            <a:pPr algn="l" rtl="0" latinLnBrk="1" hangingPunct="0"/>
+            <a:r>
+              <a:rPr lang="en-GB" sz="1400" b="1" dirty="0" err="1">
                 <a:solidFill>
                   <a:srgbClr val="000000"/>
                 </a:solidFill>
@@ -3870,7 +3642,7 @@
               <a:t>ds.tmin</a:t>
             </a:r>
             <a:r>
-              <a:rPr lang="en-GB" sz="1400" b="1" dirty="0" smtClean="0">
+              <a:rPr lang="en-GB" sz="1400" b="1" dirty="0">
                 <a:solidFill>
                   <a:srgbClr val="000000"/>
                 </a:solidFill>
@@ -3886,15 +3658,7 @@
                   <a:srgbClr val="000000"/>
                 </a:solidFill>
               </a:rPr>
-              <a:t>	</a:t>
-            </a:r>
-            <a:r>
-              <a:rPr lang="en-GB" sz="1400" dirty="0" smtClean="0">
-                <a:solidFill>
-                  <a:srgbClr val="000000"/>
-                </a:solidFill>
-              </a:rPr>
-              <a:t>Calculate the temporal minimum.</a:t>
+              <a:t>	Calculate the temporal minimum.</a:t>
             </a:r>
           </a:p>
           <a:p>
@@ -3905,18 +3669,10 @@
                   <a:srgbClr val="000000"/>
                 </a:solidFill>
               </a:rPr>
-              <a:t>d</a:t>
-            </a:r>
-            <a:r>
-              <a:rPr lang="en-GB" sz="1400" b="1" dirty="0" err="1" smtClean="0">
-                <a:solidFill>
-                  <a:srgbClr val="000000"/>
-                </a:solidFill>
-              </a:rPr>
-              <a:t>s.tmax</a:t>
-            </a:r>
-            <a:r>
-              <a:rPr lang="en-GB" sz="1400" b="1" dirty="0" smtClean="0">
+              <a:t>ds.tmax</a:t>
+            </a:r>
+            <a:r>
+              <a:rPr lang="en-GB" sz="1400" b="1" dirty="0">
                 <a:solidFill>
                   <a:srgbClr val="000000"/>
                 </a:solidFill>
@@ -3932,21 +3688,13 @@
                   <a:srgbClr val="000000"/>
                 </a:solidFill>
               </a:rPr>
-              <a:t>	</a:t>
-            </a:r>
-            <a:r>
-              <a:rPr lang="en-GB" sz="1400" dirty="0" smtClean="0">
-                <a:solidFill>
-                  <a:srgbClr val="000000"/>
-                </a:solidFill>
-              </a:rPr>
-              <a:t>Calculate the temporal maximum.</a:t>
-            </a:r>
-          </a:p>
-          <a:p>
-            <a:pPr algn="l" rtl="0" latinLnBrk="1" hangingPunct="0"/>
-            <a:r>
-              <a:rPr lang="en-GB" sz="1400" b="1" dirty="0" err="1" smtClean="0">
+              <a:t>	Calculate the temporal maximum.</a:t>
+            </a:r>
+          </a:p>
+          <a:p>
+            <a:pPr algn="l" rtl="0" latinLnBrk="1" hangingPunct="0"/>
+            <a:r>
+              <a:rPr lang="en-GB" sz="1400" b="1" dirty="0" err="1">
                 <a:solidFill>
                   <a:srgbClr val="000000"/>
                 </a:solidFill>
@@ -3954,7 +3702,7 @@
               <a:t>ds.tmedian</a:t>
             </a:r>
             <a:r>
-              <a:rPr lang="en-GB" sz="1400" b="1" dirty="0" smtClean="0">
+              <a:rPr lang="en-GB" sz="1400" b="1" dirty="0">
                 <a:solidFill>
                   <a:srgbClr val="000000"/>
                 </a:solidFill>
@@ -3970,15 +3718,102 @@
                   <a:srgbClr val="000000"/>
                 </a:solidFill>
               </a:rPr>
-              <a:t>	</a:t>
-            </a:r>
-            <a:r>
-              <a:rPr lang="en-GB" sz="1400" dirty="0" smtClean="0">
-                <a:solidFill>
-                  <a:srgbClr val="000000"/>
-                </a:solidFill>
-              </a:rPr>
-              <a:t>Calculate the temporal median.</a:t>
+              <a:t>	Calculate the temporal median.</a:t>
+            </a:r>
+          </a:p>
+          <a:p>
+            <a:pPr algn="l" rtl="0" latinLnBrk="1" hangingPunct="0"/>
+            <a:r>
+              <a:rPr lang="en-GB" sz="1400" b="1" dirty="0" err="1">
+                <a:solidFill>
+                  <a:srgbClr val="000000"/>
+                </a:solidFill>
+              </a:rPr>
+              <a:t>ds.trange</a:t>
+            </a:r>
+            <a:r>
+              <a:rPr lang="en-GB" sz="1400" b="1" dirty="0">
+                <a:solidFill>
+                  <a:srgbClr val="000000"/>
+                </a:solidFill>
+              </a:rPr>
+              <a:t>()</a:t>
+            </a:r>
+          </a:p>
+          <a:p>
+            <a:pPr algn="l" rtl="0" latinLnBrk="1" hangingPunct="0"/>
+            <a:r>
+              <a:rPr lang="en-GB" sz="1400" dirty="0">
+                <a:solidFill>
+                  <a:srgbClr val="000000"/>
+                </a:solidFill>
+              </a:rPr>
+              <a:t>	Calculate the temporal range.</a:t>
+            </a:r>
+          </a:p>
+          <a:p>
+            <a:pPr algn="l" rtl="0" latinLnBrk="1" hangingPunct="0"/>
+            <a:r>
+              <a:rPr lang="en-GB" sz="1400" b="1" dirty="0" err="1">
+                <a:solidFill>
+                  <a:srgbClr val="000000"/>
+                </a:solidFill>
+              </a:rPr>
+              <a:t>ds.tpercentile</a:t>
+            </a:r>
+            <a:r>
+              <a:rPr lang="en-GB" sz="1400" b="1" dirty="0">
+                <a:solidFill>
+                  <a:srgbClr val="000000"/>
+                </a:solidFill>
+              </a:rPr>
+              <a:t>(95)</a:t>
+            </a:r>
+          </a:p>
+          <a:p>
+            <a:pPr algn="l" rtl="0" latinLnBrk="1" hangingPunct="0"/>
+            <a:r>
+              <a:rPr lang="en-GB" sz="1400" dirty="0">
+                <a:solidFill>
+                  <a:srgbClr val="000000"/>
+                </a:solidFill>
+              </a:rPr>
+              <a:t>	Calculate the 95</a:t>
+            </a:r>
+            <a:r>
+              <a:rPr lang="en-GB" sz="1400" baseline="30000" dirty="0">
+                <a:solidFill>
+                  <a:srgbClr val="000000"/>
+                </a:solidFill>
+              </a:rPr>
+              <a:t>th</a:t>
+            </a:r>
+            <a:r>
+              <a:rPr lang="en-GB" sz="1400" dirty="0">
+                <a:solidFill>
+                  <a:srgbClr val="000000"/>
+                </a:solidFill>
+              </a:rPr>
+              <a:t> percentile.</a:t>
+            </a:r>
+          </a:p>
+          <a:p>
+            <a:pPr algn="l" rtl="0" latinLnBrk="1" hangingPunct="0"/>
+            <a:r>
+              <a:rPr lang="en-GB" sz="1400" b="1" dirty="0" err="1">
+                <a:solidFill>
+                  <a:srgbClr val="000000"/>
+                </a:solidFill>
+              </a:rPr>
+              <a:t>ds.tvariance</a:t>
+            </a:r>
+            <a:r>
+              <a:rPr lang="en-GB" sz="1400" b="1" dirty="0">
+                <a:solidFill>
+                  <a:srgbClr val="000000"/>
+                </a:solidFill>
+              </a:rPr>
+              <a:t>()</a:t>
             </a:r>
             <a:endParaRPr lang="en-GB" sz="1400" dirty="0">
               <a:solidFill>
@@ -3989,128 +3824,7 @@
           <a:p>
             <a:pPr algn="l" rtl="0" latinLnBrk="1" hangingPunct="0"/>
             <a:r>
-              <a:rPr lang="en-GB" sz="1400" b="1" dirty="0" err="1">
-                <a:solidFill>
-                  <a:srgbClr val="000000"/>
-                </a:solidFill>
-              </a:rPr>
-              <a:t>ds.trange</a:t>
-            </a:r>
-            <a:r>
-              <a:rPr lang="en-GB" sz="1400" b="1" dirty="0">
-                <a:solidFill>
-                  <a:srgbClr val="000000"/>
-                </a:solidFill>
-              </a:rPr>
-              <a:t>()</a:t>
-            </a:r>
-          </a:p>
-          <a:p>
-            <a:pPr algn="l" rtl="0" latinLnBrk="1" hangingPunct="0"/>
-            <a:r>
-              <a:rPr lang="en-GB" sz="1400" dirty="0">
-                <a:solidFill>
-                  <a:srgbClr val="000000"/>
-                </a:solidFill>
-              </a:rPr>
-              <a:t>	Calculate the temporal range</a:t>
-            </a:r>
-            <a:r>
-              <a:rPr lang="en-GB" sz="1400" dirty="0" smtClean="0">
-                <a:solidFill>
-                  <a:srgbClr val="000000"/>
-                </a:solidFill>
-              </a:rPr>
-              <a:t>.</a:t>
-            </a:r>
-          </a:p>
-          <a:p>
-            <a:pPr algn="l" rtl="0" latinLnBrk="1" hangingPunct="0"/>
-            <a:r>
-              <a:rPr lang="en-GB" sz="1400" b="1" dirty="0" err="1" smtClean="0">
-                <a:solidFill>
-                  <a:srgbClr val="000000"/>
-                </a:solidFill>
-              </a:rPr>
-              <a:t>ds.tpercentile</a:t>
-            </a:r>
-            <a:r>
-              <a:rPr lang="en-GB" sz="1400" b="1" dirty="0" smtClean="0">
-                <a:solidFill>
-                  <a:srgbClr val="000000"/>
-                </a:solidFill>
-              </a:rPr>
-              <a:t>(95)</a:t>
-            </a:r>
-            <a:endParaRPr lang="en-GB" sz="1400" b="1" dirty="0">
-              <a:solidFill>
-                <a:srgbClr val="000000"/>
-              </a:solidFill>
-            </a:endParaRPr>
-          </a:p>
-          <a:p>
-            <a:pPr algn="l" rtl="0" latinLnBrk="1" hangingPunct="0"/>
-            <a:r>
-              <a:rPr lang="en-GB" sz="1400" dirty="0">
-                <a:solidFill>
-                  <a:srgbClr val="000000"/>
-                </a:solidFill>
-              </a:rPr>
-              <a:t>	Calculate the </a:t>
-            </a:r>
-            <a:r>
-              <a:rPr lang="en-GB" sz="1400" dirty="0" smtClean="0">
-                <a:solidFill>
-                  <a:srgbClr val="000000"/>
-                </a:solidFill>
-              </a:rPr>
-              <a:t>95</a:t>
-            </a:r>
-            <a:r>
-              <a:rPr lang="en-GB" sz="1400" baseline="30000" dirty="0" smtClean="0">
-                <a:solidFill>
-                  <a:srgbClr val="000000"/>
-                </a:solidFill>
-              </a:rPr>
-              <a:t>th</a:t>
-            </a:r>
-            <a:r>
-              <a:rPr lang="en-GB" sz="1400" dirty="0" smtClean="0">
-                <a:solidFill>
-                  <a:srgbClr val="000000"/>
-                </a:solidFill>
-              </a:rPr>
-              <a:t> percentile.</a:t>
-            </a:r>
-          </a:p>
-          <a:p>
-            <a:pPr algn="l" rtl="0" latinLnBrk="1" hangingPunct="0"/>
-            <a:r>
-              <a:rPr lang="en-GB" sz="1400" b="1" dirty="0" err="1" smtClean="0">
-                <a:solidFill>
-                  <a:srgbClr val="000000"/>
-                </a:solidFill>
-              </a:rPr>
-              <a:t>ds.tvariance</a:t>
-            </a:r>
-            <a:r>
-              <a:rPr lang="en-GB" sz="1400" b="1" dirty="0" smtClean="0">
-                <a:solidFill>
-                  <a:srgbClr val="000000"/>
-                </a:solidFill>
-              </a:rPr>
-              <a:t>()</a:t>
-            </a:r>
-            <a:endParaRPr lang="en-GB" sz="1400" dirty="0" smtClean="0">
-              <a:solidFill>
-                <a:srgbClr val="000000"/>
-              </a:solidFill>
-            </a:endParaRPr>
-          </a:p>
-          <a:p>
-            <a:pPr algn="l" rtl="0" latinLnBrk="1" hangingPunct="0"/>
-            <a:r>
-              <a:rPr lang="en-GB" sz="1400" dirty="0" smtClean="0">
+              <a:rPr lang="en-GB" sz="1400" dirty="0">
                 <a:solidFill>
                   <a:srgbClr val="000000"/>
                 </a:solidFill>
@@ -4134,18 +3848,10 @@
                   <a:srgbClr val="000000"/>
                 </a:solidFill>
               </a:rPr>
-              <a:t>d</a:t>
-            </a:r>
-            <a:r>
-              <a:rPr lang="en-GB" sz="1400" b="1" dirty="0" err="1" smtClean="0">
-                <a:solidFill>
-                  <a:srgbClr val="000000"/>
-                </a:solidFill>
-              </a:rPr>
-              <a:t>s.shift</a:t>
-            </a:r>
-            <a:r>
-              <a:rPr lang="en-GB" sz="1400" b="1" dirty="0" smtClean="0">
+              <a:t>ds.shift</a:t>
+            </a:r>
+            <a:r>
+              <a:rPr lang="en-GB" sz="1400" b="1" dirty="0">
                 <a:solidFill>
                   <a:srgbClr val="000000"/>
                 </a:solidFill>
@@ -4156,7 +3862,7 @@
           <a:p>
             <a:pPr algn="l" rtl="0" latinLnBrk="1" hangingPunct="0"/>
             <a:r>
-              <a:rPr lang="en-GB" sz="1400" dirty="0" smtClean="0">
+              <a:rPr lang="en-GB" sz="1400" dirty="0">
                 <a:solidFill>
                   <a:srgbClr val="000000"/>
                 </a:solidFill>
@@ -4167,7 +3873,7 @@
           <a:p>
             <a:pPr algn="l" rtl="0" latinLnBrk="1" hangingPunct="0"/>
             <a:r>
-              <a:rPr lang="en-GB" sz="1400" b="1" dirty="0" err="1" smtClean="0">
+              <a:rPr lang="en-GB" sz="1400" b="1" dirty="0" err="1">
                 <a:solidFill>
                   <a:srgbClr val="000000"/>
                 </a:solidFill>
@@ -4175,7 +3881,7 @@
               <a:t>ds.tcumsum</a:t>
             </a:r>
             <a:r>
-              <a:rPr lang="en-GB" sz="1400" b="1" dirty="0" smtClean="0">
+              <a:rPr lang="en-GB" sz="1400" b="1" dirty="0">
                 <a:solidFill>
                   <a:srgbClr val="000000"/>
                 </a:solidFill>
@@ -4191,21 +3897,13 @@
                   <a:srgbClr val="000000"/>
                 </a:solidFill>
               </a:rPr>
-              <a:t>	</a:t>
-            </a:r>
-            <a:r>
-              <a:rPr lang="en-GB" sz="1400" dirty="0" smtClean="0">
-                <a:solidFill>
-                  <a:srgbClr val="000000"/>
-                </a:solidFill>
-              </a:rPr>
-              <a:t>Temporal cumulative sum.</a:t>
-            </a:r>
-          </a:p>
-          <a:p>
-            <a:pPr algn="l" rtl="0" latinLnBrk="1" hangingPunct="0"/>
-            <a:r>
-              <a:rPr lang="en-GB" sz="1400" b="1" dirty="0" err="1" smtClean="0">
+              <a:t>	Temporal cumulative sum.</a:t>
+            </a:r>
+          </a:p>
+          <a:p>
+            <a:pPr algn="l" rtl="0" latinLnBrk="1" hangingPunct="0"/>
+            <a:r>
+              <a:rPr lang="en-GB" sz="1400" b="1" dirty="0" err="1">
                 <a:solidFill>
                   <a:srgbClr val="000000"/>
                 </a:solidFill>
@@ -4213,7 +3911,7 @@
               <a:t>ds.first_above</a:t>
             </a:r>
             <a:r>
-              <a:rPr lang="en-GB" sz="1400" b="1" dirty="0" smtClean="0">
+              <a:rPr lang="en-GB" sz="1400" b="1" dirty="0">
                 <a:solidFill>
                   <a:srgbClr val="000000"/>
                 </a:solidFill>
@@ -4229,18 +3927,10 @@
                   <a:srgbClr val="000000"/>
                 </a:solidFill>
               </a:rPr>
-              <a:t>	</a:t>
-            </a:r>
-            <a:r>
-              <a:rPr lang="en-GB" sz="1400" dirty="0" smtClean="0">
-                <a:solidFill>
-                  <a:srgbClr val="000000"/>
-                </a:solidFill>
-              </a:rPr>
-              <a:t>Identify 1</a:t>
-            </a:r>
-            <a:r>
-              <a:rPr lang="en-GB" sz="1400" baseline="30000" dirty="0" smtClean="0">
+              <a:t>	Identify 1</a:t>
+            </a:r>
+            <a:r>
+              <a:rPr lang="en-GB" sz="1400" baseline="30000" dirty="0">
                 <a:solidFill>
                   <a:srgbClr val="000000"/>
                 </a:solidFill>
@@ -4248,7 +3938,7 @@
               <a:t>st</a:t>
             </a:r>
             <a:r>
-              <a:rPr lang="en-GB" sz="1400" dirty="0" smtClean="0">
+              <a:rPr lang="en-GB" sz="1400" dirty="0">
                 <a:solidFill>
                   <a:srgbClr val="000000"/>
                 </a:solidFill>
@@ -4259,7 +3949,7 @@
           <a:p>
             <a:pPr algn="l" rtl="0" latinLnBrk="1" hangingPunct="0"/>
             <a:r>
-              <a:rPr lang="en-GB" sz="1400" b="1" dirty="0" err="1" smtClean="0">
+              <a:rPr lang="en-GB" sz="1400" b="1" dirty="0" err="1">
                 <a:solidFill>
                   <a:srgbClr val="000000"/>
                 </a:solidFill>
@@ -4267,18 +3957,13 @@
               <a:t>ds.first_below</a:t>
             </a:r>
             <a:r>
-              <a:rPr lang="en-GB" sz="1400" b="1" dirty="0" smtClean="0">
+              <a:rPr lang="en-GB" sz="1400" b="1" dirty="0">
                 <a:solidFill>
                   <a:srgbClr val="000000"/>
                 </a:solidFill>
               </a:rPr>
               <a:t>(0)</a:t>
             </a:r>
-            <a:endParaRPr lang="en-GB" sz="1400" b="1" dirty="0">
-              <a:solidFill>
-                <a:srgbClr val="000000"/>
-              </a:solidFill>
-            </a:endParaRPr>
           </a:p>
           <a:p>
             <a:pPr algn="l" rtl="0" latinLnBrk="1" hangingPunct="0"/>
@@ -4304,15 +3989,7 @@
                   <a:srgbClr val="000000"/>
                 </a:solidFill>
               </a:rPr>
-              <a:t> time step variables are </a:t>
-            </a:r>
-            <a:r>
-              <a:rPr lang="en-GB" sz="1400" dirty="0" smtClean="0">
-                <a:solidFill>
-                  <a:srgbClr val="000000"/>
-                </a:solidFill>
-              </a:rPr>
-              <a:t>negative.</a:t>
+              <a:t> time step variables are negative.</a:t>
             </a:r>
           </a:p>
           <a:p>
@@ -4352,7 +4029,7 @@
           </a:ln>
           <a:extLst>
             <a:ext uri="{C572A759-6A51-4108-AA02-DFA0A04FC94B}">
-              <ma14:wrappingTextBoxFlag xmlns:ma14="http://schemas.microsoft.com/office/mac/drawingml/2011/main" xmlns="" val="1"/>
+              <ma14:wrappingTextBoxFlag xmlns="" xmlns:ma14="http://schemas.microsoft.com/office/mac/drawingml/2011/main" val="1"/>
             </a:ext>
           </a:extLst>
         </p:spPr>
@@ -4364,7 +4041,7 @@
               <a:defRPr sz="1800"/>
             </a:pPr>
             <a:r>
-              <a:rPr lang="de-DE" sz="1400" dirty="0" smtClean="0">
+              <a:rPr lang="de-DE" sz="1400" dirty="0">
                 <a:solidFill>
                   <a:srgbClr val="FFFFFF"/>
                 </a:solidFill>
@@ -4442,14 +4119,14 @@
               <a:tabLst/>
             </a:pPr>
             <a:r>
-              <a:rPr lang="en-GB" sz="1400" b="1" dirty="0" err="1" smtClean="0">
+              <a:rPr lang="en-GB" sz="1400" b="1" dirty="0" err="1">
                 <a:solidFill>
                   <a:srgbClr val="000000"/>
                 </a:solidFill>
               </a:rPr>
               <a:t>ds.variables</a:t>
             </a:r>
-            <a:endParaRPr lang="en-GB" sz="1400" b="1" dirty="0" smtClean="0">
+            <a:endParaRPr lang="en-GB" sz="1400" b="1" dirty="0">
               <a:solidFill>
                 <a:srgbClr val="000000"/>
               </a:solidFill>
@@ -4484,10 +4161,10 @@
                 <a:uFillTx/>
                 <a:sym typeface="Helvetica Light"/>
               </a:rPr>
-              <a:t>	</a:t>
-            </a:r>
-            <a:r>
-              <a:rPr kumimoji="0" lang="en-GB" sz="1400" b="0" i="0" u="none" strike="noStrike" cap="none" spc="0" normalizeH="0" baseline="0" dirty="0" smtClean="0">
+              <a:t>	List</a:t>
+            </a:r>
+            <a:r>
+              <a:rPr kumimoji="0" lang="en-GB" sz="1400" b="0" i="0" u="none" strike="noStrike" cap="none" spc="0" normalizeH="0" dirty="0">
                 <a:ln>
                   <a:noFill/>
                 </a:ln>
@@ -4498,10 +4175,10 @@
                 <a:uFillTx/>
                 <a:sym typeface="Helvetica Light"/>
               </a:rPr>
-              <a:t>List</a:t>
-            </a:r>
-            <a:r>
-              <a:rPr kumimoji="0" lang="en-GB" sz="1400" b="0" i="0" u="none" strike="noStrike" cap="none" spc="0" normalizeH="0" dirty="0" smtClean="0">
+              <a:t> dataset variables</a:t>
+            </a:r>
+            <a:r>
+              <a:rPr kumimoji="0" lang="en-GB" sz="1400" b="0" i="0" u="none" strike="noStrike" cap="none" spc="0" normalizeH="0" baseline="0" dirty="0">
                 <a:ln>
                   <a:noFill/>
                 </a:ln>
@@ -4512,23 +4189,9 @@
                 <a:uFillTx/>
                 <a:sym typeface="Helvetica Light"/>
               </a:rPr>
-              <a:t> dataset variables</a:t>
-            </a:r>
-            <a:r>
-              <a:rPr kumimoji="0" lang="en-GB" sz="1400" b="0" i="0" u="none" strike="noStrike" cap="none" spc="0" normalizeH="0" baseline="0" dirty="0" smtClean="0">
-                <a:ln>
-                  <a:noFill/>
-                </a:ln>
-                <a:solidFill>
-                  <a:srgbClr val="000000"/>
-                </a:solidFill>
-                <a:effectLst/>
-                <a:uFillTx/>
-                <a:sym typeface="Helvetica Light"/>
-              </a:rPr>
               <a:t>.</a:t>
             </a:r>
-            <a:endParaRPr kumimoji="0" lang="en-GB" sz="1400" b="0" i="0" u="none" strike="noStrike" cap="none" spc="0" normalizeH="0" dirty="0" smtClean="0">
+            <a:endParaRPr kumimoji="0" lang="en-GB" sz="1400" b="0" i="0" u="none" strike="noStrike" cap="none" spc="0" normalizeH="0" dirty="0">
               <a:ln>
                 <a:noFill/>
               </a:ln>
@@ -4543,7 +4206,7 @@
           <a:p>
             <a:pPr algn="l" rtl="0" latinLnBrk="1" hangingPunct="0"/>
             <a:r>
-              <a:rPr lang="en-GB" sz="1400" b="1" dirty="0" err="1" smtClean="0">
+              <a:rPr lang="en-GB" sz="1400" b="1" dirty="0" err="1">
                 <a:solidFill>
                   <a:srgbClr val="000000"/>
                 </a:solidFill>
@@ -4564,17 +4227,9 @@
                   <a:srgbClr val="000000"/>
                 </a:solidFill>
               </a:rPr>
-              <a:t>	</a:t>
-            </a:r>
-            <a:r>
-              <a:rPr lang="en-GB" sz="1400" dirty="0" smtClean="0">
-                <a:solidFill>
-                  <a:srgbClr val="000000"/>
-                </a:solidFill>
-              </a:rPr>
-              <a:t>List dataset years.</a:t>
-            </a:r>
-            <a:endParaRPr kumimoji="0" lang="en-GB" sz="1400" b="0" i="0" u="none" strike="noStrike" cap="none" spc="0" normalizeH="0" dirty="0" smtClean="0">
+              <a:t>	List dataset years.</a:t>
+            </a:r>
+            <a:endParaRPr kumimoji="0" lang="en-GB" sz="1400" b="0" i="0" u="none" strike="noStrike" cap="none" spc="0" normalizeH="0" dirty="0">
               <a:ln>
                 <a:noFill/>
               </a:ln>
@@ -4589,7 +4244,7 @@
           <a:p>
             <a:pPr algn="l" rtl="0" latinLnBrk="1" hangingPunct="0"/>
             <a:r>
-              <a:rPr lang="en-GB" sz="1400" b="1" dirty="0" err="1" smtClean="0">
+              <a:rPr lang="en-GB" sz="1400" b="1" dirty="0" err="1">
                 <a:solidFill>
                   <a:srgbClr val="000000"/>
                 </a:solidFill>
@@ -4610,26 +4265,13 @@
                   <a:srgbClr val="000000"/>
                 </a:solidFill>
               </a:rPr>
-              <a:t>	List dataset </a:t>
-            </a:r>
-            <a:r>
-              <a:rPr lang="en-GB" sz="1400" dirty="0" smtClean="0">
-                <a:solidFill>
-                  <a:srgbClr val="000000"/>
-                </a:solidFill>
-              </a:rPr>
-              <a:t>months.</a:t>
-            </a:r>
-            <a:endParaRPr lang="en-GB" sz="1400" dirty="0">
-              <a:solidFill>
-                <a:srgbClr val="000000"/>
-              </a:solidFill>
-            </a:endParaRPr>
-          </a:p>
-          <a:p>
-            <a:pPr algn="l" rtl="0" latinLnBrk="1" hangingPunct="0"/>
-            <a:r>
-              <a:rPr lang="en-GB" sz="1400" b="1" dirty="0" err="1" smtClean="0">
+              <a:t>	List dataset months.</a:t>
+            </a:r>
+          </a:p>
+          <a:p>
+            <a:pPr algn="l" rtl="0" latinLnBrk="1" hangingPunct="0"/>
+            <a:r>
+              <a:rPr lang="en-GB" sz="1400" b="1" dirty="0" err="1">
                 <a:solidFill>
                   <a:srgbClr val="000000"/>
                 </a:solidFill>
@@ -4650,17 +4292,9 @@
                   <a:srgbClr val="000000"/>
                 </a:solidFill>
               </a:rPr>
-              <a:t>	List dataset </a:t>
-            </a:r>
-            <a:r>
-              <a:rPr lang="en-GB" sz="1400" dirty="0" smtClean="0">
-                <a:solidFill>
-                  <a:srgbClr val="000000"/>
-                </a:solidFill>
-              </a:rPr>
-              <a:t>times.</a:t>
-            </a:r>
-            <a:endParaRPr kumimoji="0" lang="en-GB" sz="1400" b="0" i="0" u="none" strike="noStrike" cap="none" spc="0" normalizeH="0" dirty="0" smtClean="0">
+              <a:t>	List dataset times.</a:t>
+            </a:r>
+            <a:endParaRPr kumimoji="0" lang="en-GB" sz="1400" b="0" i="0" u="none" strike="noStrike" cap="none" spc="0" normalizeH="0" dirty="0">
               <a:ln>
                 <a:noFill/>
               </a:ln>
@@ -4675,7 +4309,7 @@
           <a:p>
             <a:pPr algn="l" rtl="0" latinLnBrk="1" hangingPunct="0"/>
             <a:r>
-              <a:rPr lang="en-GB" sz="1400" b="1" dirty="0" err="1" smtClean="0">
+              <a:rPr lang="en-GB" sz="1400" b="1" dirty="0" err="1">
                 <a:solidFill>
                   <a:srgbClr val="000000"/>
                 </a:solidFill>
@@ -4696,21 +4330,13 @@
                   <a:srgbClr val="000000"/>
                 </a:solidFill>
               </a:rPr>
-              <a:t>	</a:t>
-            </a:r>
-            <a:r>
-              <a:rPr lang="en-GB" sz="1400" dirty="0" smtClean="0">
-                <a:solidFill>
-                  <a:srgbClr val="000000"/>
-                </a:solidFill>
-              </a:rPr>
-              <a:t>Display dataset size.</a:t>
-            </a:r>
-          </a:p>
-          <a:p>
-            <a:pPr algn="l" rtl="0" latinLnBrk="1" hangingPunct="0"/>
-            <a:r>
-              <a:rPr lang="en-GB" sz="1400" b="1" dirty="0" err="1" smtClean="0">
+              <a:t>	Display dataset size.</a:t>
+            </a:r>
+          </a:p>
+          <a:p>
+            <a:pPr algn="l" rtl="0" latinLnBrk="1" hangingPunct="0"/>
+            <a:r>
+              <a:rPr lang="en-GB" sz="1400" b="1" dirty="0" err="1">
                 <a:solidFill>
                   <a:srgbClr val="000000"/>
                 </a:solidFill>
@@ -4731,15 +4357,7 @@
                   <a:srgbClr val="000000"/>
                 </a:solidFill>
               </a:rPr>
-              <a:t>	Display dataset </a:t>
-            </a:r>
-            <a:r>
-              <a:rPr lang="en-GB" sz="1400" dirty="0" smtClean="0">
-                <a:solidFill>
-                  <a:srgbClr val="000000"/>
-                </a:solidFill>
-              </a:rPr>
-              <a:t>files.</a:t>
+              <a:t>	Display dataset files.</a:t>
             </a:r>
           </a:p>
         </p:txBody>
@@ -4768,7 +4386,7 @@
           </a:ln>
           <a:extLst>
             <a:ext uri="{C572A759-6A51-4108-AA02-DFA0A04FC94B}">
-              <ma14:wrappingTextBoxFlag xmlns:ma14="http://schemas.microsoft.com/office/mac/drawingml/2011/main" xmlns="" val="1"/>
+              <ma14:wrappingTextBoxFlag xmlns="" xmlns:ma14="http://schemas.microsoft.com/office/mac/drawingml/2011/main" val="1"/>
             </a:ext>
           </a:extLst>
         </p:spPr>
@@ -4780,7 +4398,7 @@
               <a:defRPr sz="1800"/>
             </a:pPr>
             <a:r>
-              <a:rPr lang="de-DE" sz="1400" dirty="0" smtClean="0">
+              <a:rPr lang="de-DE" sz="1400" dirty="0">
                 <a:solidFill>
                   <a:srgbClr val="FFFFFF"/>
                 </a:solidFill>
@@ -4858,7 +4476,7 @@
               <a:tabLst/>
             </a:pPr>
             <a:r>
-              <a:rPr lang="en-GB" sz="1400" dirty="0" smtClean="0">
+              <a:rPr lang="en-GB" sz="1400" dirty="0">
                 <a:solidFill>
                   <a:srgbClr val="000000"/>
                 </a:solidFill>
@@ -4883,7 +4501,7 @@
               <a:buNone/>
               <a:tabLst/>
             </a:pPr>
-            <a:endParaRPr lang="en-GB" sz="1400" b="1" dirty="0" smtClean="0">
+            <a:endParaRPr lang="en-GB" sz="1400" b="1" dirty="0">
               <a:solidFill>
                 <a:srgbClr val="000000"/>
               </a:solidFill>
@@ -4907,7 +4525,7 @@
               <a:tabLst/>
             </a:pPr>
             <a:r>
-              <a:rPr lang="en-GB" sz="1400" b="1" dirty="0" err="1" smtClean="0">
+              <a:rPr lang="en-GB" sz="1400" b="1" dirty="0" err="1">
                 <a:solidFill>
                   <a:srgbClr val="000000"/>
                 </a:solidFill>
@@ -4915,7 +4533,7 @@
               <a:t>ds.rolling_mean</a:t>
             </a:r>
             <a:r>
-              <a:rPr lang="en-GB" sz="1400" b="1" dirty="0" smtClean="0">
+              <a:rPr lang="en-GB" sz="1400" b="1" dirty="0">
                 <a:solidFill>
                   <a:srgbClr val="000000"/>
                 </a:solidFill>
@@ -4952,10 +4570,10 @@
                 <a:uFillTx/>
                 <a:sym typeface="Helvetica Light"/>
               </a:rPr>
-              <a:t>	</a:t>
-            </a:r>
-            <a:r>
-              <a:rPr kumimoji="0" lang="en-GB" sz="1400" b="0" i="0" u="none" strike="noStrike" cap="none" spc="0" normalizeH="0" baseline="0" dirty="0" smtClean="0">
+              <a:t>	Calculate rolling mean using a window of</a:t>
+            </a:r>
+            <a:r>
+              <a:rPr kumimoji="0" lang="en-GB" sz="1400" b="0" i="0" u="none" strike="noStrike" cap="none" spc="0" normalizeH="0" dirty="0">
                 <a:ln>
                   <a:noFill/>
                 </a:ln>
@@ -4966,10 +4584,10 @@
                 <a:uFillTx/>
                 <a:sym typeface="Helvetica Light"/>
               </a:rPr>
-              <a:t>Calculate rolling mean using a window of</a:t>
-            </a:r>
-            <a:r>
-              <a:rPr kumimoji="0" lang="en-GB" sz="1400" b="0" i="0" u="none" strike="noStrike" cap="none" spc="0" normalizeH="0" dirty="0" smtClean="0">
+              <a:t> 20</a:t>
+            </a:r>
+            <a:r>
+              <a:rPr kumimoji="0" lang="en-GB" sz="1400" b="0" i="0" u="none" strike="noStrike" cap="none" spc="0" normalizeH="0" baseline="0" dirty="0">
                 <a:ln>
                   <a:noFill/>
                 </a:ln>
@@ -4980,23 +4598,9 @@
                 <a:uFillTx/>
                 <a:sym typeface="Helvetica Light"/>
               </a:rPr>
-              <a:t> 20</a:t>
-            </a:r>
-            <a:r>
-              <a:rPr kumimoji="0" lang="en-GB" sz="1400" b="0" i="0" u="none" strike="noStrike" cap="none" spc="0" normalizeH="0" baseline="0" dirty="0" smtClean="0">
-                <a:ln>
-                  <a:noFill/>
-                </a:ln>
-                <a:solidFill>
-                  <a:srgbClr val="000000"/>
-                </a:solidFill>
-                <a:effectLst/>
-                <a:uFillTx/>
-                <a:sym typeface="Helvetica Light"/>
-              </a:rPr>
               <a:t>.</a:t>
             </a:r>
-            <a:endParaRPr kumimoji="0" lang="en-GB" sz="1400" b="0" i="0" u="none" strike="noStrike" cap="none" spc="0" normalizeH="0" dirty="0" smtClean="0">
+            <a:endParaRPr kumimoji="0" lang="en-GB" sz="1400" b="0" i="0" u="none" strike="noStrike" cap="none" spc="0" normalizeH="0" dirty="0">
               <a:ln>
                 <a:noFill/>
               </a:ln>
@@ -5011,7 +4615,7 @@
           <a:p>
             <a:pPr algn="l" rtl="0" latinLnBrk="1" hangingPunct="0"/>
             <a:r>
-              <a:rPr lang="en-GB" sz="1400" b="1" dirty="0" err="1" smtClean="0">
+              <a:rPr lang="en-GB" sz="1400" b="1" dirty="0" err="1">
                 <a:solidFill>
                   <a:srgbClr val="000000"/>
                 </a:solidFill>
@@ -5019,57 +4623,25 @@
               <a:t>ds.rolling_min</a:t>
             </a:r>
             <a:r>
-              <a:rPr lang="en-GB" sz="1400" b="1" dirty="0" smtClean="0">
-                <a:solidFill>
-                  <a:srgbClr val="000000"/>
-                </a:solidFill>
-              </a:rPr>
-              <a:t>(10</a:t>
-            </a:r>
-            <a:r>
-              <a:rPr lang="en-GB" sz="1400" b="1" dirty="0">
-                <a:solidFill>
-                  <a:srgbClr val="000000"/>
-                </a:solidFill>
-              </a:rPr>
-              <a:t>)</a:t>
-            </a:r>
-          </a:p>
-          <a:p>
-            <a:pPr algn="l" rtl="0" latinLnBrk="1" hangingPunct="0"/>
-            <a:r>
-              <a:rPr lang="en-GB" sz="1400" dirty="0">
-                <a:solidFill>
-                  <a:srgbClr val="000000"/>
-                </a:solidFill>
-              </a:rPr>
-              <a:t>	Calculate rolling </a:t>
-            </a:r>
-            <a:r>
-              <a:rPr lang="en-GB" sz="1400" dirty="0" smtClean="0">
-                <a:solidFill>
-                  <a:srgbClr val="000000"/>
-                </a:solidFill>
-              </a:rPr>
-              <a:t>min </a:t>
-            </a:r>
-            <a:r>
-              <a:rPr lang="en-GB" sz="1400" dirty="0">
-                <a:solidFill>
-                  <a:srgbClr val="000000"/>
-                </a:solidFill>
-              </a:rPr>
-              <a:t>using a window of 1</a:t>
-            </a:r>
-            <a:r>
-              <a:rPr lang="en-GB" sz="1400" dirty="0" smtClean="0">
-                <a:solidFill>
-                  <a:srgbClr val="000000"/>
-                </a:solidFill>
-              </a:rPr>
-              <a:t>0.</a:t>
-            </a:r>
-            <a:endParaRPr kumimoji="0" lang="en-GB" sz="1400" b="0" i="0" u="none" strike="noStrike" cap="none" spc="0" normalizeH="0" dirty="0" smtClean="0">
+              <a:rPr lang="en-GB" sz="1400" b="1" dirty="0">
+                <a:solidFill>
+                  <a:srgbClr val="000000"/>
+                </a:solidFill>
+              </a:rPr>
+              <a:t>(10)</a:t>
+            </a:r>
+          </a:p>
+          <a:p>
+            <a:pPr algn="l" rtl="0" latinLnBrk="1" hangingPunct="0"/>
+            <a:r>
+              <a:rPr lang="en-GB" sz="1400" dirty="0">
+                <a:solidFill>
+                  <a:srgbClr val="000000"/>
+                </a:solidFill>
+              </a:rPr>
+              <a:t>	Calculate rolling min using a window of 10.</a:t>
+            </a:r>
+            <a:endParaRPr kumimoji="0" lang="en-GB" sz="1400" b="0" i="0" u="none" strike="noStrike" cap="none" spc="0" normalizeH="0" dirty="0">
               <a:ln>
                 <a:noFill/>
               </a:ln>
@@ -5084,7 +4656,7 @@
           <a:p>
             <a:pPr algn="l" rtl="0" latinLnBrk="1" hangingPunct="0"/>
             <a:r>
-              <a:rPr lang="en-GB" sz="1400" b="1" dirty="0" err="1" smtClean="0">
+              <a:rPr lang="en-GB" sz="1400" b="1" dirty="0" err="1">
                 <a:solidFill>
                   <a:srgbClr val="000000"/>
                 </a:solidFill>
@@ -5092,63 +4664,29 @@
               <a:t>ds.rolling_max</a:t>
             </a:r>
             <a:r>
-              <a:rPr lang="en-GB" sz="1400" b="1" dirty="0" smtClean="0">
+              <a:rPr lang="en-GB" sz="1400" b="1" dirty="0">
                 <a:solidFill>
                   <a:srgbClr val="000000"/>
                 </a:solidFill>
               </a:rPr>
               <a:t>(5)</a:t>
             </a:r>
-            <a:endParaRPr lang="en-GB" sz="1400" b="1" dirty="0">
-              <a:solidFill>
-                <a:srgbClr val="000000"/>
-              </a:solidFill>
-            </a:endParaRPr>
-          </a:p>
-          <a:p>
-            <a:pPr algn="l" rtl="0" latinLnBrk="1" hangingPunct="0"/>
-            <a:r>
-              <a:rPr lang="en-GB" sz="1400" dirty="0">
-                <a:solidFill>
-                  <a:srgbClr val="000000"/>
-                </a:solidFill>
-              </a:rPr>
-              <a:t>	Calculate rolling </a:t>
-            </a:r>
-            <a:r>
-              <a:rPr lang="en-GB" sz="1400" dirty="0" smtClean="0">
-                <a:solidFill>
-                  <a:srgbClr val="000000"/>
-                </a:solidFill>
-              </a:rPr>
-              <a:t>max </a:t>
-            </a:r>
-            <a:r>
-              <a:rPr lang="en-GB" sz="1400" dirty="0">
-                <a:solidFill>
-                  <a:srgbClr val="000000"/>
-                </a:solidFill>
-              </a:rPr>
-              <a:t>using a window of 5</a:t>
-            </a:r>
-            <a:r>
-              <a:rPr lang="en-GB" sz="1400" dirty="0" smtClean="0">
-                <a:solidFill>
-                  <a:srgbClr val="000000"/>
-                </a:solidFill>
-              </a:rPr>
-              <a:t>.</a:t>
-            </a:r>
-            <a:endParaRPr lang="en-GB" sz="1400" dirty="0">
-              <a:solidFill>
-                <a:srgbClr val="000000"/>
-              </a:solidFill>
-            </a:endParaRPr>
-          </a:p>
-          <a:p>
-            <a:pPr algn="l" rtl="0" latinLnBrk="1" hangingPunct="0"/>
-            <a:r>
-              <a:rPr lang="en-GB" sz="1400" b="1" dirty="0" err="1" smtClean="0">
+          </a:p>
+          <a:p>
+            <a:pPr algn="l" rtl="0" latinLnBrk="1" hangingPunct="0"/>
+            <a:r>
+              <a:rPr lang="en-GB" sz="1400" dirty="0">
+                <a:solidFill>
+                  <a:srgbClr val="000000"/>
+                </a:solidFill>
+              </a:rPr>
+              <a:t>	Calculate rolling max using a window of 5.</a:t>
+            </a:r>
+          </a:p>
+          <a:p>
+            <a:pPr algn="l" rtl="0" latinLnBrk="1" hangingPunct="0"/>
+            <a:r>
+              <a:rPr lang="en-GB" sz="1400" b="1" dirty="0" err="1">
                 <a:solidFill>
                   <a:srgbClr val="000000"/>
                 </a:solidFill>
@@ -5156,61 +4694,24 @@
               <a:t>ds.rolling_sum</a:t>
             </a:r>
             <a:r>
-              <a:rPr lang="en-GB" sz="1400" b="1" dirty="0" smtClean="0">
-                <a:solidFill>
-                  <a:srgbClr val="000000"/>
-                </a:solidFill>
-              </a:rPr>
-              <a:t>(20</a:t>
-            </a:r>
-            <a:r>
-              <a:rPr lang="en-GB" sz="1400" b="1" dirty="0">
-                <a:solidFill>
-                  <a:srgbClr val="000000"/>
-                </a:solidFill>
-              </a:rPr>
-              <a:t>)</a:t>
-            </a:r>
-          </a:p>
-          <a:p>
-            <a:pPr algn="l" rtl="0" latinLnBrk="1" hangingPunct="0"/>
-            <a:r>
-              <a:rPr lang="en-GB" sz="1400" dirty="0">
-                <a:solidFill>
-                  <a:srgbClr val="000000"/>
-                </a:solidFill>
-              </a:rPr>
-              <a:t>	Calculate rolling </a:t>
-            </a:r>
-            <a:r>
-              <a:rPr lang="en-GB" sz="1400" dirty="0" smtClean="0">
-                <a:solidFill>
-                  <a:srgbClr val="000000"/>
-                </a:solidFill>
-              </a:rPr>
-              <a:t>sum using </a:t>
-            </a:r>
-            <a:r>
-              <a:rPr lang="en-GB" sz="1400" dirty="0">
-                <a:solidFill>
-                  <a:srgbClr val="000000"/>
-                </a:solidFill>
-              </a:rPr>
-              <a:t>a window of 20</a:t>
-            </a:r>
-            <a:r>
-              <a:rPr lang="en-GB" sz="1400" dirty="0" smtClean="0">
-                <a:solidFill>
-                  <a:srgbClr val="000000"/>
-                </a:solidFill>
-              </a:rPr>
-              <a:t>.</a:t>
-            </a:r>
-            <a:endParaRPr lang="en-GB" sz="1400" dirty="0">
-              <a:solidFill>
-                <a:srgbClr val="000000"/>
-              </a:solidFill>
-            </a:endParaRPr>
+              <a:rPr lang="en-GB" sz="1400" b="1" dirty="0">
+                <a:solidFill>
+                  <a:srgbClr val="000000"/>
+                </a:solidFill>
+              </a:rPr>
+              <a:t>(20)</a:t>
+            </a:r>
+          </a:p>
+          <a:p>
+            <a:pPr algn="l" rtl="0" latinLnBrk="1" hangingPunct="0"/>
+            <a:r>
+              <a:rPr lang="en-GB" sz="1400" dirty="0">
+                <a:solidFill>
+                  <a:srgbClr val="000000"/>
+                </a:solidFill>
+              </a:rPr>
+              <a:t>	Calculate rolling sum using a window of 20.</a:t>
+            </a:r>
           </a:p>
         </p:txBody>
       </p:sp>
@@ -5238,7 +4739,7 @@
           </a:ln>
           <a:extLst>
             <a:ext uri="{C572A759-6A51-4108-AA02-DFA0A04FC94B}">
-              <ma14:wrappingTextBoxFlag xmlns:ma14="http://schemas.microsoft.com/office/mac/drawingml/2011/main" xmlns="" val="1"/>
+              <ma14:wrappingTextBoxFlag xmlns="" xmlns:ma14="http://schemas.microsoft.com/office/mac/drawingml/2011/main" val="1"/>
             </a:ext>
           </a:extLst>
         </p:spPr>
@@ -5250,7 +4751,7 @@
               <a:defRPr sz="1800"/>
             </a:pPr>
             <a:r>
-              <a:rPr lang="de-DE" sz="1400" dirty="0" smtClean="0">
+              <a:rPr lang="de-DE" sz="1400" dirty="0">
                 <a:solidFill>
                   <a:srgbClr val="FFFFFF"/>
                 </a:solidFill>
@@ -5313,7 +4814,7 @@
           <a:p>
             <a:pPr algn="l" rtl="0" latinLnBrk="1" hangingPunct="0"/>
             <a:r>
-              <a:rPr lang="en-GB" sz="1400" b="1" dirty="0" err="1" smtClean="0">
+              <a:rPr lang="en-GB" sz="1400" b="1" dirty="0" err="1">
                 <a:solidFill>
                   <a:srgbClr val="000000"/>
                 </a:solidFill>
@@ -5321,23 +4822,18 @@
               <a:t>ds.merge</a:t>
             </a:r>
             <a:r>
-              <a:rPr lang="en-GB" sz="1400" b="1" dirty="0" smtClean="0">
+              <a:rPr lang="en-GB" sz="1400" b="1" dirty="0">
                 <a:solidFill>
                   <a:srgbClr val="000000"/>
                 </a:solidFill>
               </a:rPr>
               <a:t>(“variables”)</a:t>
             </a:r>
-            <a:endParaRPr lang="en-GB" sz="1400" b="1" dirty="0" smtClean="0">
-              <a:solidFill>
-                <a:srgbClr val="000000"/>
-              </a:solidFill>
-            </a:endParaRPr>
-          </a:p>
-          <a:p>
-            <a:pPr algn="l" rtl="0" latinLnBrk="1" hangingPunct="0"/>
-            <a:r>
-              <a:rPr lang="en-GB" sz="1400" dirty="0" smtClean="0">
+          </a:p>
+          <a:p>
+            <a:pPr algn="l" rtl="0" latinLnBrk="1" hangingPunct="0"/>
+            <a:r>
+              <a:rPr lang="en-GB" sz="1400" dirty="0">
                 <a:solidFill>
                   <a:srgbClr val="000000"/>
                 </a:solidFill>
@@ -5348,7 +4844,7 @@
           <a:p>
             <a:pPr algn="l" rtl="0" latinLnBrk="1" hangingPunct="0"/>
             <a:r>
-              <a:rPr lang="en-GB" sz="1400" b="1" dirty="0" err="1" smtClean="0">
+              <a:rPr lang="en-GB" sz="1400" b="1" dirty="0" err="1">
                 <a:solidFill>
                   <a:srgbClr val="000000"/>
                 </a:solidFill>
@@ -5356,47 +4852,26 @@
               <a:t>ds.merge</a:t>
             </a:r>
             <a:r>
-              <a:rPr lang="en-GB" sz="1400" b="1" dirty="0" smtClean="0">
+              <a:rPr lang="en-GB" sz="1400" b="1" dirty="0">
                 <a:solidFill>
                   <a:srgbClr val="000000"/>
                 </a:solidFill>
               </a:rPr>
               <a:t>(“time”)</a:t>
             </a:r>
-            <a:endParaRPr lang="en-GB" sz="1400" b="1" dirty="0">
-              <a:solidFill>
-                <a:srgbClr val="000000"/>
-              </a:solidFill>
-            </a:endParaRPr>
-          </a:p>
-          <a:p>
-            <a:pPr algn="l" rtl="0" latinLnBrk="1" hangingPunct="0"/>
-            <a:r>
-              <a:rPr lang="en-GB" sz="1400" dirty="0">
-                <a:solidFill>
-                  <a:srgbClr val="000000"/>
-                </a:solidFill>
-              </a:rPr>
-              <a:t>	Merge </a:t>
-            </a:r>
-            <a:r>
-              <a:rPr lang="en-GB" sz="1400" dirty="0" smtClean="0">
-                <a:solidFill>
-                  <a:srgbClr val="000000"/>
-                </a:solidFill>
-              </a:rPr>
-              <a:t>dataset of files </a:t>
-            </a:r>
-            <a:r>
-              <a:rPr lang="en-GB" sz="1400" dirty="0">
-                <a:solidFill>
-                  <a:srgbClr val="000000"/>
-                </a:solidFill>
-              </a:rPr>
-              <a:t>with different </a:t>
-            </a:r>
-            <a:r>
-              <a:rPr lang="en-GB" sz="1400" dirty="0" err="1" smtClean="0">
+          </a:p>
+          <a:p>
+            <a:pPr algn="l" rtl="0" latinLnBrk="1" hangingPunct="0"/>
+            <a:r>
+              <a:rPr lang="en-GB" sz="1400" dirty="0">
+                <a:solidFill>
+                  <a:srgbClr val="000000"/>
+                </a:solidFill>
+              </a:rPr>
+              <a:t>	Merge dataset of files with different </a:t>
+            </a:r>
+            <a:r>
+              <a:rPr lang="en-GB" sz="1400" dirty="0" err="1">
                 <a:solidFill>
                   <a:srgbClr val="000000"/>
                 </a:solidFill>
@@ -5404,18 +4879,13 @@
               <a:t>timesteps</a:t>
             </a:r>
             <a:r>
-              <a:rPr lang="en-GB" sz="1400" dirty="0" smtClean="0">
+              <a:rPr lang="en-GB" sz="1400" dirty="0">
                 <a:solidFill>
                   <a:srgbClr val="000000"/>
                 </a:solidFill>
               </a:rPr>
               <a:t>.</a:t>
             </a:r>
-            <a:endParaRPr lang="en-GB" sz="1400" dirty="0">
-              <a:solidFill>
-                <a:srgbClr val="000000"/>
-              </a:solidFill>
-            </a:endParaRPr>
           </a:p>
         </p:txBody>
       </p:sp>
@@ -5443,7 +4913,7 @@
           </a:ln>
           <a:extLst>
             <a:ext uri="{C572A759-6A51-4108-AA02-DFA0A04FC94B}">
-              <ma14:wrappingTextBoxFlag xmlns:ma14="http://schemas.microsoft.com/office/mac/drawingml/2011/main" xmlns="" val="1"/>
+              <ma14:wrappingTextBoxFlag xmlns="" xmlns:ma14="http://schemas.microsoft.com/office/mac/drawingml/2011/main" val="1"/>
             </a:ext>
           </a:extLst>
         </p:spPr>
@@ -5455,7 +4925,7 @@
               <a:defRPr sz="1800"/>
             </a:pPr>
             <a:r>
-              <a:rPr lang="de-DE" sz="1400" dirty="0" smtClean="0">
+              <a:rPr lang="de-DE" sz="1400" dirty="0">
                 <a:solidFill>
                   <a:srgbClr val="FFFFFF"/>
                 </a:solidFill>
@@ -5523,18 +4993,10 @@
                   <a:srgbClr val="000000"/>
                 </a:solidFill>
               </a:rPr>
-              <a:t>d</a:t>
-            </a:r>
-            <a:r>
-              <a:rPr lang="en-GB" sz="1400" b="1" dirty="0" err="1" smtClean="0">
-                <a:solidFill>
-                  <a:srgbClr val="000000"/>
-                </a:solidFill>
-              </a:rPr>
-              <a:t>s_copy</a:t>
-            </a:r>
-            <a:r>
-              <a:rPr lang="en-GB" sz="1400" b="1" dirty="0" smtClean="0">
+              <a:t>ds_copy</a:t>
+            </a:r>
+            <a:r>
+              <a:rPr lang="en-GB" sz="1400" b="1" dirty="0">
                 <a:solidFill>
                   <a:srgbClr val="000000"/>
                 </a:solidFill>
@@ -5542,7 +5004,7 @@
               <a:t> = </a:t>
             </a:r>
             <a:r>
-              <a:rPr lang="en-GB" sz="1400" b="1" dirty="0" err="1" smtClean="0">
+              <a:rPr lang="en-GB" sz="1400" b="1" dirty="0" err="1">
                 <a:solidFill>
                   <a:srgbClr val="000000"/>
                 </a:solidFill>
@@ -5550,7 +5012,7 @@
               <a:t>ds.copy</a:t>
             </a:r>
             <a:r>
-              <a:rPr lang="en-GB" sz="1400" b="1" dirty="0" smtClean="0">
+              <a:rPr lang="en-GB" sz="1400" b="1" dirty="0">
                 <a:solidFill>
                   <a:srgbClr val="000000"/>
                 </a:solidFill>
@@ -5561,7 +5023,7 @@
           <a:p>
             <a:pPr algn="l" rtl="0" latinLnBrk="1" hangingPunct="0"/>
             <a:r>
-              <a:rPr lang="en-GB" sz="1400" dirty="0" smtClean="0">
+              <a:rPr lang="en-GB" sz="1400" dirty="0">
                 <a:solidFill>
                   <a:srgbClr val="000000"/>
                 </a:solidFill>
@@ -5595,7 +5057,7 @@
           </a:ln>
           <a:extLst>
             <a:ext uri="{C572A759-6A51-4108-AA02-DFA0A04FC94B}">
-              <ma14:wrappingTextBoxFlag xmlns:ma14="http://schemas.microsoft.com/office/mac/drawingml/2011/main" xmlns="" val="1"/>
+              <ma14:wrappingTextBoxFlag xmlns="" xmlns:ma14="http://schemas.microsoft.com/office/mac/drawingml/2011/main" val="1"/>
             </a:ext>
           </a:extLst>
         </p:spPr>
@@ -5607,7 +5069,7 @@
               <a:defRPr sz="1800"/>
             </a:pPr>
             <a:r>
-              <a:rPr lang="de-DE" sz="1400" dirty="0" smtClean="0">
+              <a:rPr lang="de-DE" sz="1400" dirty="0">
                 <a:solidFill>
                   <a:srgbClr val="FFFFFF"/>
                 </a:solidFill>
@@ -5670,7 +5132,7 @@
           <a:p>
             <a:pPr algn="l" rtl="0" latinLnBrk="1" hangingPunct="0"/>
             <a:r>
-              <a:rPr lang="en-GB" sz="1400" b="1" dirty="0" err="1" smtClean="0">
+              <a:rPr lang="en-GB" sz="1400" b="1" dirty="0" err="1">
                 <a:solidFill>
                   <a:srgbClr val="000000"/>
                 </a:solidFill>
@@ -5678,7 +5140,7 @@
               <a:t>nc.options</a:t>
             </a:r>
             <a:r>
-              <a:rPr lang="en-GB" sz="1400" b="1" dirty="0" smtClean="0">
+              <a:rPr lang="en-GB" sz="1400" b="1" dirty="0">
                 <a:solidFill>
                   <a:srgbClr val="000000"/>
                 </a:solidFill>
@@ -5689,7 +5151,7 @@
           <a:p>
             <a:pPr algn="l" rtl="0" latinLnBrk="1" hangingPunct="0"/>
             <a:r>
-              <a:rPr lang="en-GB" sz="1400" dirty="0" smtClean="0">
+              <a:rPr lang="en-GB" sz="1400" dirty="0">
                 <a:solidFill>
                   <a:srgbClr val="000000"/>
                 </a:solidFill>
@@ -5700,7 +5162,7 @@
           <a:p>
             <a:pPr algn="l" rtl="0" latinLnBrk="1" hangingPunct="0"/>
             <a:r>
-              <a:rPr lang="en-GB" sz="1400" b="1" dirty="0" err="1" smtClean="0">
+              <a:rPr lang="en-GB" sz="1400" b="1" dirty="0" err="1">
                 <a:solidFill>
                   <a:srgbClr val="000000"/>
                 </a:solidFill>
@@ -5708,7 +5170,7 @@
               <a:t>nc.options</a:t>
             </a:r>
             <a:r>
-              <a:rPr lang="en-GB" sz="1400" b="1" dirty="0" smtClean="0">
+              <a:rPr lang="en-GB" sz="1400" b="1" dirty="0">
                 <a:solidFill>
                   <a:srgbClr val="000000"/>
                 </a:solidFill>
@@ -5716,7 +5178,7 @@
               <a:t>(</a:t>
             </a:r>
             <a:r>
-              <a:rPr lang="en-GB" sz="1400" b="1" dirty="0" err="1" smtClean="0">
+              <a:rPr lang="en-GB" sz="1400" b="1" dirty="0" err="1">
                 <a:solidFill>
                   <a:srgbClr val="000000"/>
                 </a:solidFill>
@@ -5724,14 +5186,74 @@
               <a:t>temp_dir</a:t>
             </a:r>
             <a:r>
-              <a:rPr lang="en-GB" sz="1400" b="1" dirty="0" smtClean="0">
+              <a:rPr lang="en-GB" sz="1400" b="1" dirty="0">
                 <a:solidFill>
                   <a:srgbClr val="000000"/>
                 </a:solidFill>
               </a:rPr>
               <a:t> =‘/foo’)</a:t>
             </a:r>
-            <a:endParaRPr lang="en-GB" sz="1400" b="1" dirty="0">
+          </a:p>
+          <a:p>
+            <a:pPr algn="l" rtl="0" latinLnBrk="1" hangingPunct="0"/>
+            <a:r>
+              <a:rPr lang="en-GB" sz="1400" dirty="0">
+                <a:solidFill>
+                  <a:srgbClr val="000000"/>
+                </a:solidFill>
+              </a:rPr>
+              <a:t>	Set temporary directory to use in session.</a:t>
+            </a:r>
+          </a:p>
+          <a:p>
+            <a:pPr algn="l" rtl="0" latinLnBrk="1" hangingPunct="0"/>
+            <a:r>
+              <a:rPr lang="en-GB" sz="1400" b="1" dirty="0" err="1">
+                <a:solidFill>
+                  <a:srgbClr val="000000"/>
+                </a:solidFill>
+              </a:rPr>
+              <a:t>nc.options</a:t>
+            </a:r>
+            <a:r>
+              <a:rPr lang="en-GB" sz="1400" b="1" dirty="0">
+                <a:solidFill>
+                  <a:srgbClr val="000000"/>
+                </a:solidFill>
+              </a:rPr>
+              <a:t>(cores = 6)</a:t>
+            </a:r>
+          </a:p>
+          <a:p>
+            <a:pPr algn="l" rtl="0" latinLnBrk="1" hangingPunct="0"/>
+            <a:r>
+              <a:rPr lang="en-GB" sz="1400" dirty="0">
+                <a:solidFill>
+                  <a:srgbClr val="000000"/>
+                </a:solidFill>
+              </a:rPr>
+              <a:t>	Set number of cores to use when</a:t>
+            </a:r>
+          </a:p>
+          <a:p>
+            <a:pPr algn="l" rtl="0" latinLnBrk="1" hangingPunct="0"/>
+            <a:r>
+              <a:rPr lang="en-GB" sz="1400" dirty="0">
+                <a:solidFill>
+                  <a:srgbClr val="000000"/>
+                </a:solidFill>
+              </a:rPr>
+              <a:t>	processing multi-file </a:t>
+            </a:r>
+            <a:r>
+              <a:rPr lang="en-GB" sz="1400" dirty="0" err="1">
+                <a:solidFill>
+                  <a:srgbClr val="000000"/>
+                </a:solidFill>
+              </a:rPr>
+              <a:t>datsets</a:t>
+            </a:r>
+            <a:endParaRPr lang="en-GB" sz="1400" dirty="0">
               <a:solidFill>
                 <a:srgbClr val="000000"/>
               </a:solidFill>
@@ -5740,26 +5262,7 @@
           <a:p>
             <a:pPr algn="l" rtl="0" latinLnBrk="1" hangingPunct="0"/>
             <a:r>
-              <a:rPr lang="en-GB" sz="1400" dirty="0">
-                <a:solidFill>
-                  <a:srgbClr val="000000"/>
-                </a:solidFill>
-              </a:rPr>
-              <a:t>	Set </a:t>
-            </a:r>
-            <a:r>
-              <a:rPr lang="en-GB" sz="1400" dirty="0" smtClean="0">
-                <a:solidFill>
-                  <a:srgbClr val="000000"/>
-                </a:solidFill>
-              </a:rPr>
-              <a:t>temporary directory to use in session.</a:t>
-            </a:r>
-          </a:p>
-          <a:p>
-            <a:pPr algn="l" rtl="0" latinLnBrk="1" hangingPunct="0"/>
-            <a:r>
-              <a:rPr lang="en-GB" sz="1400" b="1" dirty="0" err="1" smtClean="0">
+              <a:rPr lang="en-GB" sz="1400" b="1" dirty="0" err="1">
                 <a:solidFill>
                   <a:srgbClr val="000000"/>
                 </a:solidFill>
@@ -5767,14 +5270,14 @@
               <a:t>nc.options</a:t>
             </a:r>
             <a:r>
-              <a:rPr lang="en-GB" sz="1400" b="1" dirty="0" smtClean="0">
-                <a:solidFill>
-                  <a:srgbClr val="000000"/>
-                </a:solidFill>
-              </a:rPr>
-              <a:t>(cores = 6)</a:t>
-            </a:r>
-            <a:endParaRPr lang="en-GB" sz="1400" b="1" dirty="0">
+              <a:rPr lang="en-GB" sz="1400" b="1" dirty="0">
+                <a:solidFill>
+                  <a:srgbClr val="000000"/>
+                </a:solidFill>
+              </a:rPr>
+              <a:t>(parallel = True)</a:t>
+            </a:r>
+            <a:endParaRPr lang="en-GB" sz="1400" dirty="0">
               <a:solidFill>
                 <a:srgbClr val="000000"/>
               </a:solidFill>
@@ -5788,85 +5291,10 @@
                   <a:srgbClr val="000000"/>
                 </a:solidFill>
               </a:rPr>
-              <a:t>	Set </a:t>
-            </a:r>
-            <a:r>
-              <a:rPr lang="en-GB" sz="1400" dirty="0" smtClean="0">
-                <a:solidFill>
-                  <a:srgbClr val="000000"/>
-                </a:solidFill>
-              </a:rPr>
-              <a:t>number of cores to use when</a:t>
-            </a:r>
-          </a:p>
-          <a:p>
-            <a:pPr algn="l" rtl="0" latinLnBrk="1" hangingPunct="0"/>
-            <a:r>
-              <a:rPr lang="en-GB" sz="1400" dirty="0">
-                <a:solidFill>
-                  <a:srgbClr val="000000"/>
-                </a:solidFill>
-              </a:rPr>
-              <a:t>	</a:t>
-            </a:r>
-            <a:r>
-              <a:rPr lang="en-GB" sz="1400" dirty="0" smtClean="0">
-                <a:solidFill>
-                  <a:srgbClr val="000000"/>
-                </a:solidFill>
-              </a:rPr>
-              <a:t>processing multi-file </a:t>
-            </a:r>
-            <a:r>
-              <a:rPr lang="en-GB" sz="1400" dirty="0" err="1" smtClean="0">
-                <a:solidFill>
-                  <a:srgbClr val="000000"/>
-                </a:solidFill>
-              </a:rPr>
-              <a:t>datsets</a:t>
-            </a:r>
-            <a:endParaRPr lang="en-GB" sz="1400" dirty="0" smtClean="0">
-              <a:solidFill>
-                <a:srgbClr val="000000"/>
-              </a:solidFill>
-            </a:endParaRPr>
-          </a:p>
-          <a:p>
-            <a:pPr algn="l" rtl="0" latinLnBrk="1" hangingPunct="0"/>
-            <a:r>
-              <a:rPr lang="en-GB" sz="1400" b="1" dirty="0" err="1" smtClean="0">
-                <a:solidFill>
-                  <a:srgbClr val="000000"/>
-                </a:solidFill>
-              </a:rPr>
-              <a:t>nc.options</a:t>
-            </a:r>
-            <a:r>
-              <a:rPr lang="en-GB" sz="1400" b="1" dirty="0" smtClean="0">
-                <a:solidFill>
-                  <a:srgbClr val="000000"/>
-                </a:solidFill>
-              </a:rPr>
-              <a:t>(parallel = True)</a:t>
-            </a:r>
-            <a:endParaRPr lang="en-GB" sz="1400" dirty="0" smtClean="0">
-              <a:solidFill>
-                <a:srgbClr val="000000"/>
-              </a:solidFill>
-            </a:endParaRPr>
-          </a:p>
-          <a:p>
-            <a:pPr algn="l" rtl="0" latinLnBrk="1" hangingPunct="0"/>
-            <a:r>
-              <a:rPr lang="en-GB" sz="1400" dirty="0" smtClean="0">
-                <a:solidFill>
-                  <a:srgbClr val="000000"/>
-                </a:solidFill>
-              </a:rPr>
               <a:t>	Tell </a:t>
             </a:r>
             <a:r>
-              <a:rPr lang="en-GB" sz="1400" dirty="0" err="1" smtClean="0">
+              <a:rPr lang="en-GB" sz="1400" dirty="0" err="1">
                 <a:solidFill>
                   <a:srgbClr val="000000"/>
                 </a:solidFill>
@@ -5874,7 +5302,7 @@
               <a:t>nctoolkit</a:t>
             </a:r>
             <a:r>
-              <a:rPr lang="en-GB" sz="1400" dirty="0" smtClean="0">
+              <a:rPr lang="en-GB" sz="1400" dirty="0">
                 <a:solidFill>
                   <a:srgbClr val="000000"/>
                 </a:solidFill>
@@ -5890,32 +5318,47 @@
                   <a:srgbClr val="000000"/>
                 </a:solidFill>
               </a:rPr>
-              <a:t>	</a:t>
-            </a:r>
-            <a:r>
-              <a:rPr lang="en-GB" sz="1400" dirty="0" smtClean="0">
-                <a:solidFill>
-                  <a:srgbClr val="000000"/>
-                </a:solidFill>
-              </a:rPr>
-              <a:t>processed in parallel</a:t>
+              <a:t>	processed in parallel</a:t>
             </a:r>
           </a:p>
         </p:txBody>
       </p:sp>
+      <p:pic>
+        <p:nvPicPr>
+          <p:cNvPr id="2" name="Picture 2">
+            <a:extLst>
+              <a:ext uri="{FF2B5EF4-FFF2-40B4-BE49-F238E27FC236}">
+                <a16:creationId xmlns:a16="http://schemas.microsoft.com/office/drawing/2014/main" id="{6B105FB4-7ECF-AEF1-8162-4237BEDA6CA6}"/>
+              </a:ext>
+            </a:extLst>
+          </p:cNvPr>
+          <p:cNvPicPr>
+            <a:picLocks noChangeAspect="1"/>
+          </p:cNvPicPr>
+          <p:nvPr/>
+        </p:nvPicPr>
+        <p:blipFill>
+          <a:blip r:embed="rId2"/>
+          <a:stretch>
+            <a:fillRect/>
+          </a:stretch>
+        </p:blipFill>
+        <p:spPr>
+          <a:xfrm>
+            <a:off x="9769665" y="9060033"/>
+            <a:ext cx="3669629" cy="922948"/>
+          </a:xfrm>
+          <a:prstGeom prst="rect">
+            <a:avLst/>
+          </a:prstGeom>
+        </p:spPr>
+      </p:pic>
     </p:spTree>
   </p:cSld>
   <p:clrMapOvr>
     <a:masterClrMapping/>
   </p:clrMapOvr>
   <p:transition spd="med"/>
-  <p:timing>
-    <p:tnLst>
-      <p:par>
-        <p:cTn id="1" dur="indefinite" restart="never" nodeType="tmRoot"/>
-      </p:par>
-    </p:tnLst>
-  </p:timing>
 </p:sld>
 </file>
 
@@ -5960,7 +5403,7 @@
           </a:ln>
           <a:extLst>
             <a:ext uri="{C572A759-6A51-4108-AA02-DFA0A04FC94B}">
-              <ma14:wrappingTextBoxFlag xmlns:ma14="http://schemas.microsoft.com/office/mac/drawingml/2011/main" xmlns="" val="1"/>
+              <ma14:wrappingTextBoxFlag xmlns="" xmlns:ma14="http://schemas.microsoft.com/office/mac/drawingml/2011/main" val="1"/>
             </a:ext>
           </a:extLst>
         </p:spPr>
@@ -5972,7 +5415,7 @@
               <a:defRPr sz="1800"/>
             </a:pPr>
             <a:r>
-              <a:rPr lang="de-DE" sz="1400" dirty="0" smtClean="0">
+              <a:rPr lang="de-DE" sz="1400" dirty="0">
                 <a:solidFill>
                   <a:srgbClr val="FFFFFF"/>
                 </a:solidFill>
@@ -6037,7 +5480,7 @@
           <a:p>
             <a:pPr algn="l" rtl="0" latinLnBrk="1" hangingPunct="0"/>
             <a:r>
-              <a:rPr lang="en-GB" sz="1400" dirty="0" smtClean="0">
+              <a:rPr lang="en-GB" sz="1400" dirty="0">
                 <a:solidFill>
                   <a:srgbClr val="000000"/>
                 </a:solidFill>
@@ -6045,7 +5488,7 @@
               <a:t>New variables can be created using the assign method. This requires a lambda function. Operations are carried out per-grid-cell and </a:t>
             </a:r>
             <a:r>
-              <a:rPr lang="en-GB" sz="1400" dirty="0" err="1" smtClean="0">
+              <a:rPr lang="en-GB" sz="1400" dirty="0" err="1">
                 <a:solidFill>
                   <a:srgbClr val="000000"/>
                 </a:solidFill>
@@ -6053,7 +5496,7 @@
               <a:t>timestep</a:t>
             </a:r>
             <a:r>
-              <a:rPr lang="en-GB" sz="1400" dirty="0" smtClean="0">
+              <a:rPr lang="en-GB" sz="1400" dirty="0">
                 <a:solidFill>
                   <a:srgbClr val="000000"/>
                 </a:solidFill>
@@ -6063,124 +5506,6 @@
           </a:p>
           <a:p>
             <a:pPr algn="l" rtl="0" latinLnBrk="1" hangingPunct="0"/>
-            <a:endParaRPr lang="en-GB" sz="1400" b="1" dirty="0" smtClean="0">
-              <a:solidFill>
-                <a:srgbClr val="000000"/>
-              </a:solidFill>
-            </a:endParaRPr>
-          </a:p>
-          <a:p>
-            <a:pPr algn="l" rtl="0" latinLnBrk="1" hangingPunct="0"/>
-            <a:r>
-              <a:rPr lang="en-GB" sz="1400" b="1" dirty="0" err="1" smtClean="0">
-                <a:solidFill>
-                  <a:srgbClr val="000000"/>
-                </a:solidFill>
-              </a:rPr>
-              <a:t>ds.assign</a:t>
-            </a:r>
-            <a:r>
-              <a:rPr lang="en-GB" sz="1400" b="1" dirty="0" smtClean="0">
-                <a:solidFill>
-                  <a:srgbClr val="000000"/>
-                </a:solidFill>
-              </a:rPr>
-              <a:t>(new = lambda x: </a:t>
-            </a:r>
-            <a:r>
-              <a:rPr lang="en-GB" sz="1400" b="1" dirty="0" err="1" smtClean="0">
-                <a:solidFill>
-                  <a:srgbClr val="000000"/>
-                </a:solidFill>
-              </a:rPr>
-              <a:t>x.old</a:t>
-            </a:r>
-            <a:r>
-              <a:rPr lang="en-GB" sz="1400" b="1" dirty="0" smtClean="0">
-                <a:solidFill>
-                  <a:srgbClr val="000000"/>
-                </a:solidFill>
-              </a:rPr>
-              <a:t> + 10)</a:t>
-            </a:r>
-          </a:p>
-          <a:p>
-            <a:pPr algn="l" rtl="0" latinLnBrk="1" hangingPunct="0"/>
-            <a:r>
-              <a:rPr lang="en-GB" sz="1400" dirty="0" smtClean="0">
-                <a:solidFill>
-                  <a:srgbClr val="000000"/>
-                </a:solidFill>
-              </a:rPr>
-              <a:t>	Calculate a new variable, which is just an old one plus 10.</a:t>
-            </a:r>
-          </a:p>
-          <a:p>
-            <a:pPr algn="l" rtl="0" latinLnBrk="1" hangingPunct="0"/>
-            <a:r>
-              <a:rPr lang="en-GB" sz="1400" b="1" dirty="0" err="1" smtClean="0">
-                <a:solidFill>
-                  <a:srgbClr val="000000"/>
-                </a:solidFill>
-              </a:rPr>
-              <a:t>ds.assign</a:t>
-            </a:r>
-            <a:r>
-              <a:rPr lang="en-GB" sz="1400" b="1" dirty="0" smtClean="0">
-                <a:solidFill>
-                  <a:srgbClr val="000000"/>
-                </a:solidFill>
-              </a:rPr>
-              <a:t>(new = lambda x: </a:t>
-            </a:r>
-            <a:r>
-              <a:rPr lang="en-GB" sz="1400" b="1" dirty="0" err="1" smtClean="0">
-                <a:solidFill>
-                  <a:srgbClr val="000000"/>
-                </a:solidFill>
-              </a:rPr>
-              <a:t>x.old</a:t>
-            </a:r>
-            <a:r>
-              <a:rPr lang="en-GB" sz="1400" b="1" dirty="0" smtClean="0">
-                <a:solidFill>
-                  <a:srgbClr val="000000"/>
-                </a:solidFill>
-              </a:rPr>
-              <a:t> &gt; </a:t>
-            </a:r>
-            <a:r>
-              <a:rPr lang="en-GB" sz="1400" b="1" dirty="0" err="1" smtClean="0">
-                <a:solidFill>
-                  <a:srgbClr val="000000"/>
-                </a:solidFill>
-              </a:rPr>
-              <a:t>spatial_mean</a:t>
-            </a:r>
-            <a:r>
-              <a:rPr lang="en-GB" sz="1400" b="1" dirty="0" smtClean="0">
-                <a:solidFill>
-                  <a:srgbClr val="000000"/>
-                </a:solidFill>
-              </a:rPr>
-              <a:t>(</a:t>
-            </a:r>
-            <a:r>
-              <a:rPr lang="en-GB" sz="1400" b="1" dirty="0" err="1" smtClean="0">
-                <a:solidFill>
-                  <a:srgbClr val="000000"/>
-                </a:solidFill>
-              </a:rPr>
-              <a:t>x.old</a:t>
-            </a:r>
-            <a:r>
-              <a:rPr lang="en-GB" sz="1400" b="1" dirty="0" smtClean="0">
-                <a:solidFill>
-                  <a:srgbClr val="000000"/>
-                </a:solidFill>
-              </a:rPr>
-              <a:t>))</a:t>
-            </a:r>
             <a:endParaRPr lang="en-GB" sz="1400" b="1" dirty="0">
               <a:solidFill>
                 <a:srgbClr val="000000"/>
@@ -6190,26 +5515,131 @@
           <a:p>
             <a:pPr algn="l" rtl="0" latinLnBrk="1" hangingPunct="0"/>
             <a:r>
-              <a:rPr lang="en-GB" sz="1400" dirty="0">
-                <a:solidFill>
-                  <a:srgbClr val="000000"/>
-                </a:solidFill>
-              </a:rPr>
-              <a:t>	</a:t>
-            </a:r>
-            <a:r>
-              <a:rPr lang="en-GB" sz="1400" dirty="0" smtClean="0">
-                <a:solidFill>
-                  <a:srgbClr val="000000"/>
-                </a:solidFill>
-              </a:rPr>
-              <a:t>Create a variable which identifies if a grid cell is higher than the spatial mean.</a:t>
-            </a:r>
-          </a:p>
-          <a:p>
-            <a:pPr algn="l" rtl="0" latinLnBrk="1" hangingPunct="0"/>
-            <a:r>
-              <a:rPr lang="en-GB" sz="1400" dirty="0" smtClean="0">
+              <a:rPr lang="en-GB" sz="1400" b="1" dirty="0" err="1">
+                <a:solidFill>
+                  <a:srgbClr val="000000"/>
+                </a:solidFill>
+              </a:rPr>
+              <a:t>ds.assign</a:t>
+            </a:r>
+            <a:r>
+              <a:rPr lang="en-GB" sz="1400" b="1" dirty="0">
+                <a:solidFill>
+                  <a:srgbClr val="000000"/>
+                </a:solidFill>
+              </a:rPr>
+              <a:t>(new = lambda x: </a:t>
+            </a:r>
+            <a:r>
+              <a:rPr lang="en-GB" sz="1400" b="1" dirty="0" err="1">
+                <a:solidFill>
+                  <a:srgbClr val="000000"/>
+                </a:solidFill>
+              </a:rPr>
+              <a:t>x.old</a:t>
+            </a:r>
+            <a:r>
+              <a:rPr lang="en-GB" sz="1400" b="1" dirty="0">
+                <a:solidFill>
+                  <a:srgbClr val="000000"/>
+                </a:solidFill>
+              </a:rPr>
+              <a:t> + 10)</a:t>
+            </a:r>
+          </a:p>
+          <a:p>
+            <a:pPr algn="l" rtl="0" latinLnBrk="1" hangingPunct="0"/>
+            <a:r>
+              <a:rPr lang="en-GB" sz="1400" dirty="0">
+                <a:solidFill>
+                  <a:srgbClr val="000000"/>
+                </a:solidFill>
+              </a:rPr>
+              <a:t>	Calculate a new variable, which is just an old one plus 10.</a:t>
+            </a:r>
+          </a:p>
+          <a:p>
+            <a:pPr algn="l" rtl="0" latinLnBrk="1" hangingPunct="0"/>
+            <a:r>
+              <a:rPr lang="en-GB" sz="1400" b="1" dirty="0" err="1">
+                <a:solidFill>
+                  <a:srgbClr val="000000"/>
+                </a:solidFill>
+              </a:rPr>
+              <a:t>ds.assign</a:t>
+            </a:r>
+            <a:r>
+              <a:rPr lang="en-GB" sz="1400" b="1" dirty="0">
+                <a:solidFill>
+                  <a:srgbClr val="000000"/>
+                </a:solidFill>
+              </a:rPr>
+              <a:t>(new = lambda x: </a:t>
+            </a:r>
+            <a:r>
+              <a:rPr lang="en-GB" sz="1400" b="1" dirty="0" err="1">
+                <a:solidFill>
+                  <a:srgbClr val="000000"/>
+                </a:solidFill>
+              </a:rPr>
+              <a:t>x.old</a:t>
+            </a:r>
+            <a:r>
+              <a:rPr lang="en-GB" sz="1400" b="1" dirty="0">
+                <a:solidFill>
+                  <a:srgbClr val="000000"/>
+                </a:solidFill>
+              </a:rPr>
+              <a:t> &gt; </a:t>
+            </a:r>
+            <a:r>
+              <a:rPr lang="en-GB" sz="1400" b="1" dirty="0" err="1">
+                <a:solidFill>
+                  <a:srgbClr val="000000"/>
+                </a:solidFill>
+              </a:rPr>
+              <a:t>spatial_mean</a:t>
+            </a:r>
+            <a:r>
+              <a:rPr lang="en-GB" sz="1400" b="1" dirty="0">
+                <a:solidFill>
+                  <a:srgbClr val="000000"/>
+                </a:solidFill>
+              </a:rPr>
+              <a:t>(</a:t>
+            </a:r>
+            <a:r>
+              <a:rPr lang="en-GB" sz="1400" b="1" dirty="0" err="1">
+                <a:solidFill>
+                  <a:srgbClr val="000000"/>
+                </a:solidFill>
+              </a:rPr>
+              <a:t>x.old</a:t>
+            </a:r>
+            <a:r>
+              <a:rPr lang="en-GB" sz="1400" b="1" dirty="0">
+                <a:solidFill>
+                  <a:srgbClr val="000000"/>
+                </a:solidFill>
+              </a:rPr>
+              <a:t>))</a:t>
+            </a:r>
+          </a:p>
+          <a:p>
+            <a:pPr algn="l" rtl="0" latinLnBrk="1" hangingPunct="0"/>
+            <a:r>
+              <a:rPr lang="en-GB" sz="1400" dirty="0">
+                <a:solidFill>
+                  <a:srgbClr val="000000"/>
+                </a:solidFill>
+              </a:rPr>
+              <a:t>	Create a variable which identifies if a grid cell is higher than the spatial mean.</a:t>
+            </a:r>
+          </a:p>
+          <a:p>
+            <a:pPr algn="l" rtl="0" latinLnBrk="1" hangingPunct="0"/>
+            <a:r>
+              <a:rPr lang="en-GB" sz="1400" dirty="0">
                 <a:solidFill>
                   <a:srgbClr val="000000"/>
                 </a:solidFill>
@@ -6217,7 +5647,7 @@
               <a:t>For more examples see the </a:t>
             </a:r>
             <a:r>
-              <a:rPr lang="en-GB" sz="1400" dirty="0" err="1" smtClean="0">
+              <a:rPr lang="en-GB" sz="1400" dirty="0" err="1">
                 <a:solidFill>
                   <a:srgbClr val="000000"/>
                 </a:solidFill>
@@ -6225,7 +5655,7 @@
               <a:t>nctoolkit</a:t>
             </a:r>
             <a:r>
-              <a:rPr lang="en-GB" sz="1400" dirty="0" smtClean="0">
+              <a:rPr lang="en-GB" sz="1400" dirty="0">
                 <a:solidFill>
                   <a:srgbClr val="000000"/>
                 </a:solidFill>
@@ -6259,7 +5689,7 @@
           </a:ln>
           <a:extLst>
             <a:ext uri="{C572A759-6A51-4108-AA02-DFA0A04FC94B}">
-              <ma14:wrappingTextBoxFlag xmlns:ma14="http://schemas.microsoft.com/office/mac/drawingml/2011/main" xmlns="" val="1"/>
+              <ma14:wrappingTextBoxFlag xmlns="" xmlns:ma14="http://schemas.microsoft.com/office/mac/drawingml/2011/main" val="1"/>
             </a:ext>
           </a:extLst>
         </p:spPr>
@@ -6271,7 +5701,7 @@
               <a:defRPr sz="1800"/>
             </a:pPr>
             <a:r>
-              <a:rPr lang="de-DE" sz="1400" dirty="0" smtClean="0">
+              <a:rPr lang="de-DE" sz="1400" dirty="0">
                 <a:solidFill>
                   <a:srgbClr val="FFFFFF"/>
                 </a:solidFill>
@@ -6302,8 +5732,8 @@
         </p:nvSpPr>
         <p:spPr>
           <a:xfrm>
-            <a:off x="250582" y="632238"/>
-            <a:ext cx="4403519" cy="2264642"/>
+            <a:off x="213570" y="651132"/>
+            <a:ext cx="4403519" cy="2695529"/>
           </a:xfrm>
           <a:prstGeom prst="rect">
             <a:avLst/>
@@ -6356,18 +5786,10 @@
                   <a:srgbClr val="000000"/>
                 </a:solidFill>
               </a:rPr>
-              <a:t>d</a:t>
-            </a:r>
-            <a:r>
-              <a:rPr lang="en-GB" sz="1400" b="1" dirty="0" err="1" smtClean="0">
-                <a:solidFill>
-                  <a:srgbClr val="000000"/>
-                </a:solidFill>
-              </a:rPr>
-              <a:t>s.vertical_mean</a:t>
-            </a:r>
-            <a:r>
-              <a:rPr lang="en-GB" sz="1400" b="1" dirty="0" smtClean="0">
+              <a:t>ds.vertical_mean</a:t>
+            </a:r>
+            <a:r>
+              <a:rPr lang="en-GB" sz="1400" b="1" dirty="0">
                 <a:solidFill>
                   <a:srgbClr val="000000"/>
                 </a:solidFill>
@@ -6393,7 +5815,7 @@
               <a:tabLst/>
             </a:pPr>
             <a:r>
-              <a:rPr lang="en-GB" sz="1400" dirty="0" smtClean="0">
+              <a:rPr lang="en-GB" sz="1400" dirty="0">
                 <a:solidFill>
                   <a:srgbClr val="000000"/>
                 </a:solidFill>
@@ -6401,7 +5823,7 @@
               <a:t>	</a:t>
             </a:r>
             <a:r>
-              <a:rPr kumimoji="0" lang="en-GB" sz="1400" b="0" i="0" u="none" strike="noStrike" cap="none" spc="0" normalizeH="0" baseline="0" dirty="0" smtClean="0">
+              <a:rPr kumimoji="0" lang="en-GB" sz="1400" b="0" i="0" u="none" strike="noStrike" cap="none" spc="0" normalizeH="0" baseline="0" dirty="0">
                 <a:ln>
                   <a:noFill/>
                 </a:ln>
@@ -6415,7 +5837,7 @@
               <a:t>Calculate vertical mean per grid-cell</a:t>
             </a:r>
             <a:r>
-              <a:rPr kumimoji="0" lang="en-GB" sz="1400" b="0" i="0" u="none" strike="noStrike" cap="none" spc="0" normalizeH="0" dirty="0" smtClean="0">
+              <a:rPr kumimoji="0" lang="en-GB" sz="1400" b="0" i="0" u="none" strike="noStrike" cap="none" spc="0" normalizeH="0" dirty="0">
                 <a:ln>
                   <a:noFill/>
                 </a:ln>
@@ -6432,7 +5854,7 @@
           <a:p>
             <a:pPr algn="l" rtl="0" latinLnBrk="1" hangingPunct="0"/>
             <a:r>
-              <a:rPr lang="en-GB" sz="1400" b="1" dirty="0" err="1" smtClean="0">
+              <a:rPr lang="en-GB" sz="1400" b="1" dirty="0" err="1">
                 <a:solidFill>
                   <a:srgbClr val="000000"/>
                 </a:solidFill>
@@ -6440,58 +5862,29 @@
               <a:t>ds.vertical_min</a:t>
             </a:r>
             <a:r>
-              <a:rPr lang="en-GB" sz="1400" b="1" dirty="0" smtClean="0">
+              <a:rPr lang="en-GB" sz="1400" b="1" dirty="0">
                 <a:solidFill>
                   <a:srgbClr val="000000"/>
                 </a:solidFill>
               </a:rPr>
               <a:t>()</a:t>
             </a:r>
-            <a:endParaRPr lang="en-GB" sz="1400" b="1" dirty="0">
-              <a:solidFill>
-                <a:srgbClr val="000000"/>
-              </a:solidFill>
-            </a:endParaRPr>
-          </a:p>
-          <a:p>
-            <a:pPr algn="l" rtl="0" latinLnBrk="1" hangingPunct="0"/>
-            <a:r>
-              <a:rPr lang="en-GB" sz="1400" dirty="0">
-                <a:solidFill>
-                  <a:srgbClr val="000000"/>
-                </a:solidFill>
-              </a:rPr>
-              <a:t>	Calculate vertical </a:t>
-            </a:r>
-            <a:r>
-              <a:rPr lang="en-GB" sz="1400" dirty="0" smtClean="0">
-                <a:solidFill>
-                  <a:srgbClr val="000000"/>
-                </a:solidFill>
-              </a:rPr>
-              <a:t>minimum </a:t>
-            </a:r>
-            <a:r>
-              <a:rPr lang="en-GB" sz="1400" dirty="0">
-                <a:solidFill>
-                  <a:srgbClr val="000000"/>
-                </a:solidFill>
-              </a:rPr>
-              <a:t>per grid-cell</a:t>
-            </a:r>
-            <a:r>
-              <a:rPr lang="en-GB" sz="1400" dirty="0" smtClean="0">
-                <a:solidFill>
-                  <a:srgbClr val="000000"/>
-                </a:solidFill>
-              </a:rPr>
-              <a:t>.</a:t>
-            </a:r>
-          </a:p>
-          <a:p>
-            <a:pPr algn="l" rtl="0" latinLnBrk="1" hangingPunct="0"/>
-            <a:r>
-              <a:rPr lang="en-GB" sz="1400" b="1" dirty="0" err="1" smtClean="0">
+          </a:p>
+          <a:p>
+            <a:pPr algn="l" rtl="0" latinLnBrk="1" hangingPunct="0"/>
+            <a:r>
+              <a:rPr lang="en-GB" sz="1400" dirty="0">
+                <a:solidFill>
+                  <a:srgbClr val="000000"/>
+                </a:solidFill>
+              </a:rPr>
+              <a:t>	Calculate vertical minimum per grid-cell.</a:t>
+            </a:r>
+          </a:p>
+          <a:p>
+            <a:pPr algn="l" rtl="0" latinLnBrk="1" hangingPunct="0"/>
+            <a:r>
+              <a:rPr lang="en-GB" sz="1400" b="1" dirty="0" err="1">
                 <a:solidFill>
                   <a:srgbClr val="000000"/>
                 </a:solidFill>
@@ -6499,117 +5892,97 @@
               <a:t>ds.vertical_max</a:t>
             </a:r>
             <a:r>
-              <a:rPr lang="en-GB" sz="1400" b="1" dirty="0" smtClean="0">
+              <a:rPr lang="en-GB" sz="1400" b="1" dirty="0">
                 <a:solidFill>
                   <a:srgbClr val="000000"/>
                 </a:solidFill>
               </a:rPr>
               <a:t>()</a:t>
             </a:r>
-            <a:endParaRPr lang="en-GB" sz="1400" b="1" dirty="0">
-              <a:solidFill>
-                <a:srgbClr val="000000"/>
-              </a:solidFill>
-            </a:endParaRPr>
-          </a:p>
-          <a:p>
-            <a:pPr algn="l" rtl="0" latinLnBrk="1" hangingPunct="0"/>
-            <a:r>
-              <a:rPr lang="en-GB" sz="1400" dirty="0">
-                <a:solidFill>
-                  <a:srgbClr val="000000"/>
-                </a:solidFill>
-              </a:rPr>
-              <a:t>	Calculate vertical </a:t>
-            </a:r>
-            <a:r>
-              <a:rPr lang="en-GB" sz="1400" dirty="0" smtClean="0">
-                <a:solidFill>
-                  <a:srgbClr val="000000"/>
-                </a:solidFill>
-              </a:rPr>
-              <a:t>maximum </a:t>
-            </a:r>
-            <a:r>
-              <a:rPr lang="en-GB" sz="1400" dirty="0">
-                <a:solidFill>
-                  <a:srgbClr val="000000"/>
-                </a:solidFill>
-              </a:rPr>
-              <a:t>per grid-cell</a:t>
-            </a:r>
-            <a:r>
-              <a:rPr lang="en-GB" sz="1400" dirty="0" smtClean="0">
-                <a:solidFill>
-                  <a:srgbClr val="000000"/>
-                </a:solidFill>
-              </a:rPr>
-              <a:t>.</a:t>
-            </a:r>
-          </a:p>
-          <a:p>
-            <a:pPr algn="l" rtl="0" latinLnBrk="1" hangingPunct="0"/>
-            <a:r>
-              <a:rPr lang="en-GB" sz="1400" b="1" dirty="0" err="1" smtClean="0">
-                <a:solidFill>
-                  <a:srgbClr val="000000"/>
-                </a:solidFill>
-              </a:rPr>
-              <a:t>ds.surface</a:t>
-            </a:r>
-            <a:r>
-              <a:rPr lang="en-GB" sz="1400" b="1" dirty="0" smtClean="0">
+          </a:p>
+          <a:p>
+            <a:pPr algn="l" rtl="0" latinLnBrk="1" hangingPunct="0"/>
+            <a:r>
+              <a:rPr lang="en-GB" sz="1400" dirty="0">
+                <a:solidFill>
+                  <a:srgbClr val="000000"/>
+                </a:solidFill>
+              </a:rPr>
+              <a:t>	Calculate vertical maximum per grid-cell.</a:t>
+            </a:r>
+          </a:p>
+          <a:p>
+            <a:pPr algn="l" rtl="0" latinLnBrk="1" hangingPunct="0"/>
+            <a:r>
+              <a:rPr lang="en-GB" sz="1400" b="1" dirty="0" err="1">
+                <a:solidFill>
+                  <a:srgbClr val="000000"/>
+                </a:solidFill>
+              </a:rPr>
+              <a:t>ds.top</a:t>
+            </a:r>
+            <a:r>
+              <a:rPr lang="en-GB" sz="1400" b="1" dirty="0">
                 <a:solidFill>
                   <a:srgbClr val="000000"/>
                 </a:solidFill>
               </a:rPr>
               <a:t>()</a:t>
             </a:r>
-            <a:endParaRPr lang="en-GB" sz="1400" b="1" dirty="0">
-              <a:solidFill>
-                <a:srgbClr val="000000"/>
-              </a:solidFill>
-            </a:endParaRPr>
-          </a:p>
-          <a:p>
-            <a:pPr algn="l" rtl="0" latinLnBrk="1" hangingPunct="0"/>
-            <a:r>
-              <a:rPr lang="en-GB" sz="1400" dirty="0">
-                <a:solidFill>
-                  <a:srgbClr val="000000"/>
-                </a:solidFill>
-              </a:rPr>
-              <a:t>	</a:t>
-            </a:r>
-            <a:r>
-              <a:rPr lang="en-GB" sz="1400" dirty="0" smtClean="0">
-                <a:solidFill>
-                  <a:srgbClr val="000000"/>
-                </a:solidFill>
-              </a:rPr>
-              <a:t>Extract the top-cell, e.g. the sea-surface.</a:t>
-            </a:r>
-          </a:p>
-          <a:p>
-            <a:pPr algn="l" rtl="0" latinLnBrk="1" hangingPunct="0"/>
+          </a:p>
+          <a:p>
+            <a:pPr algn="l" rtl="0" latinLnBrk="1" hangingPunct="0"/>
+            <a:r>
+              <a:rPr lang="en-GB" sz="1400" dirty="0">
+                <a:solidFill>
+                  <a:srgbClr val="000000"/>
+                </a:solidFill>
+              </a:rPr>
+              <a:t>	Extract the top-cell, e.g. the sea-surface.</a:t>
+            </a:r>
+          </a:p>
+          <a:p>
+            <a:pPr algn="l"/>
             <a:r>
               <a:rPr lang="en-GB" sz="1400" b="1" dirty="0" err="1">
                 <a:solidFill>
                   <a:srgbClr val="000000"/>
                 </a:solidFill>
               </a:rPr>
-              <a:t>d</a:t>
-            </a:r>
-            <a:r>
-              <a:rPr lang="en-GB" sz="1400" b="1" dirty="0" err="1" smtClean="0">
-                <a:solidFill>
-                  <a:srgbClr val="000000"/>
-                </a:solidFill>
-              </a:rPr>
-              <a:t>s.vertical_interp</a:t>
-            </a:r>
-            <a:r>
-              <a:rPr lang="en-GB" sz="1400" b="1" dirty="0" smtClean="0">
+              <a:t>ds.bottom</a:t>
+            </a:r>
+            <a:r>
+              <a:rPr lang="en-GB" sz="1400" b="1" dirty="0">
+                <a:solidFill>
+                  <a:srgbClr val="000000"/>
+                </a:solidFill>
+              </a:rPr>
+              <a:t>()</a:t>
+            </a:r>
+          </a:p>
+          <a:p>
+            <a:pPr algn="l"/>
+            <a:r>
+              <a:rPr lang="en-GB" sz="1400" dirty="0">
+                <a:solidFill>
+                  <a:srgbClr val="000000"/>
+                </a:solidFill>
+              </a:rPr>
+              <a:t>            Extract the bottom cell.</a:t>
+            </a:r>
+          </a:p>
+          <a:p>
+            <a:pPr algn="l" rtl="0" latinLnBrk="1" hangingPunct="0"/>
+            <a:r>
+              <a:rPr lang="en-GB" sz="1400" b="1" dirty="0" err="1">
+                <a:solidFill>
+                  <a:srgbClr val="000000"/>
+                </a:solidFill>
+              </a:rPr>
+              <a:t>ds.vertical_interp</a:t>
+            </a:r>
+            <a:r>
+              <a:rPr lang="en-GB" sz="1400" b="1" dirty="0">
                 <a:solidFill>
                   <a:srgbClr val="000000"/>
                 </a:solidFill>
@@ -6625,15 +5998,7 @@
                   <a:srgbClr val="000000"/>
                 </a:solidFill>
               </a:rPr>
-              <a:t>	</a:t>
-            </a:r>
-            <a:r>
-              <a:rPr lang="en-GB" sz="1400" dirty="0" smtClean="0">
-                <a:solidFill>
-                  <a:srgbClr val="000000"/>
-                </a:solidFill>
-              </a:rPr>
-              <a:t>Interpolate to a list of vertical depths.</a:t>
+              <a:t>	Interpolate to a list of vertical depths.</a:t>
             </a:r>
           </a:p>
         </p:txBody>
@@ -6662,7 +6027,7 @@
           </a:ln>
           <a:extLst>
             <a:ext uri="{C572A759-6A51-4108-AA02-DFA0A04FC94B}">
-              <ma14:wrappingTextBoxFlag xmlns:ma14="http://schemas.microsoft.com/office/mac/drawingml/2011/main" xmlns="" val="1"/>
+              <ma14:wrappingTextBoxFlag xmlns="" xmlns:ma14="http://schemas.microsoft.com/office/mac/drawingml/2011/main" val="1"/>
             </a:ext>
           </a:extLst>
         </p:spPr>
@@ -6674,7 +6039,7 @@
               <a:defRPr sz="1800"/>
             </a:pPr>
             <a:r>
-              <a:rPr lang="de-DE" sz="1400" dirty="0" smtClean="0">
+              <a:rPr lang="de-DE" sz="1400" dirty="0">
                 <a:solidFill>
                   <a:srgbClr val="FFFFFF"/>
                 </a:solidFill>
@@ -6739,7 +6104,7 @@
           <a:p>
             <a:pPr algn="l" rtl="0" latinLnBrk="1" hangingPunct="0"/>
             <a:r>
-              <a:rPr lang="en-GB" sz="1400" b="1" dirty="0" smtClean="0">
+              <a:rPr lang="en-GB" sz="1400" b="1" dirty="0">
                 <a:solidFill>
                   <a:srgbClr val="000000"/>
                 </a:solidFill>
@@ -6750,7 +6115,7 @@
           <a:p>
             <a:pPr algn="l" rtl="0" latinLnBrk="1" hangingPunct="0"/>
             <a:r>
-              <a:rPr lang="en-GB" sz="1400" dirty="0" smtClean="0">
+              <a:rPr lang="en-GB" sz="1400" dirty="0">
                 <a:solidFill>
                   <a:srgbClr val="000000"/>
                 </a:solidFill>
@@ -6761,7 +6126,7 @@
           <a:p>
             <a:pPr algn="l" rtl="0" latinLnBrk="1" hangingPunct="0"/>
             <a:r>
-              <a:rPr lang="en-GB" sz="1400" b="1" dirty="0" err="1" smtClean="0">
+              <a:rPr lang="en-GB" sz="1400" b="1" dirty="0" err="1">
                 <a:solidFill>
                   <a:srgbClr val="000000"/>
                 </a:solidFill>
@@ -6769,12 +6134,115 @@
               <a:t>ds.format</a:t>
             </a:r>
             <a:r>
-              <a:rPr lang="en-GB" sz="1400" b="1" dirty="0" smtClean="0">
+              <a:rPr lang="en-GB" sz="1400" b="1" dirty="0">
                 <a:solidFill>
                   <a:srgbClr val="000000"/>
                 </a:solidFill>
               </a:rPr>
               <a:t>(‘nc4’)</a:t>
+            </a:r>
+          </a:p>
+          <a:p>
+            <a:pPr algn="l" rtl="0" latinLnBrk="1" hangingPunct="0"/>
+            <a:r>
+              <a:rPr lang="en-GB" sz="1400" dirty="0">
+                <a:solidFill>
+                  <a:srgbClr val="000000"/>
+                </a:solidFill>
+              </a:rPr>
+              <a:t>	Change </a:t>
+            </a:r>
+            <a:r>
+              <a:rPr lang="en-GB" sz="1400" dirty="0" err="1">
+                <a:solidFill>
+                  <a:srgbClr val="000000"/>
+                </a:solidFill>
+              </a:rPr>
+              <a:t>netCDF</a:t>
+            </a:r>
+            <a:r>
+              <a:rPr lang="en-GB" sz="1400" dirty="0">
+                <a:solidFill>
+                  <a:srgbClr val="000000"/>
+                </a:solidFill>
+              </a:rPr>
+              <a:t> format of dataset files.</a:t>
+            </a:r>
+          </a:p>
+          <a:p>
+            <a:pPr algn="l" rtl="0" latinLnBrk="1" hangingPunct="0"/>
+            <a:r>
+              <a:rPr lang="en-GB" sz="1400" b="1" dirty="0" err="1">
+                <a:solidFill>
+                  <a:srgbClr val="000000"/>
+                </a:solidFill>
+              </a:rPr>
+              <a:t>ds.as_missing</a:t>
+            </a:r>
+            <a:r>
+              <a:rPr lang="en-GB" sz="1400" b="1" dirty="0">
+                <a:solidFill>
+                  <a:srgbClr val="000000"/>
+                </a:solidFill>
+              </a:rPr>
+              <a:t>([0, 100])</a:t>
+            </a:r>
+          </a:p>
+          <a:p>
+            <a:pPr algn="l" rtl="0" latinLnBrk="1" hangingPunct="0"/>
+            <a:r>
+              <a:rPr lang="en-GB" sz="1400" dirty="0">
+                <a:solidFill>
+                  <a:srgbClr val="000000"/>
+                </a:solidFill>
+              </a:rPr>
+              <a:t>	Set values within a range to missing.</a:t>
+            </a:r>
+          </a:p>
+          <a:p>
+            <a:pPr algn="l" rtl="0" latinLnBrk="1" hangingPunct="0"/>
+            <a:r>
+              <a:rPr lang="en-GB" sz="1400" b="1" dirty="0" err="1">
+                <a:solidFill>
+                  <a:srgbClr val="000000"/>
+                </a:solidFill>
+              </a:rPr>
+              <a:t>ds.rename</a:t>
+            </a:r>
+            <a:r>
+              <a:rPr lang="en-GB" sz="1400" b="1" dirty="0">
+                <a:solidFill>
+                  <a:srgbClr val="000000"/>
+                </a:solidFill>
+              </a:rPr>
+              <a:t>({‘old_foo’:’</a:t>
+            </a:r>
+            <a:r>
+              <a:rPr lang="en-GB" sz="1400" b="1" dirty="0" err="1">
+                <a:solidFill>
+                  <a:srgbClr val="000000"/>
+                </a:solidFill>
+              </a:rPr>
+              <a:t>new_foo</a:t>
+            </a:r>
+            <a:r>
+              <a:rPr lang="en-GB" sz="1400" b="1" dirty="0">
+                <a:solidFill>
+                  <a:srgbClr val="000000"/>
+                </a:solidFill>
+              </a:rPr>
+              <a:t>’)</a:t>
+            </a:r>
+          </a:p>
+          <a:p>
+            <a:pPr algn="l" rtl="0" latinLnBrk="1" hangingPunct="0"/>
+            <a:r>
+              <a:rPr lang="en-GB" sz="1400" dirty="0">
+                <a:solidFill>
+                  <a:srgbClr val="000000"/>
+                </a:solidFill>
+              </a:rPr>
+              <a:t>	Change the name of a variable.</a:t>
             </a:r>
             <a:endParaRPr lang="en-GB" sz="1400" b="1" dirty="0">
               <a:solidFill>
@@ -6785,154 +6253,7 @@
           <a:p>
             <a:pPr algn="l" rtl="0" latinLnBrk="1" hangingPunct="0"/>
             <a:r>
-              <a:rPr lang="en-GB" sz="1400" dirty="0">
-                <a:solidFill>
-                  <a:srgbClr val="000000"/>
-                </a:solidFill>
-              </a:rPr>
-              <a:t>	</a:t>
-            </a:r>
-            <a:r>
-              <a:rPr lang="en-GB" sz="1400" dirty="0" smtClean="0">
-                <a:solidFill>
-                  <a:srgbClr val="000000"/>
-                </a:solidFill>
-              </a:rPr>
-              <a:t>Change </a:t>
-            </a:r>
-            <a:r>
-              <a:rPr lang="en-GB" sz="1400" dirty="0" err="1" smtClean="0">
-                <a:solidFill>
-                  <a:srgbClr val="000000"/>
-                </a:solidFill>
-              </a:rPr>
-              <a:t>netCDF</a:t>
-            </a:r>
-            <a:r>
-              <a:rPr lang="en-GB" sz="1400" dirty="0" smtClean="0">
-                <a:solidFill>
-                  <a:srgbClr val="000000"/>
-                </a:solidFill>
-              </a:rPr>
-              <a:t> format of dataset files.</a:t>
-            </a:r>
-          </a:p>
-          <a:p>
-            <a:pPr algn="l" rtl="0" latinLnBrk="1" hangingPunct="0"/>
-            <a:r>
-              <a:rPr lang="en-GB" sz="1400" b="1" dirty="0" err="1" smtClean="0">
-                <a:solidFill>
-                  <a:srgbClr val="000000"/>
-                </a:solidFill>
-              </a:rPr>
-              <a:t>ds.as_missing</a:t>
-            </a:r>
-            <a:r>
-              <a:rPr lang="en-GB" sz="1400" b="1" dirty="0" smtClean="0">
-                <a:solidFill>
-                  <a:srgbClr val="000000"/>
-                </a:solidFill>
-              </a:rPr>
-              <a:t>([0, 100])</a:t>
-            </a:r>
-            <a:endParaRPr lang="en-GB" sz="1400" b="1" dirty="0">
-              <a:solidFill>
-                <a:srgbClr val="000000"/>
-              </a:solidFill>
-            </a:endParaRPr>
-          </a:p>
-          <a:p>
-            <a:pPr algn="l" rtl="0" latinLnBrk="1" hangingPunct="0"/>
-            <a:r>
-              <a:rPr lang="en-GB" sz="1400" dirty="0">
-                <a:solidFill>
-                  <a:srgbClr val="000000"/>
-                </a:solidFill>
-              </a:rPr>
-              <a:t>	</a:t>
-            </a:r>
-            <a:r>
-              <a:rPr lang="en-GB" sz="1400" dirty="0" smtClean="0">
-                <a:solidFill>
-                  <a:srgbClr val="000000"/>
-                </a:solidFill>
-              </a:rPr>
-              <a:t>Set values within a range to missing.</a:t>
-            </a:r>
-            <a:endParaRPr lang="en-GB" sz="1400" dirty="0">
-              <a:solidFill>
-                <a:srgbClr val="000000"/>
-              </a:solidFill>
-            </a:endParaRPr>
-          </a:p>
-          <a:p>
-            <a:pPr algn="l" rtl="0" latinLnBrk="1" hangingPunct="0"/>
-            <a:r>
-              <a:rPr lang="en-GB" sz="1400" b="1" dirty="0" err="1" smtClean="0">
-                <a:solidFill>
-                  <a:srgbClr val="000000"/>
-                </a:solidFill>
-              </a:rPr>
-              <a:t>ds.rename</a:t>
-            </a:r>
-            <a:r>
-              <a:rPr lang="en-GB" sz="1400" b="1" dirty="0" smtClean="0">
-                <a:solidFill>
-                  <a:srgbClr val="000000"/>
-                </a:solidFill>
-              </a:rPr>
-              <a:t>({‘old_foo’:’</a:t>
-            </a:r>
-            <a:r>
-              <a:rPr lang="en-GB" sz="1400" b="1" dirty="0" err="1" smtClean="0">
-                <a:solidFill>
-                  <a:srgbClr val="000000"/>
-                </a:solidFill>
-              </a:rPr>
-              <a:t>new_foo</a:t>
-            </a:r>
-            <a:r>
-              <a:rPr lang="en-GB" sz="1400" b="1" dirty="0" smtClean="0">
-                <a:solidFill>
-                  <a:srgbClr val="000000"/>
-                </a:solidFill>
-              </a:rPr>
-              <a:t>’)</a:t>
-            </a:r>
-            <a:endParaRPr lang="en-GB" sz="1400" b="1" dirty="0">
-              <a:solidFill>
-                <a:srgbClr val="000000"/>
-              </a:solidFill>
-            </a:endParaRPr>
-          </a:p>
-          <a:p>
-            <a:pPr algn="l" rtl="0" latinLnBrk="1" hangingPunct="0"/>
-            <a:r>
-              <a:rPr lang="en-GB" sz="1400" dirty="0">
-                <a:solidFill>
-                  <a:srgbClr val="000000"/>
-                </a:solidFill>
-              </a:rPr>
-              <a:t>	</a:t>
-            </a:r>
-            <a:r>
-              <a:rPr lang="en-GB" sz="1400" dirty="0" smtClean="0">
-                <a:solidFill>
-                  <a:srgbClr val="000000"/>
-                </a:solidFill>
-              </a:rPr>
-              <a:t>Change the name of a variable.</a:t>
-            </a:r>
-            <a:endParaRPr lang="en-GB" sz="1400" b="1" dirty="0" smtClean="0">
-              <a:solidFill>
-                <a:srgbClr val="000000"/>
-              </a:solidFill>
-            </a:endParaRPr>
-          </a:p>
-          <a:p>
-            <a:pPr algn="l" rtl="0" latinLnBrk="1" hangingPunct="0"/>
-            <a:r>
-              <a:rPr lang="en-GB" sz="1400" b="1" dirty="0" err="1" smtClean="0">
+              <a:rPr lang="en-GB" sz="1400" b="1" dirty="0" err="1">
                 <a:solidFill>
                   <a:srgbClr val="000000"/>
                 </a:solidFill>
@@ -6940,7 +6261,7 @@
               <a:t>ds.set_units</a:t>
             </a:r>
             <a:r>
-              <a:rPr lang="en-GB" sz="1400" b="1" dirty="0" smtClean="0">
+              <a:rPr lang="en-GB" sz="1400" b="1" dirty="0">
                 <a:solidFill>
                   <a:srgbClr val="000000"/>
                 </a:solidFill>
@@ -6948,7 +6269,7 @@
               <a:t>({‘</a:t>
             </a:r>
             <a:r>
-              <a:rPr lang="en-GB" sz="1400" b="1" dirty="0" err="1" smtClean="0">
+              <a:rPr lang="en-GB" sz="1400" b="1" dirty="0" err="1">
                 <a:solidFill>
                   <a:srgbClr val="000000"/>
                 </a:solidFill>
@@ -6956,42 +6277,29 @@
               <a:t>var</a:t>
             </a:r>
             <a:r>
-              <a:rPr lang="en-GB" sz="1400" b="1" dirty="0" smtClean="0">
+              <a:rPr lang="en-GB" sz="1400" b="1" dirty="0">
                 <a:solidFill>
                   <a:srgbClr val="000000"/>
                 </a:solidFill>
               </a:rPr>
               <a:t>’:’foo/s’)</a:t>
             </a:r>
-            <a:endParaRPr lang="en-GB" sz="1400" b="1" dirty="0">
-              <a:solidFill>
-                <a:srgbClr val="000000"/>
-              </a:solidFill>
-            </a:endParaRPr>
-          </a:p>
-          <a:p>
-            <a:pPr algn="l" rtl="0" latinLnBrk="1" hangingPunct="0"/>
-            <a:r>
-              <a:rPr lang="en-GB" sz="1400" dirty="0">
-                <a:solidFill>
-                  <a:srgbClr val="000000"/>
-                </a:solidFill>
-              </a:rPr>
-              <a:t>	Set </a:t>
-            </a:r>
-            <a:r>
-              <a:rPr lang="en-GB" sz="1400" dirty="0" smtClean="0">
-                <a:solidFill>
-                  <a:srgbClr val="000000"/>
-                </a:solidFill>
-              </a:rPr>
-              <a:t>the units for a variable.</a:t>
-            </a:r>
-          </a:p>
-          <a:p>
-            <a:pPr algn="l" rtl="0" latinLnBrk="1" hangingPunct="0"/>
-            <a:r>
-              <a:rPr lang="en-GB" sz="1400" b="1" dirty="0" err="1" smtClean="0">
+          </a:p>
+          <a:p>
+            <a:pPr algn="l" rtl="0" latinLnBrk="1" hangingPunct="0"/>
+            <a:r>
+              <a:rPr lang="en-GB" sz="1400" dirty="0">
+                <a:solidFill>
+                  <a:srgbClr val="000000"/>
+                </a:solidFill>
+              </a:rPr>
+              <a:t>	Set the units for a variable.</a:t>
+            </a:r>
+          </a:p>
+          <a:p>
+            <a:pPr algn="l" rtl="0" latinLnBrk="1" hangingPunct="0"/>
+            <a:r>
+              <a:rPr lang="en-GB" sz="1400" b="1" dirty="0" err="1">
                 <a:solidFill>
                   <a:srgbClr val="000000"/>
                 </a:solidFill>
@@ -6999,7 +6307,7 @@
               <a:t>ds.set_longnames</a:t>
             </a:r>
             <a:r>
-              <a:rPr lang="en-GB" sz="1400" b="1" dirty="0" smtClean="0">
+              <a:rPr lang="en-GB" sz="1400" b="1" dirty="0">
                 <a:solidFill>
                   <a:srgbClr val="000000"/>
                 </a:solidFill>
@@ -7007,7 +6315,7 @@
               <a:t>({‘</a:t>
             </a:r>
             <a:r>
-              <a:rPr lang="en-GB" sz="1400" b="1" dirty="0" err="1" smtClean="0">
+              <a:rPr lang="en-GB" sz="1400" b="1" dirty="0" err="1">
                 <a:solidFill>
                   <a:srgbClr val="000000"/>
                 </a:solidFill>
@@ -7015,36 +6323,23 @@
               <a:t>foo’:’a</a:t>
             </a:r>
             <a:r>
-              <a:rPr lang="en-GB" sz="1400" b="1" dirty="0" smtClean="0">
+              <a:rPr lang="en-GB" sz="1400" b="1" dirty="0">
                 <a:solidFill>
                   <a:srgbClr val="000000"/>
                 </a:solidFill>
               </a:rPr>
               <a:t> long foo’)</a:t>
             </a:r>
-            <a:endParaRPr lang="en-GB" sz="1400" b="1" dirty="0">
-              <a:solidFill>
-                <a:srgbClr val="000000"/>
-              </a:solidFill>
-            </a:endParaRPr>
-          </a:p>
-          <a:p>
-            <a:pPr algn="l" rtl="0" latinLnBrk="1" hangingPunct="0"/>
-            <a:r>
-              <a:rPr lang="en-GB" sz="1400" dirty="0">
-                <a:solidFill>
-                  <a:srgbClr val="000000"/>
-                </a:solidFill>
-              </a:rPr>
-              <a:t>	Set </a:t>
-            </a:r>
-            <a:r>
-              <a:rPr lang="en-GB" sz="1400" dirty="0" smtClean="0">
-                <a:solidFill>
-                  <a:srgbClr val="000000"/>
-                </a:solidFill>
-              </a:rPr>
-              <a:t>the long names for variables.</a:t>
+          </a:p>
+          <a:p>
+            <a:pPr algn="l" rtl="0" latinLnBrk="1" hangingPunct="0"/>
+            <a:r>
+              <a:rPr lang="en-GB" sz="1400" dirty="0">
+                <a:solidFill>
+                  <a:srgbClr val="000000"/>
+                </a:solidFill>
+              </a:rPr>
+              <a:t>	Set the long names for variables.</a:t>
             </a:r>
           </a:p>
         </p:txBody>
@@ -7073,7 +6368,7 @@
           </a:ln>
           <a:extLst>
             <a:ext uri="{C572A759-6A51-4108-AA02-DFA0A04FC94B}">
-              <ma14:wrappingTextBoxFlag xmlns:ma14="http://schemas.microsoft.com/office/mac/drawingml/2011/main" xmlns="" val="1"/>
+              <ma14:wrappingTextBoxFlag xmlns="" xmlns:ma14="http://schemas.microsoft.com/office/mac/drawingml/2011/main" val="1"/>
             </a:ext>
           </a:extLst>
         </p:spPr>
@@ -7085,7 +6380,7 @@
               <a:defRPr sz="1800"/>
             </a:pPr>
             <a:r>
-              <a:rPr lang="de-DE" sz="1400" dirty="0" smtClean="0">
+              <a:rPr lang="de-DE" sz="1400" dirty="0">
                 <a:solidFill>
                   <a:srgbClr val="FFFFFF"/>
                 </a:solidFill>
@@ -7150,7 +6445,7 @@
           <a:p>
             <a:pPr algn="l" rtl="0" latinLnBrk="1" hangingPunct="0"/>
             <a:r>
-              <a:rPr lang="en-GB" sz="1400" dirty="0" smtClean="0">
+              <a:rPr lang="en-GB" sz="1400" dirty="0">
                 <a:solidFill>
                   <a:srgbClr val="000000"/>
                 </a:solidFill>
@@ -7160,98 +6455,6 @@
           </a:p>
           <a:p>
             <a:pPr algn="l" rtl="0" latinLnBrk="1" hangingPunct="0"/>
-            <a:endParaRPr lang="en-GB" sz="1400" b="1" dirty="0" smtClean="0">
-              <a:solidFill>
-                <a:srgbClr val="000000"/>
-              </a:solidFill>
-            </a:endParaRPr>
-          </a:p>
-          <a:p>
-            <a:pPr algn="l" rtl="0" latinLnBrk="1" hangingPunct="0"/>
-            <a:r>
-              <a:rPr lang="en-GB" sz="1400" b="1" dirty="0" err="1" smtClean="0">
-                <a:solidFill>
-                  <a:srgbClr val="000000"/>
-                </a:solidFill>
-              </a:rPr>
-              <a:t>ds.spatial_mean</a:t>
-            </a:r>
-            <a:r>
-              <a:rPr lang="en-GB" sz="1400" b="1" dirty="0" smtClean="0">
-                <a:solidFill>
-                  <a:srgbClr val="000000"/>
-                </a:solidFill>
-              </a:rPr>
-              <a:t>()</a:t>
-            </a:r>
-          </a:p>
-          <a:p>
-            <a:pPr algn="l" rtl="0" latinLnBrk="1" hangingPunct="0"/>
-            <a:r>
-              <a:rPr lang="en-GB" sz="1400" dirty="0" smtClean="0">
-                <a:solidFill>
-                  <a:srgbClr val="000000"/>
-                </a:solidFill>
-              </a:rPr>
-              <a:t>	Calculate the spatial mean.</a:t>
-            </a:r>
-          </a:p>
-          <a:p>
-            <a:pPr algn="l" rtl="0" latinLnBrk="1" hangingPunct="0"/>
-            <a:r>
-              <a:rPr lang="en-GB" sz="1400" b="1" dirty="0" err="1" smtClean="0">
-                <a:solidFill>
-                  <a:srgbClr val="000000"/>
-                </a:solidFill>
-              </a:rPr>
-              <a:t>ds.spatial_min</a:t>
-            </a:r>
-            <a:r>
-              <a:rPr lang="en-GB" sz="1400" b="1" dirty="0">
-                <a:solidFill>
-                  <a:srgbClr val="000000"/>
-                </a:solidFill>
-              </a:rPr>
-              <a:t>()</a:t>
-            </a:r>
-          </a:p>
-          <a:p>
-            <a:pPr algn="l" rtl="0" latinLnBrk="1" hangingPunct="0"/>
-            <a:r>
-              <a:rPr lang="en-GB" sz="1400" dirty="0">
-                <a:solidFill>
-                  <a:srgbClr val="000000"/>
-                </a:solidFill>
-              </a:rPr>
-              <a:t>	Calculate the spatial </a:t>
-            </a:r>
-            <a:r>
-              <a:rPr lang="en-GB" sz="1400" dirty="0" smtClean="0">
-                <a:solidFill>
-                  <a:srgbClr val="000000"/>
-                </a:solidFill>
-              </a:rPr>
-              <a:t>minimum.</a:t>
-            </a:r>
-          </a:p>
-          <a:p>
-            <a:pPr algn="l" rtl="0" latinLnBrk="1" hangingPunct="0"/>
-            <a:r>
-              <a:rPr lang="en-GB" sz="1400" b="1" dirty="0" err="1" smtClean="0">
-                <a:solidFill>
-                  <a:srgbClr val="000000"/>
-                </a:solidFill>
-              </a:rPr>
-              <a:t>ds.spatial_max</a:t>
-            </a:r>
-            <a:r>
-              <a:rPr lang="en-GB" sz="1400" b="1" dirty="0" smtClean="0">
-                <a:solidFill>
-                  <a:srgbClr val="000000"/>
-                </a:solidFill>
-              </a:rPr>
-              <a:t>()</a:t>
-            </a:r>
             <a:endParaRPr lang="en-GB" sz="1400" b="1" dirty="0">
               <a:solidFill>
                 <a:srgbClr val="000000"/>
@@ -7261,26 +6464,97 @@
           <a:p>
             <a:pPr algn="l" rtl="0" latinLnBrk="1" hangingPunct="0"/>
             <a:r>
-              <a:rPr lang="en-GB" sz="1400" dirty="0">
-                <a:solidFill>
-                  <a:srgbClr val="000000"/>
-                </a:solidFill>
-              </a:rPr>
-              <a:t>	Calculate the spatial </a:t>
-            </a:r>
-            <a:r>
-              <a:rPr lang="en-GB" sz="1400" dirty="0" smtClean="0">
-                <a:solidFill>
-                  <a:srgbClr val="000000"/>
-                </a:solidFill>
-              </a:rPr>
-              <a:t>maximum.</a:t>
-            </a:r>
-          </a:p>
-          <a:p>
-            <a:pPr algn="l" rtl="0" latinLnBrk="1" hangingPunct="0"/>
-            <a:r>
-              <a:rPr lang="en-GB" sz="1400" b="1" dirty="0" err="1" smtClean="0">
+              <a:rPr lang="en-GB" sz="1400" b="1" dirty="0" err="1">
+                <a:solidFill>
+                  <a:srgbClr val="000000"/>
+                </a:solidFill>
+              </a:rPr>
+              <a:t>ds.spatial_mean</a:t>
+            </a:r>
+            <a:r>
+              <a:rPr lang="en-GB" sz="1400" b="1" dirty="0">
+                <a:solidFill>
+                  <a:srgbClr val="000000"/>
+                </a:solidFill>
+              </a:rPr>
+              <a:t>()</a:t>
+            </a:r>
+          </a:p>
+          <a:p>
+            <a:pPr algn="l" rtl="0" latinLnBrk="1" hangingPunct="0"/>
+            <a:r>
+              <a:rPr lang="en-GB" sz="1400" dirty="0">
+                <a:solidFill>
+                  <a:srgbClr val="000000"/>
+                </a:solidFill>
+              </a:rPr>
+              <a:t>	Calculate the spatial mean.</a:t>
+            </a:r>
+          </a:p>
+          <a:p>
+            <a:pPr algn="l" rtl="0" latinLnBrk="1" hangingPunct="0"/>
+            <a:r>
+              <a:rPr lang="en-GB" sz="1400" b="1" dirty="0" err="1">
+                <a:solidFill>
+                  <a:srgbClr val="000000"/>
+                </a:solidFill>
+              </a:rPr>
+              <a:t>ds.spatial_min</a:t>
+            </a:r>
+            <a:r>
+              <a:rPr lang="en-GB" sz="1400" b="1" dirty="0">
+                <a:solidFill>
+                  <a:srgbClr val="000000"/>
+                </a:solidFill>
+              </a:rPr>
+              <a:t>()</a:t>
+            </a:r>
+          </a:p>
+          <a:p>
+            <a:pPr algn="l" rtl="0" latinLnBrk="1" hangingPunct="0"/>
+            <a:r>
+              <a:rPr lang="en-GB" sz="1400" dirty="0">
+                <a:solidFill>
+                  <a:srgbClr val="000000"/>
+                </a:solidFill>
+              </a:rPr>
+              <a:t>	Calculate the spatial minimum.</a:t>
+            </a:r>
+          </a:p>
+          <a:p>
+            <a:pPr algn="l" rtl="0" latinLnBrk="1" hangingPunct="0"/>
+            <a:r>
+              <a:rPr lang="en-GB" sz="1400" b="1" dirty="0" err="1">
+                <a:solidFill>
+                  <a:srgbClr val="000000"/>
+                </a:solidFill>
+              </a:rPr>
+              <a:t>ds.spatial_max</a:t>
+            </a:r>
+            <a:r>
+              <a:rPr lang="en-GB" sz="1400" b="1" dirty="0">
+                <a:solidFill>
+                  <a:srgbClr val="000000"/>
+                </a:solidFill>
+              </a:rPr>
+              <a:t>()</a:t>
+            </a:r>
+          </a:p>
+          <a:p>
+            <a:pPr algn="l" rtl="0" latinLnBrk="1" hangingPunct="0"/>
+            <a:r>
+              <a:rPr lang="en-GB" sz="1400" dirty="0">
+                <a:solidFill>
+                  <a:srgbClr val="000000"/>
+                </a:solidFill>
+              </a:rPr>
+              <a:t>	Calculate the spatial maximum.</a:t>
+            </a:r>
+          </a:p>
+          <a:p>
+            <a:pPr algn="l" rtl="0" latinLnBrk="1" hangingPunct="0"/>
+            <a:r>
+              <a:rPr lang="en-GB" sz="1400" b="1" dirty="0" err="1">
                 <a:solidFill>
                   <a:srgbClr val="000000"/>
                 </a:solidFill>
@@ -7288,47 +6562,29 @@
               <a:t>ds.spatial_sum</a:t>
             </a:r>
             <a:r>
-              <a:rPr lang="en-GB" sz="1400" b="1" dirty="0" smtClean="0">
+              <a:rPr lang="en-GB" sz="1400" b="1" dirty="0">
                 <a:solidFill>
                   <a:srgbClr val="000000"/>
                 </a:solidFill>
               </a:rPr>
               <a:t>()</a:t>
             </a:r>
-            <a:endParaRPr lang="en-GB" sz="1400" b="1" dirty="0">
-              <a:solidFill>
-                <a:srgbClr val="000000"/>
-              </a:solidFill>
-            </a:endParaRPr>
-          </a:p>
-          <a:p>
-            <a:pPr algn="l" rtl="0" latinLnBrk="1" hangingPunct="0"/>
-            <a:r>
-              <a:rPr lang="en-GB" sz="1400" dirty="0">
-                <a:solidFill>
-                  <a:srgbClr val="000000"/>
-                </a:solidFill>
-              </a:rPr>
-              <a:t>	Calculate the spatial </a:t>
-            </a:r>
-            <a:r>
-              <a:rPr lang="en-GB" sz="1400" dirty="0" smtClean="0">
-                <a:solidFill>
-                  <a:srgbClr val="000000"/>
-                </a:solidFill>
-              </a:rPr>
-              <a:t>sum.</a:t>
-            </a:r>
-            <a:endParaRPr lang="en-GB" sz="1400" dirty="0">
-              <a:solidFill>
-                <a:srgbClr val="000000"/>
-              </a:solidFill>
-            </a:endParaRPr>
-          </a:p>
-          <a:p>
-            <a:pPr algn="l" rtl="0" latinLnBrk="1" hangingPunct="0"/>
-            <a:r>
-              <a:rPr lang="en-GB" sz="1400" b="1" dirty="0" err="1" smtClean="0">
+          </a:p>
+          <a:p>
+            <a:pPr algn="l" rtl="0" latinLnBrk="1" hangingPunct="0"/>
+            <a:r>
+              <a:rPr lang="en-GB" sz="1400" dirty="0">
+                <a:solidFill>
+                  <a:srgbClr val="000000"/>
+                </a:solidFill>
+              </a:rPr>
+              <a:t>	Calculate the spatial sum.</a:t>
+            </a:r>
+          </a:p>
+          <a:p>
+            <a:pPr algn="l" rtl="0" latinLnBrk="1" hangingPunct="0"/>
+            <a:r>
+              <a:rPr lang="en-GB" sz="1400" b="1" dirty="0" err="1">
                 <a:solidFill>
                   <a:srgbClr val="000000"/>
                 </a:solidFill>
@@ -7352,48 +6608,40 @@
                   <a:srgbClr val="000000"/>
                 </a:solidFill>
               </a:rPr>
+              <a:t>	Calculate the zonal mean.</a:t>
+            </a:r>
+          </a:p>
+          <a:p>
+            <a:pPr algn="l" rtl="0" latinLnBrk="1" hangingPunct="0"/>
+            <a:r>
+              <a:rPr lang="en-GB" sz="1400" b="1" dirty="0" err="1">
+                <a:solidFill>
+                  <a:srgbClr val="000000"/>
+                </a:solidFill>
+              </a:rPr>
+              <a:t>ds.meridonial_mean</a:t>
+            </a:r>
+            <a:r>
+              <a:rPr lang="en-GB" sz="1400" b="1" dirty="0">
+                <a:solidFill>
+                  <a:srgbClr val="000000"/>
+                </a:solidFill>
+              </a:rPr>
+              <a:t>()</a:t>
+            </a:r>
+          </a:p>
+          <a:p>
+            <a:pPr algn="l" rtl="0" latinLnBrk="1" hangingPunct="0"/>
+            <a:r>
+              <a:rPr lang="en-GB" sz="1400" dirty="0">
+                <a:solidFill>
+                  <a:srgbClr val="000000"/>
+                </a:solidFill>
+              </a:rPr>
               <a:t>	Calculate the </a:t>
             </a:r>
             <a:r>
-              <a:rPr lang="en-GB" sz="1400" dirty="0" smtClean="0">
-                <a:solidFill>
-                  <a:srgbClr val="000000"/>
-                </a:solidFill>
-              </a:rPr>
-              <a:t>zonal mean.</a:t>
-            </a:r>
-          </a:p>
-          <a:p>
-            <a:pPr algn="l" rtl="0" latinLnBrk="1" hangingPunct="0"/>
-            <a:r>
-              <a:rPr lang="en-GB" sz="1400" b="1" dirty="0" err="1" smtClean="0">
-                <a:solidFill>
-                  <a:srgbClr val="000000"/>
-                </a:solidFill>
-              </a:rPr>
-              <a:t>ds.meridonial_mean</a:t>
-            </a:r>
-            <a:r>
-              <a:rPr lang="en-GB" sz="1400" b="1" dirty="0">
-                <a:solidFill>
-                  <a:srgbClr val="000000"/>
-                </a:solidFill>
-              </a:rPr>
-              <a:t>()</a:t>
-            </a:r>
-          </a:p>
-          <a:p>
-            <a:pPr algn="l" rtl="0" latinLnBrk="1" hangingPunct="0"/>
-            <a:r>
-              <a:rPr lang="en-GB" sz="1400" dirty="0">
-                <a:solidFill>
-                  <a:srgbClr val="000000"/>
-                </a:solidFill>
-              </a:rPr>
-              <a:t>	Calculate the </a:t>
-            </a:r>
-            <a:r>
-              <a:rPr lang="en-GB" sz="1400" dirty="0" err="1" smtClean="0">
+              <a:rPr lang="en-GB" sz="1400" dirty="0" err="1">
                 <a:solidFill>
                   <a:srgbClr val="000000"/>
                 </a:solidFill>
@@ -7401,18 +6649,13 @@
               <a:t>meridonial</a:t>
             </a:r>
             <a:r>
-              <a:rPr lang="en-GB" sz="1400" dirty="0" smtClean="0">
+              <a:rPr lang="en-GB" sz="1400" dirty="0">
                 <a:solidFill>
                   <a:srgbClr val="000000"/>
                 </a:solidFill>
               </a:rPr>
               <a:t> mean.</a:t>
             </a:r>
-            <a:endParaRPr lang="en-GB" sz="1400" dirty="0">
-              <a:solidFill>
-                <a:srgbClr val="000000"/>
-              </a:solidFill>
-            </a:endParaRPr>
           </a:p>
         </p:txBody>
       </p:sp>
@@ -7424,7 +6667,7 @@
         </p:nvSpPr>
         <p:spPr>
           <a:xfrm>
-            <a:off x="164422" y="3115194"/>
+            <a:off x="176759" y="3423532"/>
             <a:ext cx="4518790" cy="248841"/>
           </a:xfrm>
           <a:prstGeom prst="roundRect">
@@ -7440,7 +6683,7 @@
           </a:ln>
           <a:extLst>
             <a:ext uri="{C572A759-6A51-4108-AA02-DFA0A04FC94B}">
-              <ma14:wrappingTextBoxFlag xmlns:ma14="http://schemas.microsoft.com/office/mac/drawingml/2011/main" xmlns="" val="1"/>
+              <ma14:wrappingTextBoxFlag xmlns="" xmlns:ma14="http://schemas.microsoft.com/office/mac/drawingml/2011/main" val="1"/>
             </a:ext>
           </a:extLst>
         </p:spPr>
@@ -7452,7 +6695,7 @@
               <a:defRPr sz="1800"/>
             </a:pPr>
             <a:r>
-              <a:rPr lang="de-DE" sz="1400" dirty="0" smtClean="0">
+              <a:rPr lang="de-DE" sz="1400" dirty="0">
                 <a:solidFill>
                   <a:srgbClr val="FFFFFF"/>
                 </a:solidFill>
@@ -7483,7 +6726,7 @@
         </p:nvSpPr>
         <p:spPr>
           <a:xfrm>
-            <a:off x="240324" y="3385893"/>
+            <a:off x="215649" y="3792899"/>
             <a:ext cx="4403519" cy="2695529"/>
           </a:xfrm>
           <a:prstGeom prst="rect">
@@ -7532,7 +6775,7 @@
               <a:tabLst/>
             </a:pPr>
             <a:r>
-              <a:rPr lang="en-GB" sz="1400" dirty="0" smtClean="0">
+              <a:rPr lang="en-GB" sz="1400" dirty="0">
                 <a:solidFill>
                   <a:srgbClr val="000000"/>
                 </a:solidFill>
@@ -7540,7 +6783,7 @@
               <a:t>Ensemble methods allow the comparison of files with the same </a:t>
             </a:r>
             <a:r>
-              <a:rPr lang="en-GB" sz="1400" dirty="0" err="1" smtClean="0">
+              <a:rPr lang="en-GB" sz="1400" dirty="0" err="1">
                 <a:solidFill>
                   <a:srgbClr val="000000"/>
                 </a:solidFill>
@@ -7548,7 +6791,7 @@
               <a:t>timesteps</a:t>
             </a:r>
             <a:r>
-              <a:rPr lang="en-GB" sz="1400" dirty="0" smtClean="0">
+              <a:rPr lang="en-GB" sz="1400" dirty="0">
                 <a:solidFill>
                   <a:srgbClr val="000000"/>
                 </a:solidFill>
@@ -7574,7 +6817,7 @@
               <a:tabLst/>
             </a:pPr>
             <a:r>
-              <a:rPr lang="en-GB" sz="1400" b="1" dirty="0" smtClean="0">
+              <a:rPr lang="en-GB" sz="1400" b="1" dirty="0">
                 <a:solidFill>
                   <a:srgbClr val="000000"/>
                 </a:solidFill>
@@ -7600,7 +6843,7 @@
               <a:tabLst/>
             </a:pPr>
             <a:r>
-              <a:rPr lang="en-GB" sz="1400" b="1" dirty="0" err="1" smtClean="0">
+              <a:rPr lang="en-GB" sz="1400" b="1" dirty="0" err="1">
                 <a:solidFill>
                   <a:srgbClr val="000000"/>
                 </a:solidFill>
@@ -7608,7 +6851,7 @@
               <a:t>ds.ensemble_mean</a:t>
             </a:r>
             <a:r>
-              <a:rPr lang="en-GB" sz="1400" b="1" dirty="0" smtClean="0">
+              <a:rPr lang="en-GB" sz="1400" b="1" dirty="0">
                 <a:solidFill>
                   <a:srgbClr val="000000"/>
                 </a:solidFill>
@@ -7634,7 +6877,7 @@
               <a:tabLst/>
             </a:pPr>
             <a:r>
-              <a:rPr lang="en-GB" sz="1400" dirty="0" smtClean="0">
+              <a:rPr lang="en-GB" sz="1400" dirty="0">
                 <a:solidFill>
                   <a:srgbClr val="000000"/>
                 </a:solidFill>
@@ -7642,7 +6885,7 @@
               <a:t>	</a:t>
             </a:r>
             <a:r>
-              <a:rPr kumimoji="0" lang="en-GB" sz="1400" b="0" i="0" u="none" strike="noStrike" cap="none" spc="0" normalizeH="0" baseline="0" dirty="0" smtClean="0">
+              <a:rPr kumimoji="0" lang="en-GB" sz="1400" b="0" i="0" u="none" strike="noStrike" cap="none" spc="0" normalizeH="0" baseline="0" dirty="0">
                 <a:ln>
                   <a:noFill/>
                 </a:ln>
@@ -7656,7 +6899,7 @@
               <a:t>Calculate mean across an</a:t>
             </a:r>
             <a:r>
-              <a:rPr kumimoji="0" lang="en-GB" sz="1400" b="0" i="0" u="none" strike="noStrike" cap="none" spc="0" normalizeH="0" dirty="0" smtClean="0">
+              <a:rPr kumimoji="0" lang="en-GB" sz="1400" b="0" i="0" u="none" strike="noStrike" cap="none" spc="0" normalizeH="0" dirty="0">
                 <a:ln>
                   <a:noFill/>
                 </a:ln>
@@ -7673,7 +6916,7 @@
           <a:p>
             <a:pPr algn="l" rtl="0" latinLnBrk="1" hangingPunct="0"/>
             <a:r>
-              <a:rPr lang="en-GB" sz="1400" b="1" dirty="0" err="1" smtClean="0">
+              <a:rPr lang="en-GB" sz="1400" b="1" dirty="0" err="1">
                 <a:solidFill>
                   <a:srgbClr val="000000"/>
                 </a:solidFill>
@@ -7681,58 +6924,29 @@
               <a:t>ds.ensemble_max</a:t>
             </a:r>
             <a:r>
-              <a:rPr lang="en-GB" sz="1400" b="1" dirty="0" smtClean="0">
+              <a:rPr lang="en-GB" sz="1400" b="1" dirty="0">
                 <a:solidFill>
                   <a:srgbClr val="000000"/>
                 </a:solidFill>
               </a:rPr>
               <a:t>()</a:t>
             </a:r>
-            <a:endParaRPr lang="en-GB" sz="1400" b="1" dirty="0">
-              <a:solidFill>
-                <a:srgbClr val="000000"/>
-              </a:solidFill>
-            </a:endParaRPr>
-          </a:p>
-          <a:p>
-            <a:pPr algn="l" rtl="0" latinLnBrk="1" hangingPunct="0"/>
-            <a:r>
-              <a:rPr lang="en-GB" sz="1400" dirty="0">
-                <a:solidFill>
-                  <a:srgbClr val="000000"/>
-                </a:solidFill>
-              </a:rPr>
-              <a:t>	Calculate </a:t>
-            </a:r>
-            <a:r>
-              <a:rPr lang="en-GB" sz="1400" dirty="0" smtClean="0">
-                <a:solidFill>
-                  <a:srgbClr val="000000"/>
-                </a:solidFill>
-              </a:rPr>
-              <a:t>maximum </a:t>
-            </a:r>
-            <a:r>
-              <a:rPr lang="en-GB" sz="1400" dirty="0">
-                <a:solidFill>
-                  <a:srgbClr val="000000"/>
-                </a:solidFill>
-              </a:rPr>
-              <a:t>across an ensemble</a:t>
-            </a:r>
-            <a:r>
-              <a:rPr lang="en-GB" sz="1400" dirty="0" smtClean="0">
-                <a:solidFill>
-                  <a:srgbClr val="000000"/>
-                </a:solidFill>
-              </a:rPr>
-              <a:t>.</a:t>
-            </a:r>
-          </a:p>
-          <a:p>
-            <a:pPr algn="l" rtl="0" latinLnBrk="1" hangingPunct="0"/>
-            <a:r>
-              <a:rPr lang="en-GB" sz="1400" b="1" dirty="0" err="1" smtClean="0">
+          </a:p>
+          <a:p>
+            <a:pPr algn="l" rtl="0" latinLnBrk="1" hangingPunct="0"/>
+            <a:r>
+              <a:rPr lang="en-GB" sz="1400" dirty="0">
+                <a:solidFill>
+                  <a:srgbClr val="000000"/>
+                </a:solidFill>
+              </a:rPr>
+              <a:t>	Calculate maximum across an ensemble.</a:t>
+            </a:r>
+          </a:p>
+          <a:p>
+            <a:pPr algn="l" rtl="0" latinLnBrk="1" hangingPunct="0"/>
+            <a:r>
+              <a:rPr lang="en-GB" sz="1400" b="1" dirty="0" err="1">
                 <a:solidFill>
                   <a:srgbClr val="000000"/>
                 </a:solidFill>
@@ -7740,50 +6954,29 @@
               <a:t>ds.ensemble_min</a:t>
             </a:r>
             <a:r>
-              <a:rPr lang="en-GB" sz="1400" b="1" dirty="0" smtClean="0">
+              <a:rPr lang="en-GB" sz="1400" b="1" dirty="0">
                 <a:solidFill>
                   <a:srgbClr val="000000"/>
                 </a:solidFill>
               </a:rPr>
               <a:t>()</a:t>
             </a:r>
-            <a:endParaRPr lang="en-GB" sz="1400" b="1" dirty="0">
-              <a:solidFill>
-                <a:srgbClr val="000000"/>
-              </a:solidFill>
-            </a:endParaRPr>
-          </a:p>
-          <a:p>
-            <a:pPr algn="l" rtl="0" latinLnBrk="1" hangingPunct="0"/>
-            <a:r>
-              <a:rPr lang="en-GB" sz="1400" dirty="0">
-                <a:solidFill>
-                  <a:srgbClr val="000000"/>
-                </a:solidFill>
-              </a:rPr>
-              <a:t>	Calculate </a:t>
-            </a:r>
-            <a:r>
-              <a:rPr lang="en-GB" sz="1400" dirty="0" smtClean="0">
-                <a:solidFill>
-                  <a:srgbClr val="000000"/>
-                </a:solidFill>
-              </a:rPr>
-              <a:t>minimum across </a:t>
-            </a:r>
-            <a:r>
-              <a:rPr lang="en-GB" sz="1400" dirty="0">
-                <a:solidFill>
-                  <a:srgbClr val="000000"/>
-                </a:solidFill>
-              </a:rPr>
-              <a:t>an ensemble.</a:t>
-            </a:r>
-          </a:p>
-          <a:p>
-            <a:pPr algn="l" rtl="0" latinLnBrk="1" hangingPunct="0"/>
-            <a:r>
-              <a:rPr lang="en-GB" sz="1400" b="1" dirty="0" err="1" smtClean="0">
+          </a:p>
+          <a:p>
+            <a:pPr algn="l" rtl="0" latinLnBrk="1" hangingPunct="0"/>
+            <a:r>
+              <a:rPr lang="en-GB" sz="1400" dirty="0">
+                <a:solidFill>
+                  <a:srgbClr val="000000"/>
+                </a:solidFill>
+              </a:rPr>
+              <a:t>	Calculate minimum across an ensemble.</a:t>
+            </a:r>
+          </a:p>
+          <a:p>
+            <a:pPr algn="l" rtl="0" latinLnBrk="1" hangingPunct="0"/>
+            <a:r>
+              <a:rPr lang="en-GB" sz="1400" b="1" dirty="0" err="1">
                 <a:solidFill>
                   <a:srgbClr val="000000"/>
                 </a:solidFill>
@@ -7791,46 +6984,25 @@
               <a:t>ds.ensemble_range</a:t>
             </a:r>
             <a:r>
-              <a:rPr lang="en-GB" sz="1400" b="1" dirty="0" smtClean="0">
+              <a:rPr lang="en-GB" sz="1400" b="1" dirty="0">
                 <a:solidFill>
                   <a:srgbClr val="000000"/>
                 </a:solidFill>
               </a:rPr>
               <a:t>()</a:t>
             </a:r>
-            <a:endParaRPr lang="en-GB" sz="1400" b="1" dirty="0">
-              <a:solidFill>
-                <a:srgbClr val="000000"/>
-              </a:solidFill>
-            </a:endParaRPr>
-          </a:p>
-          <a:p>
-            <a:pPr algn="l" rtl="0" latinLnBrk="1" hangingPunct="0"/>
-            <a:r>
-              <a:rPr lang="en-GB" sz="1400" dirty="0">
-                <a:solidFill>
-                  <a:srgbClr val="000000"/>
-                </a:solidFill>
-              </a:rPr>
-              <a:t>	Calculate </a:t>
-            </a:r>
-            <a:r>
-              <a:rPr lang="en-GB" sz="1400" dirty="0" smtClean="0">
-                <a:solidFill>
-                  <a:srgbClr val="000000"/>
-                </a:solidFill>
-              </a:rPr>
-              <a:t>range across </a:t>
-            </a:r>
-            <a:r>
-              <a:rPr lang="en-GB" sz="1400" dirty="0">
-                <a:solidFill>
-                  <a:srgbClr val="000000"/>
-                </a:solidFill>
-              </a:rPr>
-              <a:t>an ensemble.</a:t>
-            </a:r>
-            <a:endParaRPr kumimoji="0" lang="en-GB" sz="1400" b="0" i="0" u="none" strike="noStrike" cap="none" spc="0" normalizeH="0" dirty="0" smtClean="0">
+          </a:p>
+          <a:p>
+            <a:pPr algn="l" rtl="0" latinLnBrk="1" hangingPunct="0"/>
+            <a:r>
+              <a:rPr lang="en-GB" sz="1400" dirty="0">
+                <a:solidFill>
+                  <a:srgbClr val="000000"/>
+                </a:solidFill>
+              </a:rPr>
+              <a:t>	Calculate range across an ensemble.</a:t>
+            </a:r>
+            <a:endParaRPr kumimoji="0" lang="en-GB" sz="1400" b="0" i="0" u="none" strike="noStrike" cap="none" spc="0" normalizeH="0" dirty="0">
               <a:ln>
                 <a:noFill/>
               </a:ln>
@@ -7868,7 +7040,7 @@
           </a:ln>
           <a:extLst>
             <a:ext uri="{C572A759-6A51-4108-AA02-DFA0A04FC94B}">
-              <ma14:wrappingTextBoxFlag xmlns:ma14="http://schemas.microsoft.com/office/mac/drawingml/2011/main" xmlns="" val="1"/>
+              <ma14:wrappingTextBoxFlag xmlns="" xmlns:ma14="http://schemas.microsoft.com/office/mac/drawingml/2011/main" val="1"/>
             </a:ext>
           </a:extLst>
         </p:spPr>
@@ -7880,7 +7052,7 @@
               <a:defRPr sz="1800"/>
             </a:pPr>
             <a:r>
-              <a:rPr lang="de-DE" sz="1400" dirty="0" smtClean="0">
+              <a:rPr lang="de-DE" sz="1400" dirty="0">
                 <a:solidFill>
                   <a:srgbClr val="FFFFFF"/>
                 </a:solidFill>
@@ -7911,8 +7083,8 @@
         </p:nvSpPr>
         <p:spPr>
           <a:xfrm>
-            <a:off x="4925119" y="6386537"/>
-            <a:ext cx="4403519" cy="3988191"/>
+            <a:off x="4925119" y="6420258"/>
+            <a:ext cx="4403519" cy="3772747"/>
           </a:xfrm>
           <a:prstGeom prst="rect">
             <a:avLst/>
@@ -7945,49 +7117,17 @@
           <a:p>
             <a:pPr algn="l" rtl="0" latinLnBrk="1" hangingPunct="0"/>
             <a:r>
-              <a:rPr lang="en-GB" sz="1400" dirty="0" smtClean="0">
-                <a:solidFill>
-                  <a:srgbClr val="000000"/>
-                </a:solidFill>
-              </a:rPr>
-              <a:t>Multi-dataset methods let you add/subtract dataset from others so long as their grids and </a:t>
-            </a:r>
-            <a:r>
-              <a:rPr lang="en-GB" sz="1400" dirty="0" err="1" smtClean="0">
-                <a:solidFill>
-                  <a:srgbClr val="000000"/>
-                </a:solidFill>
-              </a:rPr>
-              <a:t>timesteps</a:t>
-            </a:r>
-            <a:r>
-              <a:rPr lang="en-GB" sz="1400" dirty="0" smtClean="0">
-                <a:solidFill>
-                  <a:srgbClr val="000000"/>
-                </a:solidFill>
-              </a:rPr>
-              <a:t> are compatible. Calculations carried out per-</a:t>
-            </a:r>
-            <a:r>
-              <a:rPr lang="en-GB" sz="1400" dirty="0" err="1" smtClean="0">
-                <a:solidFill>
-                  <a:srgbClr val="000000"/>
-                </a:solidFill>
-              </a:rPr>
-              <a:t>timestep</a:t>
-            </a:r>
-            <a:r>
-              <a:rPr lang="en-GB" sz="1400" dirty="0" smtClean="0">
-                <a:solidFill>
-                  <a:srgbClr val="000000"/>
-                </a:solidFill>
-              </a:rPr>
-              <a:t> and grid cell</a:t>
-            </a:r>
-          </a:p>
-          <a:p>
-            <a:pPr algn="l" rtl="0" latinLnBrk="1" hangingPunct="0"/>
-            <a:endParaRPr lang="en-GB" sz="1400" b="1" dirty="0" smtClean="0">
+              <a:rPr lang="en-GB" sz="1400" dirty="0">
+                <a:solidFill>
+                  <a:srgbClr val="000000"/>
+                </a:solidFill>
+              </a:rPr>
+              <a:t>Multi-dataset methods let you add/subtract dataset from others so long as their grids and timesteps are compatible. Calculations carried out per-timestep and grid cell</a:t>
+            </a:r>
+          </a:p>
+          <a:p>
+            <a:pPr algn="l" rtl="0" latinLnBrk="1" hangingPunct="0"/>
+            <a:endParaRPr lang="en-GB" sz="1400" b="1" dirty="0">
               <a:solidFill>
                 <a:srgbClr val="000000"/>
               </a:solidFill>
@@ -7996,26 +7136,18 @@
           <a:p>
             <a:pPr algn="l" rtl="0" latinLnBrk="1" hangingPunct="0"/>
             <a:r>
-              <a:rPr lang="en-GB" sz="1400" b="1" dirty="0" err="1" smtClean="0">
-                <a:solidFill>
-                  <a:srgbClr val="000000"/>
-                </a:solidFill>
-              </a:rPr>
-              <a:t>ds.add</a:t>
-            </a:r>
-            <a:r>
-              <a:rPr lang="en-GB" sz="1400" b="1" dirty="0" smtClean="0">
-                <a:solidFill>
-                  <a:srgbClr val="000000"/>
-                </a:solidFill>
-              </a:rPr>
-              <a:t>(ds1)</a:t>
-            </a:r>
-          </a:p>
-          <a:p>
-            <a:pPr algn="l" rtl="0" latinLnBrk="1" hangingPunct="0"/>
-            <a:r>
-              <a:rPr lang="en-GB" sz="1400" dirty="0" smtClean="0">
+              <a:rPr lang="en-GB" sz="1400" b="1" dirty="0">
+                <a:solidFill>
+                  <a:srgbClr val="000000"/>
+                </a:solidFill>
+              </a:rPr>
+              <a:t>ds + ds1</a:t>
+            </a:r>
+          </a:p>
+          <a:p>
+            <a:pPr algn="l" rtl="0" latinLnBrk="1" hangingPunct="0"/>
+            <a:r>
+              <a:rPr lang="en-GB" sz="1400" dirty="0">
                 <a:solidFill>
                   <a:srgbClr val="000000"/>
                 </a:solidFill>
@@ -8026,292 +7158,112 @@
           <a:p>
             <a:pPr algn="l" rtl="0" latinLnBrk="1" hangingPunct="0"/>
             <a:r>
-              <a:rPr lang="en-GB" sz="1400" b="1" dirty="0" err="1" smtClean="0">
-                <a:solidFill>
-                  <a:srgbClr val="000000"/>
-                </a:solidFill>
-              </a:rPr>
-              <a:t>ds.subtract</a:t>
-            </a:r>
-            <a:r>
-              <a:rPr lang="en-GB" sz="1400" b="1" dirty="0" smtClean="0">
-                <a:solidFill>
-                  <a:srgbClr val="000000"/>
-                </a:solidFill>
-              </a:rPr>
-              <a:t>(ds1</a:t>
-            </a:r>
-            <a:r>
-              <a:rPr lang="en-GB" sz="1400" b="1" dirty="0">
-                <a:solidFill>
-                  <a:srgbClr val="000000"/>
-                </a:solidFill>
-              </a:rPr>
-              <a:t>)</a:t>
-            </a:r>
-          </a:p>
-          <a:p>
-            <a:pPr algn="l" rtl="0" latinLnBrk="1" hangingPunct="0"/>
-            <a:r>
-              <a:rPr lang="en-GB" sz="1400" dirty="0">
-                <a:solidFill>
-                  <a:srgbClr val="000000"/>
-                </a:solidFill>
-              </a:rPr>
-              <a:t>	</a:t>
-            </a:r>
-            <a:r>
-              <a:rPr lang="en-GB" sz="1400" dirty="0" smtClean="0">
-                <a:solidFill>
-                  <a:srgbClr val="000000"/>
-                </a:solidFill>
-              </a:rPr>
-              <a:t>Subtract one </a:t>
-            </a:r>
-            <a:r>
-              <a:rPr lang="en-GB" sz="1400" dirty="0">
-                <a:solidFill>
-                  <a:srgbClr val="000000"/>
-                </a:solidFill>
-              </a:rPr>
-              <a:t>dataset </a:t>
-            </a:r>
-            <a:r>
-              <a:rPr lang="en-GB" sz="1400" dirty="0" smtClean="0">
-                <a:solidFill>
-                  <a:srgbClr val="000000"/>
-                </a:solidFill>
-              </a:rPr>
-              <a:t>from </a:t>
-            </a:r>
-            <a:r>
-              <a:rPr lang="en-GB" sz="1400" dirty="0">
-                <a:solidFill>
-                  <a:srgbClr val="000000"/>
-                </a:solidFill>
-              </a:rPr>
-              <a:t>another</a:t>
-            </a:r>
-            <a:r>
-              <a:rPr lang="en-GB" sz="1400" dirty="0" smtClean="0">
-                <a:solidFill>
-                  <a:srgbClr val="000000"/>
-                </a:solidFill>
-              </a:rPr>
-              <a:t>.</a:t>
-            </a:r>
-          </a:p>
-          <a:p>
-            <a:pPr algn="l" rtl="0" latinLnBrk="1" hangingPunct="0"/>
-            <a:r>
-              <a:rPr lang="en-GB" sz="1400" b="1" dirty="0" err="1" smtClean="0">
-                <a:solidFill>
-                  <a:srgbClr val="000000"/>
-                </a:solidFill>
-              </a:rPr>
-              <a:t>ds.multiply</a:t>
-            </a:r>
-            <a:r>
-              <a:rPr lang="en-GB" sz="1400" b="1" dirty="0" smtClean="0">
-                <a:solidFill>
-                  <a:srgbClr val="000000"/>
-                </a:solidFill>
-              </a:rPr>
-              <a:t>(ds1</a:t>
-            </a:r>
-            <a:r>
-              <a:rPr lang="en-GB" sz="1400" b="1" dirty="0">
-                <a:solidFill>
-                  <a:srgbClr val="000000"/>
-                </a:solidFill>
-              </a:rPr>
-              <a:t>)</a:t>
-            </a:r>
-          </a:p>
-          <a:p>
-            <a:pPr algn="l" rtl="0" latinLnBrk="1" hangingPunct="0"/>
-            <a:r>
-              <a:rPr lang="en-GB" sz="1400" dirty="0">
-                <a:solidFill>
-                  <a:srgbClr val="000000"/>
-                </a:solidFill>
-              </a:rPr>
-              <a:t>	</a:t>
-            </a:r>
-            <a:r>
-              <a:rPr lang="en-GB" sz="1400" dirty="0" smtClean="0">
-                <a:solidFill>
-                  <a:srgbClr val="000000"/>
-                </a:solidFill>
-              </a:rPr>
-              <a:t>Multiply a dataset by another.</a:t>
-            </a:r>
-            <a:endParaRPr lang="en-GB" sz="1400" dirty="0">
-              <a:solidFill>
-                <a:srgbClr val="000000"/>
-              </a:solidFill>
-            </a:endParaRPr>
-          </a:p>
-          <a:p>
-            <a:pPr algn="l" rtl="0" latinLnBrk="1" hangingPunct="0"/>
-            <a:r>
-              <a:rPr lang="en-GB" sz="1400" b="1" dirty="0" err="1" smtClean="0">
-                <a:solidFill>
-                  <a:srgbClr val="000000"/>
-                </a:solidFill>
-              </a:rPr>
-              <a:t>ds.divide</a:t>
-            </a:r>
-            <a:r>
-              <a:rPr lang="en-GB" sz="1400" b="1" dirty="0" smtClean="0">
-                <a:solidFill>
-                  <a:srgbClr val="000000"/>
-                </a:solidFill>
-              </a:rPr>
-              <a:t>(ds1</a:t>
-            </a:r>
-            <a:r>
-              <a:rPr lang="en-GB" sz="1400" b="1" dirty="0">
-                <a:solidFill>
-                  <a:srgbClr val="000000"/>
-                </a:solidFill>
-              </a:rPr>
-              <a:t>)</a:t>
-            </a:r>
-          </a:p>
-          <a:p>
-            <a:pPr algn="l" rtl="0" latinLnBrk="1" hangingPunct="0"/>
-            <a:r>
-              <a:rPr lang="en-GB" sz="1400" dirty="0">
-                <a:solidFill>
-                  <a:srgbClr val="000000"/>
-                </a:solidFill>
-              </a:rPr>
-              <a:t>	</a:t>
-            </a:r>
-            <a:r>
-              <a:rPr lang="en-GB" sz="1400" dirty="0" smtClean="0">
-                <a:solidFill>
-                  <a:srgbClr val="000000"/>
-                </a:solidFill>
-              </a:rPr>
-              <a:t>Divide </a:t>
-            </a:r>
-            <a:r>
-              <a:rPr lang="en-GB" sz="1400" dirty="0">
-                <a:solidFill>
-                  <a:srgbClr val="000000"/>
-                </a:solidFill>
-              </a:rPr>
-              <a:t>a dataset by another</a:t>
-            </a:r>
-            <a:r>
-              <a:rPr lang="en-GB" sz="1400" dirty="0" smtClean="0">
-                <a:solidFill>
-                  <a:srgbClr val="000000"/>
-                </a:solidFill>
-              </a:rPr>
-              <a:t>.</a:t>
-            </a:r>
-            <a:endParaRPr lang="en-GB" sz="1400" dirty="0">
-              <a:solidFill>
-                <a:srgbClr val="000000"/>
-              </a:solidFill>
-            </a:endParaRPr>
-          </a:p>
-          <a:p>
-            <a:pPr algn="l" rtl="0" latinLnBrk="1" hangingPunct="0"/>
-            <a:r>
-              <a:rPr lang="en-GB" sz="1400" b="1" dirty="0" smtClean="0">
-                <a:solidFill>
-                  <a:srgbClr val="000000"/>
-                </a:solidFill>
-              </a:rPr>
-              <a:t>ds.gt(ds1</a:t>
-            </a:r>
-            <a:r>
-              <a:rPr lang="en-GB" sz="1400" b="1" dirty="0">
-                <a:solidFill>
-                  <a:srgbClr val="000000"/>
-                </a:solidFill>
-              </a:rPr>
-              <a:t>)</a:t>
-            </a:r>
-          </a:p>
-          <a:p>
-            <a:pPr algn="l" rtl="0" latinLnBrk="1" hangingPunct="0"/>
-            <a:r>
-              <a:rPr lang="en-GB" sz="1400" dirty="0">
-                <a:solidFill>
-                  <a:srgbClr val="000000"/>
-                </a:solidFill>
-              </a:rPr>
-              <a:t>	</a:t>
-            </a:r>
-            <a:r>
-              <a:rPr lang="en-GB" sz="1400" dirty="0" smtClean="0">
-                <a:solidFill>
-                  <a:srgbClr val="000000"/>
-                </a:solidFill>
-              </a:rPr>
-              <a:t>Do a dataset’s values exceed another’s?</a:t>
-            </a:r>
-            <a:endParaRPr lang="en-GB" sz="1400" dirty="0">
-              <a:solidFill>
-                <a:srgbClr val="000000"/>
-              </a:solidFill>
-            </a:endParaRPr>
-          </a:p>
-          <a:p>
-            <a:pPr algn="l" rtl="0" latinLnBrk="1" hangingPunct="0"/>
-            <a:r>
-              <a:rPr lang="en-GB" sz="1400" b="1" dirty="0" err="1" smtClean="0">
-                <a:solidFill>
-                  <a:srgbClr val="000000"/>
-                </a:solidFill>
-              </a:rPr>
-              <a:t>ds.lt</a:t>
-            </a:r>
-            <a:r>
-              <a:rPr lang="en-GB" sz="1400" b="1" dirty="0" smtClean="0">
-                <a:solidFill>
-                  <a:srgbClr val="000000"/>
-                </a:solidFill>
-              </a:rPr>
-              <a:t>(ds1)</a:t>
-            </a:r>
-          </a:p>
-          <a:p>
-            <a:pPr algn="l" rtl="0" latinLnBrk="1" hangingPunct="0"/>
-            <a:r>
-              <a:rPr lang="en-GB" sz="1400" dirty="0" smtClean="0">
-                <a:solidFill>
-                  <a:srgbClr val="000000"/>
-                </a:solidFill>
-              </a:rPr>
-              <a:t>	Are </a:t>
-            </a:r>
-            <a:r>
-              <a:rPr lang="en-GB" sz="1400" dirty="0">
-                <a:solidFill>
-                  <a:srgbClr val="000000"/>
-                </a:solidFill>
-              </a:rPr>
-              <a:t>a dataset’s values </a:t>
-            </a:r>
-            <a:r>
-              <a:rPr lang="en-GB" sz="1400" dirty="0" smtClean="0">
-                <a:solidFill>
-                  <a:srgbClr val="000000"/>
-                </a:solidFill>
-              </a:rPr>
-              <a:t>less than another’s?</a:t>
-            </a:r>
-            <a:endParaRPr lang="en-GB" sz="1400" dirty="0">
-              <a:solidFill>
-                <a:srgbClr val="000000"/>
-              </a:solidFill>
-            </a:endParaRPr>
+              <a:rPr lang="en-GB" sz="1400" b="1" dirty="0">
+                <a:solidFill>
+                  <a:srgbClr val="000000"/>
+                </a:solidFill>
+              </a:rPr>
+              <a:t>ds - ds1</a:t>
+            </a:r>
+          </a:p>
+          <a:p>
+            <a:pPr algn="l" rtl="0" latinLnBrk="1" hangingPunct="0"/>
+            <a:r>
+              <a:rPr lang="en-GB" sz="1400" dirty="0">
+                <a:solidFill>
+                  <a:srgbClr val="000000"/>
+                </a:solidFill>
+              </a:rPr>
+              <a:t>	Subtract one dataset from another.</a:t>
+            </a:r>
+          </a:p>
+          <a:p>
+            <a:pPr algn="l" rtl="0" latinLnBrk="1" hangingPunct="0"/>
+            <a:r>
+              <a:rPr lang="en-GB" sz="1400" b="1" dirty="0">
+                <a:solidFill>
+                  <a:srgbClr val="000000"/>
+                </a:solidFill>
+              </a:rPr>
+              <a:t>ds * ds1</a:t>
+            </a:r>
+          </a:p>
+          <a:p>
+            <a:pPr algn="l" rtl="0" latinLnBrk="1" hangingPunct="0"/>
+            <a:r>
+              <a:rPr lang="en-GB" sz="1400" dirty="0">
+                <a:solidFill>
+                  <a:srgbClr val="000000"/>
+                </a:solidFill>
+              </a:rPr>
+              <a:t>	Multiply a dataset by another.</a:t>
+            </a:r>
+          </a:p>
+          <a:p>
+            <a:pPr algn="l" rtl="0" latinLnBrk="1" hangingPunct="0"/>
+            <a:r>
+              <a:rPr lang="en-GB" sz="1400" b="1" dirty="0">
+                <a:solidFill>
+                  <a:srgbClr val="000000"/>
+                </a:solidFill>
+              </a:rPr>
+              <a:t>ds / ds1</a:t>
+            </a:r>
+          </a:p>
+          <a:p>
+            <a:pPr algn="l" rtl="0" latinLnBrk="1" hangingPunct="0"/>
+            <a:r>
+              <a:rPr lang="en-GB" sz="1400" dirty="0">
+                <a:solidFill>
+                  <a:srgbClr val="000000"/>
+                </a:solidFill>
+              </a:rPr>
+              <a:t>	Divide a dataset by another.</a:t>
+            </a:r>
+          </a:p>
+          <a:p>
+            <a:pPr algn="l" rtl="0" latinLnBrk="1" hangingPunct="0"/>
+            <a:r>
+              <a:rPr lang="en-GB" sz="1400" b="1" dirty="0">
+                <a:solidFill>
+                  <a:srgbClr val="000000"/>
+                </a:solidFill>
+              </a:rPr>
+              <a:t>ds &gt; ds1</a:t>
+            </a:r>
+          </a:p>
+          <a:p>
+            <a:pPr algn="l" rtl="0" latinLnBrk="1" hangingPunct="0"/>
+            <a:r>
+              <a:rPr lang="en-GB" sz="1400" dirty="0">
+                <a:solidFill>
+                  <a:srgbClr val="000000"/>
+                </a:solidFill>
+              </a:rPr>
+              <a:t>	Do a dataset’s values exceed another’s?</a:t>
+            </a:r>
+          </a:p>
+          <a:p>
+            <a:pPr algn="l" rtl="0" latinLnBrk="1" hangingPunct="0"/>
+            <a:r>
+              <a:rPr lang="en-GB" sz="1400" b="1" dirty="0">
+                <a:solidFill>
+                  <a:srgbClr val="000000"/>
+                </a:solidFill>
+              </a:rPr>
+              <a:t>ds &lt; ds1</a:t>
+            </a:r>
+          </a:p>
+          <a:p>
+            <a:pPr algn="l" rtl="0" latinLnBrk="1" hangingPunct="0"/>
+            <a:r>
+              <a:rPr lang="en-GB" sz="1400" dirty="0">
+                <a:solidFill>
+                  <a:srgbClr val="000000"/>
+                </a:solidFill>
+              </a:rPr>
+              <a:t>	Are a dataset’s values less than another’s?</a:t>
+            </a:r>
           </a:p>
           <a:p>
             <a:pPr algn="l" rtl="0" latinLnBrk="1" hangingPunct="0"/>
@@ -8331,7 +7283,7 @@
         </p:nvSpPr>
         <p:spPr>
           <a:xfrm>
-            <a:off x="4867484" y="6081422"/>
+            <a:off x="4818135" y="6081422"/>
             <a:ext cx="4518790" cy="248841"/>
           </a:xfrm>
           <a:prstGeom prst="roundRect">
@@ -8347,7 +7299,7 @@
           </a:ln>
           <a:extLst>
             <a:ext uri="{C572A759-6A51-4108-AA02-DFA0A04FC94B}">
-              <ma14:wrappingTextBoxFlag xmlns:ma14="http://schemas.microsoft.com/office/mac/drawingml/2011/main" xmlns="" val="1"/>
+              <ma14:wrappingTextBoxFlag xmlns="" xmlns:ma14="http://schemas.microsoft.com/office/mac/drawingml/2011/main" val="1"/>
             </a:ext>
           </a:extLst>
         </p:spPr>
@@ -8359,7 +7311,7 @@
               <a:defRPr sz="1800"/>
             </a:pPr>
             <a:r>
-              <a:rPr lang="de-DE" sz="1400" dirty="0" smtClean="0">
+              <a:rPr lang="de-DE" sz="1400" dirty="0">
                 <a:solidFill>
                   <a:srgbClr val="FFFFFF"/>
                 </a:solidFill>
@@ -8424,7 +7376,7 @@
           <a:p>
             <a:pPr algn="l" rtl="0" latinLnBrk="1" hangingPunct="0"/>
             <a:r>
-              <a:rPr lang="en-GB" sz="1400" b="1" dirty="0" err="1" smtClean="0">
+              <a:rPr lang="en-GB" sz="1400" b="1" dirty="0" err="1">
                 <a:solidFill>
                   <a:srgbClr val="000000"/>
                 </a:solidFill>
@@ -8432,7 +7384,7 @@
               <a:t>ds.regrid</a:t>
             </a:r>
             <a:r>
-              <a:rPr lang="en-GB" sz="1400" b="1" dirty="0" smtClean="0">
+              <a:rPr lang="en-GB" sz="1400" b="1" dirty="0">
                 <a:solidFill>
                   <a:srgbClr val="000000"/>
                 </a:solidFill>
@@ -8443,7 +7395,7 @@
           <a:p>
             <a:pPr algn="l" rtl="0" latinLnBrk="1" hangingPunct="0"/>
             <a:r>
-              <a:rPr lang="en-GB" sz="1400" dirty="0" smtClean="0">
+              <a:rPr lang="en-GB" sz="1400" dirty="0">
                 <a:solidFill>
                   <a:srgbClr val="000000"/>
                 </a:solidFill>
@@ -8451,7 +7403,7 @@
               <a:t>	</a:t>
             </a:r>
             <a:r>
-              <a:rPr lang="en-GB" sz="1400" dirty="0" err="1" smtClean="0">
+              <a:rPr lang="en-GB" sz="1400" dirty="0" err="1">
                 <a:solidFill>
                   <a:srgbClr val="000000"/>
                 </a:solidFill>
@@ -8459,7 +7411,7 @@
               <a:t>Regrid</a:t>
             </a:r>
             <a:r>
-              <a:rPr lang="en-GB" sz="1400" dirty="0" smtClean="0">
+              <a:rPr lang="en-GB" sz="1400" dirty="0">
                 <a:solidFill>
                   <a:srgbClr val="000000"/>
                 </a:solidFill>
@@ -8470,7 +7422,7 @@
           <a:p>
             <a:pPr algn="l" rtl="0" latinLnBrk="1" hangingPunct="0"/>
             <a:r>
-              <a:rPr lang="en-GB" sz="1400" b="1" dirty="0" err="1" smtClean="0">
+              <a:rPr lang="en-GB" sz="1400" b="1" dirty="0" err="1">
                 <a:solidFill>
                   <a:srgbClr val="000000"/>
                 </a:solidFill>
@@ -8478,18 +7430,13 @@
               <a:t>ds.regrid</a:t>
             </a:r>
             <a:r>
-              <a:rPr lang="en-GB" sz="1400" b="1" dirty="0" smtClean="0">
+              <a:rPr lang="en-GB" sz="1400" b="1" dirty="0">
                 <a:solidFill>
                   <a:srgbClr val="000000"/>
                 </a:solidFill>
               </a:rPr>
               <a:t>(ds2)</a:t>
             </a:r>
-            <a:endParaRPr lang="en-GB" sz="1400" b="1" dirty="0">
-              <a:solidFill>
-                <a:srgbClr val="000000"/>
-              </a:solidFill>
-            </a:endParaRPr>
           </a:p>
           <a:p>
             <a:pPr algn="l" rtl="0" latinLnBrk="1" hangingPunct="0"/>
@@ -8515,34 +7462,13 @@
                   <a:srgbClr val="000000"/>
                 </a:solidFill>
               </a:rPr>
-              <a:t> to </a:t>
-            </a:r>
-            <a:r>
-              <a:rPr lang="en-GB" sz="1400" dirty="0" smtClean="0">
-                <a:solidFill>
-                  <a:srgbClr val="000000"/>
-                </a:solidFill>
-              </a:rPr>
-              <a:t>another dataset’s grid</a:t>
-            </a:r>
-            <a:r>
-              <a:rPr lang="en-GB" sz="1400" dirty="0">
-                <a:solidFill>
-                  <a:srgbClr val="000000"/>
-                </a:solidFill>
-              </a:rPr>
-              <a:t>.</a:t>
-            </a:r>
-            <a:endParaRPr lang="en-GB" sz="1400" dirty="0" smtClean="0">
-              <a:solidFill>
-                <a:srgbClr val="000000"/>
-              </a:solidFill>
-            </a:endParaRPr>
-          </a:p>
-          <a:p>
-            <a:pPr algn="l" rtl="0" latinLnBrk="1" hangingPunct="0"/>
-            <a:r>
-              <a:rPr lang="en-GB" sz="1400" b="1" dirty="0" err="1" smtClean="0">
+              <a:t> to another dataset’s grid.</a:t>
+            </a:r>
+          </a:p>
+          <a:p>
+            <a:pPr algn="l" rtl="0" latinLnBrk="1" hangingPunct="0"/>
+            <a:r>
+              <a:rPr lang="en-GB" sz="1400" b="1" dirty="0" err="1">
                 <a:solidFill>
                   <a:srgbClr val="000000"/>
                 </a:solidFill>
@@ -8550,7 +7476,7 @@
               <a:t>ds.to_latlon</a:t>
             </a:r>
             <a:r>
-              <a:rPr lang="en-GB" sz="1400" b="1" dirty="0" smtClean="0">
+              <a:rPr lang="en-GB" sz="1400" b="1" dirty="0">
                 <a:solidFill>
                   <a:srgbClr val="000000"/>
                 </a:solidFill>
@@ -8558,7 +7484,7 @@
               <a:t>(</a:t>
             </a:r>
             <a:r>
-              <a:rPr lang="en-GB" sz="1400" b="1" dirty="0" err="1" smtClean="0">
+              <a:rPr lang="en-GB" sz="1400" b="1" dirty="0" err="1">
                 <a:solidFill>
                   <a:srgbClr val="000000"/>
                 </a:solidFill>
@@ -8566,7 +7492,7 @@
               <a:t>lon</a:t>
             </a:r>
             <a:r>
-              <a:rPr lang="en-GB" sz="1400" b="1" dirty="0" smtClean="0">
+              <a:rPr lang="en-GB" sz="1400" b="1" dirty="0">
                 <a:solidFill>
                   <a:srgbClr val="000000"/>
                 </a:solidFill>
@@ -8574,7 +7500,7 @@
               <a:t> = [</a:t>
             </a:r>
             <a:r>
-              <a:rPr lang="en-GB" sz="1400" b="1" dirty="0" err="1" smtClean="0">
+              <a:rPr lang="en-GB" sz="1400" b="1" dirty="0" err="1">
                 <a:solidFill>
                   <a:srgbClr val="000000"/>
                 </a:solidFill>
@@ -8582,7 +7508,7 @@
               <a:t>lon_min</a:t>
             </a:r>
             <a:r>
-              <a:rPr lang="en-GB" sz="1400" b="1" dirty="0" smtClean="0">
+              <a:rPr lang="en-GB" sz="1400" b="1" dirty="0">
                 <a:solidFill>
                   <a:srgbClr val="000000"/>
                 </a:solidFill>
@@ -8590,7 +7516,7 @@
               <a:t>, </a:t>
             </a:r>
             <a:r>
-              <a:rPr lang="en-GB" sz="1400" b="1" dirty="0" err="1" smtClean="0">
+              <a:rPr lang="en-GB" sz="1400" b="1" dirty="0" err="1">
                 <a:solidFill>
                   <a:srgbClr val="000000"/>
                 </a:solidFill>
@@ -8598,7 +7524,7 @@
               <a:t>lon_max</a:t>
             </a:r>
             <a:r>
-              <a:rPr lang="en-GB" sz="1400" b="1" dirty="0" smtClean="0">
+              <a:rPr lang="en-GB" sz="1400" b="1" dirty="0">
                 <a:solidFill>
                   <a:srgbClr val="000000"/>
                 </a:solidFill>
@@ -8614,10 +7540,147 @@
                   <a:srgbClr val="000000"/>
                 </a:solidFill>
               </a:rPr>
+              <a:t>		</a:t>
+            </a:r>
+            <a:r>
+              <a:rPr lang="en-GB" sz="1400" b="1" dirty="0" err="1">
+                <a:solidFill>
+                  <a:srgbClr val="000000"/>
+                </a:solidFill>
+              </a:rPr>
+              <a:t>lat</a:t>
+            </a:r>
+            <a:r>
+              <a:rPr lang="en-GB" sz="1400" b="1" dirty="0">
+                <a:solidFill>
+                  <a:srgbClr val="000000"/>
+                </a:solidFill>
+              </a:rPr>
+              <a:t> = [</a:t>
+            </a:r>
+            <a:r>
+              <a:rPr lang="en-GB" sz="1400" b="1" dirty="0" err="1">
+                <a:solidFill>
+                  <a:srgbClr val="000000"/>
+                </a:solidFill>
+              </a:rPr>
+              <a:t>lat_min</a:t>
+            </a:r>
+            <a:r>
+              <a:rPr lang="en-GB" sz="1400" b="1" dirty="0">
+                <a:solidFill>
+                  <a:srgbClr val="000000"/>
+                </a:solidFill>
+              </a:rPr>
+              <a:t>, </a:t>
+            </a:r>
+            <a:r>
+              <a:rPr lang="en-GB" sz="1400" b="1" dirty="0" err="1">
+                <a:solidFill>
+                  <a:srgbClr val="000000"/>
+                </a:solidFill>
+              </a:rPr>
+              <a:t>lat_max</a:t>
+            </a:r>
+            <a:r>
+              <a:rPr lang="en-GB" sz="1400" b="1" dirty="0">
+                <a:solidFill>
+                  <a:srgbClr val="000000"/>
+                </a:solidFill>
+              </a:rPr>
+              <a:t>], </a:t>
+            </a:r>
+          </a:p>
+          <a:p>
+            <a:pPr algn="l" rtl="0" latinLnBrk="1" hangingPunct="0"/>
+            <a:r>
+              <a:rPr lang="en-GB" sz="1400" b="1" dirty="0">
+                <a:solidFill>
+                  <a:srgbClr val="000000"/>
+                </a:solidFill>
+              </a:rPr>
+              <a:t>		res = [</a:t>
+            </a:r>
+            <a:r>
+              <a:rPr lang="en-GB" sz="1400" b="1" dirty="0" err="1">
+                <a:solidFill>
+                  <a:srgbClr val="000000"/>
+                </a:solidFill>
+              </a:rPr>
+              <a:t>lon_res</a:t>
+            </a:r>
+            <a:r>
+              <a:rPr lang="en-GB" sz="1400" b="1" dirty="0">
+                <a:solidFill>
+                  <a:srgbClr val="000000"/>
+                </a:solidFill>
+              </a:rPr>
+              <a:t>, </a:t>
+            </a:r>
+            <a:r>
+              <a:rPr lang="en-GB" sz="1400" b="1" dirty="0" err="1">
+                <a:solidFill>
+                  <a:srgbClr val="000000"/>
+                </a:solidFill>
+              </a:rPr>
+              <a:t>lat_res</a:t>
+            </a:r>
+            <a:r>
+              <a:rPr lang="en-GB" sz="1400" b="1" dirty="0">
+                <a:solidFill>
+                  <a:srgbClr val="000000"/>
+                </a:solidFill>
+              </a:rPr>
+              <a:t>])</a:t>
+            </a:r>
+          </a:p>
+          <a:p>
+            <a:pPr algn="l" rtl="0" latinLnBrk="1" hangingPunct="0"/>
+            <a:r>
+              <a:rPr lang="en-GB" sz="1400" dirty="0">
+                <a:solidFill>
+                  <a:srgbClr val="000000"/>
+                </a:solidFill>
+              </a:rPr>
               <a:t>	</a:t>
             </a:r>
             <a:r>
-              <a:rPr lang="en-GB" sz="1400" b="1" dirty="0" smtClean="0">
+              <a:rPr lang="en-GB" sz="1400" dirty="0" err="1">
+                <a:solidFill>
+                  <a:srgbClr val="000000"/>
+                </a:solidFill>
+              </a:rPr>
+              <a:t>Regrid</a:t>
+            </a:r>
+            <a:r>
+              <a:rPr lang="en-GB" sz="1400" dirty="0">
+                <a:solidFill>
+                  <a:srgbClr val="000000"/>
+                </a:solidFill>
+              </a:rPr>
+              <a:t> to a regular </a:t>
+            </a:r>
+            <a:r>
+              <a:rPr lang="en-GB" sz="1400" dirty="0" err="1">
+                <a:solidFill>
+                  <a:srgbClr val="000000"/>
+                </a:solidFill>
+              </a:rPr>
+              <a:t>latlon</a:t>
+            </a:r>
+            <a:r>
+              <a:rPr lang="en-GB" sz="1400" dirty="0">
+                <a:solidFill>
+                  <a:srgbClr val="000000"/>
+                </a:solidFill>
+              </a:rPr>
+              <a:t> grid, with specified</a:t>
+            </a:r>
+          </a:p>
+          <a:p>
+            <a:pPr algn="l" rtl="0" latinLnBrk="1" hangingPunct="0"/>
+            <a:r>
+              <a:rPr lang="en-GB" sz="1400" dirty="0">
                 <a:solidFill>
                   <a:srgbClr val="000000"/>
                 </a:solidFill>
@@ -8625,7 +7688,69 @@
               <a:t>	</a:t>
             </a:r>
             <a:r>
-              <a:rPr lang="en-GB" sz="1400" b="1" dirty="0" err="1" smtClean="0">
+              <a:rPr lang="en-GB" sz="1400" dirty="0" err="1">
+                <a:solidFill>
+                  <a:srgbClr val="000000"/>
+                </a:solidFill>
+              </a:rPr>
+              <a:t>latlon</a:t>
+            </a:r>
+            <a:r>
+              <a:rPr lang="en-GB" sz="1400" dirty="0">
+                <a:solidFill>
+                  <a:srgbClr val="000000"/>
+                </a:solidFill>
+              </a:rPr>
+              <a:t> ranges and resolutions.</a:t>
+            </a:r>
+          </a:p>
+          <a:p>
+            <a:pPr algn="l" rtl="0" latinLnBrk="1" hangingPunct="0"/>
+            <a:r>
+              <a:rPr lang="en-GB" sz="1400" b="1" dirty="0" err="1">
+                <a:solidFill>
+                  <a:srgbClr val="000000"/>
+                </a:solidFill>
+              </a:rPr>
+              <a:t>ds.resample_grid</a:t>
+            </a:r>
+            <a:r>
+              <a:rPr lang="en-GB" sz="1400" b="1" dirty="0">
+                <a:solidFill>
+                  <a:srgbClr val="000000"/>
+                </a:solidFill>
+              </a:rPr>
+              <a:t>(2)</a:t>
+            </a:r>
+          </a:p>
+          <a:p>
+            <a:pPr algn="l" rtl="0" latinLnBrk="1" hangingPunct="0"/>
+            <a:r>
+              <a:rPr lang="en-GB" sz="1400" dirty="0">
+                <a:solidFill>
+                  <a:srgbClr val="000000"/>
+                </a:solidFill>
+              </a:rPr>
+              <a:t>	Resample, selecting everything other </a:t>
+            </a:r>
+            <a:r>
+              <a:rPr lang="en-GB" sz="1400" dirty="0" err="1">
+                <a:solidFill>
+                  <a:srgbClr val="000000"/>
+                </a:solidFill>
+              </a:rPr>
+              <a:t>lon</a:t>
+            </a:r>
+            <a:r>
+              <a:rPr lang="en-GB" sz="1400" dirty="0">
+                <a:solidFill>
+                  <a:srgbClr val="000000"/>
+                </a:solidFill>
+              </a:rPr>
+              <a:t>/</a:t>
+            </a:r>
+            <a:r>
+              <a:rPr lang="en-GB" sz="1400" dirty="0" err="1">
                 <a:solidFill>
                   <a:srgbClr val="000000"/>
                 </a:solidFill>
@@ -8633,251 +7758,7 @@
               <a:t>lat</a:t>
             </a:r>
             <a:r>
-              <a:rPr lang="en-GB" sz="1400" b="1" dirty="0" smtClean="0">
-                <a:solidFill>
-                  <a:srgbClr val="000000"/>
-                </a:solidFill>
-              </a:rPr>
-              <a:t> = [</a:t>
-            </a:r>
-            <a:r>
-              <a:rPr lang="en-GB" sz="1400" b="1" dirty="0" err="1" smtClean="0">
-                <a:solidFill>
-                  <a:srgbClr val="000000"/>
-                </a:solidFill>
-              </a:rPr>
-              <a:t>lat_min</a:t>
-            </a:r>
-            <a:r>
-              <a:rPr lang="en-GB" sz="1400" b="1" dirty="0" smtClean="0">
-                <a:solidFill>
-                  <a:srgbClr val="000000"/>
-                </a:solidFill>
-              </a:rPr>
-              <a:t>, </a:t>
-            </a:r>
-            <a:r>
-              <a:rPr lang="en-GB" sz="1400" b="1" dirty="0" err="1" smtClean="0">
-                <a:solidFill>
-                  <a:srgbClr val="000000"/>
-                </a:solidFill>
-              </a:rPr>
-              <a:t>lat_max</a:t>
-            </a:r>
-            <a:r>
-              <a:rPr lang="en-GB" sz="1400" b="1" dirty="0" smtClean="0">
-                <a:solidFill>
-                  <a:srgbClr val="000000"/>
-                </a:solidFill>
-              </a:rPr>
-              <a:t>], </a:t>
-            </a:r>
-          </a:p>
-          <a:p>
-            <a:pPr algn="l" rtl="0" latinLnBrk="1" hangingPunct="0"/>
-            <a:r>
-              <a:rPr lang="en-GB" sz="1400" b="1" dirty="0">
-                <a:solidFill>
-                  <a:srgbClr val="000000"/>
-                </a:solidFill>
-              </a:rPr>
-              <a:t>	</a:t>
-            </a:r>
-            <a:r>
-              <a:rPr lang="en-GB" sz="1400" b="1" dirty="0" smtClean="0">
-                <a:solidFill>
-                  <a:srgbClr val="000000"/>
-                </a:solidFill>
-              </a:rPr>
-              <a:t>	res = [</a:t>
-            </a:r>
-            <a:r>
-              <a:rPr lang="en-GB" sz="1400" b="1" dirty="0" err="1" smtClean="0">
-                <a:solidFill>
-                  <a:srgbClr val="000000"/>
-                </a:solidFill>
-              </a:rPr>
-              <a:t>lon_res</a:t>
-            </a:r>
-            <a:r>
-              <a:rPr lang="en-GB" sz="1400" b="1" dirty="0" smtClean="0">
-                <a:solidFill>
-                  <a:srgbClr val="000000"/>
-                </a:solidFill>
-              </a:rPr>
-              <a:t>, </a:t>
-            </a:r>
-            <a:r>
-              <a:rPr lang="en-GB" sz="1400" b="1" dirty="0" err="1" smtClean="0">
-                <a:solidFill>
-                  <a:srgbClr val="000000"/>
-                </a:solidFill>
-              </a:rPr>
-              <a:t>lat_res</a:t>
-            </a:r>
-            <a:r>
-              <a:rPr lang="en-GB" sz="1400" b="1" dirty="0" smtClean="0">
-                <a:solidFill>
-                  <a:srgbClr val="000000"/>
-                </a:solidFill>
-              </a:rPr>
-              <a:t>])</a:t>
-            </a:r>
-            <a:endParaRPr lang="en-GB" sz="1400" b="1" dirty="0">
-              <a:solidFill>
-                <a:srgbClr val="000000"/>
-              </a:solidFill>
-            </a:endParaRPr>
-          </a:p>
-          <a:p>
-            <a:pPr algn="l" rtl="0" latinLnBrk="1" hangingPunct="0"/>
-            <a:r>
-              <a:rPr lang="en-GB" sz="1400" dirty="0">
-                <a:solidFill>
-                  <a:srgbClr val="000000"/>
-                </a:solidFill>
-              </a:rPr>
-              <a:t>	</a:t>
-            </a:r>
-            <a:r>
-              <a:rPr lang="en-GB" sz="1400" dirty="0" err="1">
-                <a:solidFill>
-                  <a:srgbClr val="000000"/>
-                </a:solidFill>
-              </a:rPr>
-              <a:t>Regrid</a:t>
-            </a:r>
-            <a:r>
-              <a:rPr lang="en-GB" sz="1400" dirty="0">
-                <a:solidFill>
-                  <a:srgbClr val="000000"/>
-                </a:solidFill>
-              </a:rPr>
-              <a:t> to </a:t>
-            </a:r>
-            <a:r>
-              <a:rPr lang="en-GB" sz="1400" dirty="0" smtClean="0">
-                <a:solidFill>
-                  <a:srgbClr val="000000"/>
-                </a:solidFill>
-              </a:rPr>
-              <a:t>a regular </a:t>
-            </a:r>
-            <a:r>
-              <a:rPr lang="en-GB" sz="1400" dirty="0" err="1" smtClean="0">
-                <a:solidFill>
-                  <a:srgbClr val="000000"/>
-                </a:solidFill>
-              </a:rPr>
-              <a:t>latlon</a:t>
-            </a:r>
-            <a:r>
-              <a:rPr lang="en-GB" sz="1400" dirty="0" smtClean="0">
-                <a:solidFill>
-                  <a:srgbClr val="000000"/>
-                </a:solidFill>
-              </a:rPr>
-              <a:t> grid, with specified</a:t>
-            </a:r>
-          </a:p>
-          <a:p>
-            <a:pPr algn="l" rtl="0" latinLnBrk="1" hangingPunct="0"/>
-            <a:r>
-              <a:rPr lang="en-GB" sz="1400" dirty="0">
-                <a:solidFill>
-                  <a:srgbClr val="000000"/>
-                </a:solidFill>
-              </a:rPr>
-              <a:t>	</a:t>
-            </a:r>
-            <a:r>
-              <a:rPr lang="en-GB" sz="1400" dirty="0" err="1" smtClean="0">
-                <a:solidFill>
-                  <a:srgbClr val="000000"/>
-                </a:solidFill>
-              </a:rPr>
-              <a:t>latlon</a:t>
-            </a:r>
-            <a:r>
-              <a:rPr lang="en-GB" sz="1400" dirty="0" smtClean="0">
-                <a:solidFill>
-                  <a:srgbClr val="000000"/>
-                </a:solidFill>
-              </a:rPr>
-              <a:t> ranges and resolutions.</a:t>
-            </a:r>
-          </a:p>
-          <a:p>
-            <a:pPr algn="l" rtl="0" latinLnBrk="1" hangingPunct="0"/>
-            <a:r>
-              <a:rPr lang="en-GB" sz="1400" b="1" dirty="0" err="1">
-                <a:solidFill>
-                  <a:srgbClr val="000000"/>
-                </a:solidFill>
-              </a:rPr>
-              <a:t>d</a:t>
-            </a:r>
-            <a:r>
-              <a:rPr lang="en-GB" sz="1400" b="1" dirty="0" err="1" smtClean="0">
-                <a:solidFill>
-                  <a:srgbClr val="000000"/>
-                </a:solidFill>
-              </a:rPr>
-              <a:t>s.resample_grid</a:t>
-            </a:r>
-            <a:r>
-              <a:rPr lang="en-GB" sz="1400" b="1" dirty="0" smtClean="0">
-                <a:solidFill>
-                  <a:srgbClr val="000000"/>
-                </a:solidFill>
-              </a:rPr>
-              <a:t>(2)</a:t>
-            </a:r>
-          </a:p>
-          <a:p>
-            <a:pPr algn="l" rtl="0" latinLnBrk="1" hangingPunct="0"/>
-            <a:r>
-              <a:rPr lang="en-GB" sz="1400" dirty="0">
-                <a:solidFill>
-                  <a:srgbClr val="000000"/>
-                </a:solidFill>
-              </a:rPr>
-              <a:t>	</a:t>
-            </a:r>
-            <a:r>
-              <a:rPr lang="en-GB" sz="1400" dirty="0" smtClean="0">
-                <a:solidFill>
-                  <a:srgbClr val="000000"/>
-                </a:solidFill>
-              </a:rPr>
-              <a:t>Resample, selecting everything other </a:t>
-            </a:r>
-            <a:r>
-              <a:rPr lang="en-GB" sz="1400" dirty="0" err="1" smtClean="0">
-                <a:solidFill>
-                  <a:srgbClr val="000000"/>
-                </a:solidFill>
-              </a:rPr>
-              <a:t>lon</a:t>
-            </a:r>
-            <a:r>
-              <a:rPr lang="en-GB" sz="1400" dirty="0" smtClean="0">
-                <a:solidFill>
-                  <a:srgbClr val="000000"/>
-                </a:solidFill>
-              </a:rPr>
-              <a:t>/</a:t>
-            </a:r>
-            <a:r>
-              <a:rPr lang="en-GB" sz="1400" dirty="0" err="1" smtClean="0">
-                <a:solidFill>
-                  <a:srgbClr val="000000"/>
-                </a:solidFill>
-              </a:rPr>
-              <a:t>lat</a:t>
-            </a:r>
-            <a:r>
-              <a:rPr lang="en-GB" sz="1400" dirty="0" smtClean="0">
+              <a:rPr lang="en-GB" sz="1400" dirty="0">
                 <a:solidFill>
                   <a:srgbClr val="000000"/>
                 </a:solidFill>
@@ -8893,21 +7774,8 @@
                   <a:srgbClr val="000000"/>
                 </a:solidFill>
               </a:rPr>
-              <a:t>	</a:t>
-            </a:r>
-            <a:r>
-              <a:rPr lang="en-GB" sz="1400" dirty="0" smtClean="0">
-                <a:solidFill>
-                  <a:srgbClr val="000000"/>
-                </a:solidFill>
-              </a:rPr>
-              <a:t>grid cell</a:t>
-            </a:r>
-            <a:endParaRPr lang="en-GB" sz="1400" dirty="0">
-              <a:solidFill>
-                <a:srgbClr val="000000"/>
-              </a:solidFill>
-            </a:endParaRPr>
+              <a:t>	grid cell</a:t>
+            </a:r>
           </a:p>
         </p:txBody>
       </p:sp>
@@ -8922,13 +7790,6 @@
     <a:masterClrMapping/>
   </p:clrMapOvr>
   <p:transition spd="med"/>
-  <p:timing>
-    <p:tnLst>
-      <p:par>
-        <p:cTn id="1" dur="indefinite" restart="never" nodeType="tmRoot"/>
-      </p:par>
-    </p:tnLst>
-  </p:timing>
 </p:sld>
 </file>
 

--- a/cheatsheet/nctoolkit_cheatsheet.pptx
+++ b/cheatsheet/nctoolkit_cheatsheet.pptx
@@ -109,7 +109,7 @@
 <file path=ppt/revisionInfo.xml><?xml version="1.0" encoding="utf-8"?>
 <p1510:revInfo xmlns:a="http://schemas.openxmlformats.org/drawingml/2006/main" xmlns:r="http://schemas.openxmlformats.org/officeDocument/2006/relationships" xmlns:p1510="http://schemas.microsoft.com/office/powerpoint/2015/10/main">
   <p1510:revLst>
-    <p1510:client id="{A46308C0-0EDE-7830-9F5A-22B792374B3D}" v="155" dt="2023-06-09T08:11:34.513"/>
+    <p1510:client id="{DB563568-CF79-5090-381E-811D5F6EB550}" v="5" dt="2024-02-06T11:10:46.504"/>
   </p1510:revLst>
 </p1510:revInfo>
 </file>
@@ -1451,7 +1451,7 @@
           </a:ln>
           <a:extLst>
             <a:ext uri="{C572A759-6A51-4108-AA02-DFA0A04FC94B}">
-              <ma14:wrappingTextBoxFlag xmlns="" xmlns:ma14="http://schemas.microsoft.com/office/mac/drawingml/2011/main" val="1"/>
+              <ma14:wrappingTextBoxFlag xmlns:ma14="http://schemas.microsoft.com/office/mac/drawingml/2011/main" xmlns="" val="1"/>
             </a:ext>
           </a:extLst>
         </p:spPr>
@@ -1494,7 +1494,7 @@
           </a:ln>
           <a:extLst>
             <a:ext uri="{C572A759-6A51-4108-AA02-DFA0A04FC94B}">
-              <ma14:wrappingTextBoxFlag xmlns="" xmlns:ma14="http://schemas.microsoft.com/office/mac/drawingml/2011/main" val="1"/>
+              <ma14:wrappingTextBoxFlag xmlns:ma14="http://schemas.microsoft.com/office/mac/drawingml/2011/main" xmlns="" val="1"/>
             </a:ext>
           </a:extLst>
         </p:spPr>
@@ -1933,7 +1933,7 @@
                 <a:cs typeface="Source Sans Pro Semibold"/>
                 <a:sym typeface="Source Sans Pro"/>
               </a:rPr>
-              <a:t> v0.9.3</a:t>
+              <a:t> v1.1.6</a:t>
             </a:r>
             <a:endParaRPr sz="2000" dirty="0">
               <a:solidFill>
@@ -1989,7 +1989,7 @@
           </a:ln>
           <a:extLst>
             <a:ext uri="{C572A759-6A51-4108-AA02-DFA0A04FC94B}">
-              <ma14:wrappingTextBoxFlag xmlns="" xmlns:ma14="http://schemas.microsoft.com/office/mac/drawingml/2011/main" val="1"/>
+              <ma14:wrappingTextBoxFlag xmlns:ma14="http://schemas.microsoft.com/office/mac/drawingml/2011/main" xmlns="" val="1"/>
             </a:ext>
           </a:extLst>
         </p:spPr>
@@ -2319,7 +2319,7 @@
           </a:ln>
           <a:extLst>
             <a:ext uri="{C572A759-6A51-4108-AA02-DFA0A04FC94B}">
-              <ma14:wrappingTextBoxFlag xmlns="" xmlns:ma14="http://schemas.microsoft.com/office/mac/drawingml/2011/main" val="1"/>
+              <ma14:wrappingTextBoxFlag xmlns:ma14="http://schemas.microsoft.com/office/mac/drawingml/2011/main" xmlns="" val="1"/>
             </a:ext>
           </a:extLst>
         </p:spPr>
@@ -2847,7 +2847,7 @@
           </a:ln>
           <a:extLst>
             <a:ext uri="{C572A759-6A51-4108-AA02-DFA0A04FC94B}">
-              <ma14:wrappingTextBoxFlag xmlns="" xmlns:ma14="http://schemas.microsoft.com/office/mac/drawingml/2011/main" val="1"/>
+              <ma14:wrappingTextBoxFlag xmlns:ma14="http://schemas.microsoft.com/office/mac/drawingml/2011/main" xmlns="" val="1"/>
             </a:ext>
           </a:extLst>
         </p:spPr>
@@ -3095,7 +3095,7 @@
           </a:ln>
           <a:extLst>
             <a:ext uri="{C572A759-6A51-4108-AA02-DFA0A04FC94B}">
-              <ma14:wrappingTextBoxFlag xmlns="" xmlns:ma14="http://schemas.microsoft.com/office/mac/drawingml/2011/main" val="1"/>
+              <ma14:wrappingTextBoxFlag xmlns:ma14="http://schemas.microsoft.com/office/mac/drawingml/2011/main" xmlns="" val="1"/>
             </a:ext>
           </a:extLst>
         </p:spPr>
@@ -3152,7 +3152,7 @@
           </a:ln>
           <a:extLst>
             <a:ext uri="{C572A759-6A51-4108-AA02-DFA0A04FC94B}">
-              <ma14:wrappingTextBoxFlag xmlns="" xmlns:ma14="http://schemas.microsoft.com/office/mac/drawingml/2011/main" val="1"/>
+              <ma14:wrappingTextBoxFlag xmlns:ma14="http://schemas.microsoft.com/office/mac/drawingml/2011/main" xmlns="" val="1"/>
             </a:ext>
           </a:extLst>
         </p:spPr>
@@ -4029,7 +4029,7 @@
           </a:ln>
           <a:extLst>
             <a:ext uri="{C572A759-6A51-4108-AA02-DFA0A04FC94B}">
-              <ma14:wrappingTextBoxFlag xmlns="" xmlns:ma14="http://schemas.microsoft.com/office/mac/drawingml/2011/main" val="1"/>
+              <ma14:wrappingTextBoxFlag xmlns:ma14="http://schemas.microsoft.com/office/mac/drawingml/2011/main" xmlns="" val="1"/>
             </a:ext>
           </a:extLst>
         </p:spPr>
@@ -4386,7 +4386,7 @@
           </a:ln>
           <a:extLst>
             <a:ext uri="{C572A759-6A51-4108-AA02-DFA0A04FC94B}">
-              <ma14:wrappingTextBoxFlag xmlns="" xmlns:ma14="http://schemas.microsoft.com/office/mac/drawingml/2011/main" val="1"/>
+              <ma14:wrappingTextBoxFlag xmlns:ma14="http://schemas.microsoft.com/office/mac/drawingml/2011/main" xmlns="" val="1"/>
             </a:ext>
           </a:extLst>
         </p:spPr>
@@ -4739,7 +4739,7 @@
           </a:ln>
           <a:extLst>
             <a:ext uri="{C572A759-6A51-4108-AA02-DFA0A04FC94B}">
-              <ma14:wrappingTextBoxFlag xmlns="" xmlns:ma14="http://schemas.microsoft.com/office/mac/drawingml/2011/main" val="1"/>
+              <ma14:wrappingTextBoxFlag xmlns:ma14="http://schemas.microsoft.com/office/mac/drawingml/2011/main" xmlns="" val="1"/>
             </a:ext>
           </a:extLst>
         </p:spPr>
@@ -4913,7 +4913,7 @@
           </a:ln>
           <a:extLst>
             <a:ext uri="{C572A759-6A51-4108-AA02-DFA0A04FC94B}">
-              <ma14:wrappingTextBoxFlag xmlns="" xmlns:ma14="http://schemas.microsoft.com/office/mac/drawingml/2011/main" val="1"/>
+              <ma14:wrappingTextBoxFlag xmlns:ma14="http://schemas.microsoft.com/office/mac/drawingml/2011/main" xmlns="" val="1"/>
             </a:ext>
           </a:extLst>
         </p:spPr>
@@ -5057,7 +5057,7 @@
           </a:ln>
           <a:extLst>
             <a:ext uri="{C572A759-6A51-4108-AA02-DFA0A04FC94B}">
-              <ma14:wrappingTextBoxFlag xmlns="" xmlns:ma14="http://schemas.microsoft.com/office/mac/drawingml/2011/main" val="1"/>
+              <ma14:wrappingTextBoxFlag xmlns:ma14="http://schemas.microsoft.com/office/mac/drawingml/2011/main" xmlns="" val="1"/>
             </a:ext>
           </a:extLst>
         </p:spPr>
@@ -5403,7 +5403,7 @@
           </a:ln>
           <a:extLst>
             <a:ext uri="{C572A759-6A51-4108-AA02-DFA0A04FC94B}">
-              <ma14:wrappingTextBoxFlag xmlns="" xmlns:ma14="http://schemas.microsoft.com/office/mac/drawingml/2011/main" val="1"/>
+              <ma14:wrappingTextBoxFlag xmlns:ma14="http://schemas.microsoft.com/office/mac/drawingml/2011/main" xmlns="" val="1"/>
             </a:ext>
           </a:extLst>
         </p:spPr>
@@ -5689,7 +5689,7 @@
           </a:ln>
           <a:extLst>
             <a:ext uri="{C572A759-6A51-4108-AA02-DFA0A04FC94B}">
-              <ma14:wrappingTextBoxFlag xmlns="" xmlns:ma14="http://schemas.microsoft.com/office/mac/drawingml/2011/main" val="1"/>
+              <ma14:wrappingTextBoxFlag xmlns:ma14="http://schemas.microsoft.com/office/mac/drawingml/2011/main" xmlns="" val="1"/>
             </a:ext>
           </a:extLst>
         </p:spPr>
@@ -6027,7 +6027,7 @@
           </a:ln>
           <a:extLst>
             <a:ext uri="{C572A759-6A51-4108-AA02-DFA0A04FC94B}">
-              <ma14:wrappingTextBoxFlag xmlns="" xmlns:ma14="http://schemas.microsoft.com/office/mac/drawingml/2011/main" val="1"/>
+              <ma14:wrappingTextBoxFlag xmlns:ma14="http://schemas.microsoft.com/office/mac/drawingml/2011/main" xmlns="" val="1"/>
             </a:ext>
           </a:extLst>
         </p:spPr>
@@ -6368,7 +6368,7 @@
           </a:ln>
           <a:extLst>
             <a:ext uri="{C572A759-6A51-4108-AA02-DFA0A04FC94B}">
-              <ma14:wrappingTextBoxFlag xmlns="" xmlns:ma14="http://schemas.microsoft.com/office/mac/drawingml/2011/main" val="1"/>
+              <ma14:wrappingTextBoxFlag xmlns:ma14="http://schemas.microsoft.com/office/mac/drawingml/2011/main" xmlns="" val="1"/>
             </a:ext>
           </a:extLst>
         </p:spPr>
@@ -6683,7 +6683,7 @@
           </a:ln>
           <a:extLst>
             <a:ext uri="{C572A759-6A51-4108-AA02-DFA0A04FC94B}">
-              <ma14:wrappingTextBoxFlag xmlns="" xmlns:ma14="http://schemas.microsoft.com/office/mac/drawingml/2011/main" val="1"/>
+              <ma14:wrappingTextBoxFlag xmlns:ma14="http://schemas.microsoft.com/office/mac/drawingml/2011/main" xmlns="" val="1"/>
             </a:ext>
           </a:extLst>
         </p:spPr>
@@ -7040,7 +7040,7 @@
           </a:ln>
           <a:extLst>
             <a:ext uri="{C572A759-6A51-4108-AA02-DFA0A04FC94B}">
-              <ma14:wrappingTextBoxFlag xmlns="" xmlns:ma14="http://schemas.microsoft.com/office/mac/drawingml/2011/main" val="1"/>
+              <ma14:wrappingTextBoxFlag xmlns:ma14="http://schemas.microsoft.com/office/mac/drawingml/2011/main" xmlns="" val="1"/>
             </a:ext>
           </a:extLst>
         </p:spPr>
@@ -7299,7 +7299,7 @@
           </a:ln>
           <a:extLst>
             <a:ext uri="{C572A759-6A51-4108-AA02-DFA0A04FC94B}">
-              <ma14:wrappingTextBoxFlag xmlns="" xmlns:ma14="http://schemas.microsoft.com/office/mac/drawingml/2011/main" val="1"/>
+              <ma14:wrappingTextBoxFlag xmlns:ma14="http://schemas.microsoft.com/office/mac/drawingml/2011/main" xmlns="" val="1"/>
             </a:ext>
           </a:extLst>
         </p:spPr>

--- a/cheatsheet/nctoolkit_cheatsheet.pptx
+++ b/cheatsheet/nctoolkit_cheatsheet.pptx
@@ -109,7 +109,7 @@
 <file path=ppt/revisionInfo.xml><?xml version="1.0" encoding="utf-8"?>
 <p1510:revInfo xmlns:a="http://schemas.openxmlformats.org/drawingml/2006/main" xmlns:r="http://schemas.openxmlformats.org/officeDocument/2006/relationships" xmlns:p1510="http://schemas.microsoft.com/office/powerpoint/2015/10/main">
   <p1510:revLst>
-    <p1510:client id="{DB563568-CF79-5090-381E-811D5F6EB550}" v="5" dt="2024-02-06T11:10:46.504"/>
+    <p1510:client id="{E59E2F4F-BB86-22AB-8807-C99EFC6E1C46}" v="3" dt="2024-06-17T08:20:46.077"/>
   </p1510:revLst>
 </p1510:revInfo>
 </file>
@@ -1933,7 +1933,7 @@
                 <a:cs typeface="Source Sans Pro Semibold"/>
                 <a:sym typeface="Source Sans Pro"/>
               </a:rPr>
-              <a:t> v1.1.6</a:t>
+              <a:t> v1.1.11</a:t>
             </a:r>
             <a:endParaRPr sz="2000" dirty="0">
               <a:solidFill>
@@ -3016,23 +3016,7 @@
                   <a:srgbClr val="000000"/>
                 </a:solidFill>
               </a:rPr>
-              <a:t>(‘</a:t>
-            </a:r>
-            <a:r>
-              <a:rPr lang="en-GB" sz="1400" b="1" dirty="0" err="1">
-                <a:solidFill>
-                  <a:srgbClr val="000000"/>
-                </a:solidFill>
-              </a:rPr>
-              <a:t>var</a:t>
-            </a:r>
-            <a:r>
-              <a:rPr lang="en-GB" sz="1400" b="1" dirty="0">
-                <a:solidFill>
-                  <a:srgbClr val="000000"/>
-                </a:solidFill>
-              </a:rPr>
-              <a:t>’)</a:t>
+              <a:t>(‘var’)</a:t>
             </a:r>
           </a:p>
           <a:p>
@@ -4868,23 +4852,7 @@
                   <a:srgbClr val="000000"/>
                 </a:solidFill>
               </a:rPr>
-              <a:t>	Merge dataset of files with different </a:t>
-            </a:r>
-            <a:r>
-              <a:rPr lang="en-GB" sz="1400" dirty="0" err="1">
-                <a:solidFill>
-                  <a:srgbClr val="000000"/>
-                </a:solidFill>
-              </a:rPr>
-              <a:t>timesteps</a:t>
-            </a:r>
-            <a:r>
-              <a:rPr lang="en-GB" sz="1400" dirty="0">
-                <a:solidFill>
-                  <a:srgbClr val="000000"/>
-                </a:solidFill>
-              </a:rPr>
-              <a:t>.</a:t>
+              <a:t>	Merge dataset of files with different timesteps.</a:t>
             </a:r>
           </a:p>
         </p:txBody>
